--- a/Opioid.pptx
+++ b/Opioid.pptx
@@ -236,7 +236,7 @@
           <a:p>
             <a:fld id="{9232FC57-E1F8-4F59-A87C-2833007EAF57}" type="datetimeFigureOut">
               <a:rPr lang="en-US" smtClean="0"/>
-              <a:t>12/14/2023</a:t>
+              <a:t>1/2/2024</a:t>
             </a:fld>
             <a:endParaRPr lang="en-US"/>
           </a:p>
@@ -1075,15 +1075,15 @@
           <inkml:channelProperty channel="F" name="resolution" value="0" units="1/dev"/>
         </inkml:channelProperties>
       </inkml:inkSource>
-      <inkml:timestamp xml:id="ts0" timeString="2023-12-15T20:18:48.664"/>
+      <inkml:timestamp xml:id="ts0" timeString="2024-01-02T23:29:38.041"/>
     </inkml:context>
     <inkml:brush xml:id="br0">
-      <inkml:brushProperty name="width" value="0.35" units="cm"/>
-      <inkml:brushProperty name="height" value="0.35" units="cm"/>
+      <inkml:brushProperty name="width" value="0.2" units="cm"/>
+      <inkml:brushProperty name="height" value="0.2" units="cm"/>
       <inkml:brushProperty name="color" value="#FFFFFF"/>
     </inkml:brush>
   </inkml:definitions>
-  <inkml:trace contextRef="#ctx0" brushRef="#br0">389 22 24575,'-4'0'0,"-7"0"0,-5 0 0,-5 0 0,-3 0 0,-2 0 0,-1 0 0,-1 0 0,1 0 0,-1 0 0,1 0 0,0 0 0,0 0 0,-4 0 0,-1-9 0,0-3 0</inkml:trace>
+  <inkml:trace contextRef="#ctx0" brushRef="#br0">1538 0 24575,'0'14'0,"-1"-1"0,0 1 0,-1 0 0,0-1 0,-2 0 0,1 1 0,-2-1 0,1-1 0,-10 18 0,12-26 0,-1 1 0,0-1 0,0 1 0,0-1 0,0 0 0,-1 0 0,1 0 0,-1-1 0,0 1 0,0-1 0,-1 0 0,1 0 0,-1 0 0,1-1 0,-1 1 0,0-1 0,0-1 0,0 1 0,0 0 0,0-1 0,0 0 0,0 0 0,-1-1 0,1 0 0,0 0 0,-8 0 0,7-1 0,-1 0 0,1 0 0,-1 0 0,1-1 0,-1 0 0,1 0 0,0-1 0,0 0 0,0 0 0,1 0 0,-1-1 0,1 1 0,0-1 0,-1-1 0,2 1 0,-1-1 0,1 0 0,-1 0 0,1 0 0,-4-7 0,4 6 0,-1 0 0,0 1 0,0-1 0,0 1 0,-1 0 0,0 1 0,0-1 0,0 1 0,0 0 0,-1 1 0,1-1 0,-1 1 0,0 1 0,0-1 0,0 1 0,-1 0 0,1 1 0,-11-1 0,-9-1 0,-1 1 0,0 1 0,-44 5 0,54-1 0,0 0 0,0 2 0,1 0 0,0 1 0,-19 9 0,20-7 0,0-1 0,-1-1 0,0-1 0,0-1 0,-26 4 0,-306-5 0,175-6 0,125 5 0,32 0 0,-1-2 0,0 0 0,1 0 0,-1-2 0,-22-4 0,39 5 0,-1 1 0,1 0 0,-1-1 0,1 1 0,-1-1 0,1 0 0,-1 1 0,1-1 0,0 0 0,-1 0 0,1 0 0,0 0 0,0 0 0,0 0 0,0 0 0,0 0 0,-2-3 0,3 4 0,0-1 0,0 0 0,0 0 0,0 0 0,0 1 0,0-1 0,0 0 0,0 0 0,0 1 0,0-1 0,0 0 0,0 0 0,1 0 0,-1 1 0,0-1 0,0 0 0,1 0 0,-1 1 0,1-1 0,-1 0 0,1 1 0,-1-1 0,2 0 0,1-2 0,0 0 0,1 0 0,-1 0 0,1 1 0,0-1 0,0 1 0,0 0 0,0 0 0,0 1 0,6-2 0,26-3 0,0 2 0,-1 2 0,1 1 0,47 5 0,44-1 0,-17-13 0,35-1 0,-127 12 0,0-1 0,0 2 0,0 1 0,-1 0 0,1 1 0,17 6 0,-9 1 0,1-2 0,0-2 0,1 0 0,-1-2 0,1 0 0,0-2 0,34-1 0,-5-5 0,60 0 0,-105 4 0,-1 0 0,1 0 0,0 1 0,0 1 0,-1 0 0,1 0 0,11 6 0,-22-8 0,1 0 0,-1-1 0,1 1 0,-1 0 0,1 0 0,-1 1 0,0-1 0,1 0 0,-1 0 0,0 1 0,0-1 0,0 1 0,0-1 0,0 1 0,0-1 0,0 1 0,0-1 0,-1 1 0,1 0 0,-1 0 0,1-1 0,-1 1 0,0 0 0,0 0 0,1-1 0,-1 1 0,0 0 0,-1 0 0,1 0 0,0-1 0,0 1 0,-1 0 0,1 0 0,-1-1 0,0 1 0,1 0 0,-1-1 0,0 1 0,0-1 0,-1 2 0,-3 5 0,1-1 0,-1-1 0,0 1 0,-1-1 0,1 0 0,-1 0 0,-11 8 0,1-3 5,-1-1-1,-1-1 1,1-1 0,-1 0-1,-1-1 1,1-1-1,-1-1 1,0 0 0,-37 3-1,-12-4-128,-104-6 0,50-2-1039</inkml:trace>
 </inkml:ink>
 </file>
 
@@ -1103,15 +1103,15 @@
           <inkml:channelProperty channel="F" name="resolution" value="0" units="1/dev"/>
         </inkml:channelProperties>
       </inkml:inkSource>
-      <inkml:timestamp xml:id="ts0" timeString="2023-12-15T20:18:50.612"/>
+      <inkml:timestamp xml:id="ts0" timeString="2024-01-02T23:29:46.441"/>
     </inkml:context>
     <inkml:brush xml:id="br0">
-      <inkml:brushProperty name="width" value="0.35" units="cm"/>
-      <inkml:brushProperty name="height" value="0.35" units="cm"/>
+      <inkml:brushProperty name="width" value="0.2" units="cm"/>
+      <inkml:brushProperty name="height" value="0.2" units="cm"/>
       <inkml:brushProperty name="color" value="#FFFFFF"/>
     </inkml:brush>
   </inkml:definitions>
-  <inkml:trace contextRef="#ctx0" brushRef="#br0">535 55 24575,'-67'2'0,"42"0"0,0-1 0,0-1 0,1-2 0,-45-7 0,13-12 0,46 16 0,0 0 0,0 1 0,-1 1 0,1 0 0,-21-3 0,-91 4-87,83 3-1191</inkml:trace>
+  <inkml:trace contextRef="#ctx0" brushRef="#br0">4 1 24575,'-2'41'0,"1"-24"0,0 0 0,1 0 0,1 0 0,5 27 0,-5-40 0,0-1 0,-1 1 0,2-1 0,-1 0 0,0 1 0,1-1 0,0 0 0,-1 0 0,1 0 0,0 0 0,1-1 0,-1 1 0,0 0 0,1-1 0,0 0 0,-1 1 0,1-1 0,0 0 0,0 0 0,0-1 0,0 1 0,1-1 0,-1 1 0,0-1 0,1 0 0,-1 0 0,6 0 0,10 0 0,0-1 0,1 0 0,-1-2 0,0 0 0,0-1 0,0-1 0,32-11 0,-27 8 0,0 0 0,1 2 0,0 1 0,27-1 0,0 7 0,-39 0 0,1-1 0,-1-1 0,0 0 0,0-1 0,1 0 0,22-5 0,-34 5 0,1-1 0,-1 1 0,0 0 0,0-1 0,0 1 0,-1-1 0,1 1 0,0-1 0,-1 0 0,1 0 0,-1 0 0,1 0 0,-1 0 0,0 0 0,0 0 0,0 0 0,0 0 0,0-1 0,0 1 0,-1 0 0,1-1 0,-1 1 0,1 0 0,-1-1 0,0 1 0,0-1 0,0 1 0,-1 0 0,1-1 0,0 1 0,-1-1 0,0 1 0,1 0 0,-2-4 0,0 1 0,0-1 0,0 1 0,0 0 0,0-1 0,-1 1 0,0 0 0,0 0 0,0 1 0,-1-1 0,0 1 0,1 0 0,-2-1 0,-7-5 0,7 8 0,1 0 0,-1 0 0,0 0 0,0 1 0,0 0 0,0 0 0,-1 0 0,1 0 0,0 1 0,0 0 0,-6 0 0,-64 11 0,13-1 0,-25-9 0,67-1 0,59 0 0,113 5 0,164 26 0,-173-19 0,208-9 0,-167-6 0,477 3 0,-652 0 0,-1 1 0,1 0 0,-1 1 0,1 0 0,-1 0 0,0 0 0,0 1 0,0 1 0,0-1 0,7 6 0,-12-8 0,0 0 0,0 1 0,-1 0 0,0 0 0,1 0 0,-1 0 0,0 0 0,0 0 0,0 1 0,0-1 0,0 0 0,0 1 0,-1 0 0,1-1 0,-1 1 0,0 0 0,0 0 0,0 0 0,0 0 0,0 0 0,-1 0 0,1 0 0,-1 0 0,0 0 0,0 0 0,0 0 0,0 0 0,-1 0 0,1 0 0,-2 6 0,1-6 0,-1-1 0,1 0 0,0 0 0,-1 0 0,1 0 0,-1 0 0,0 0 0,0 0 0,0-1 0,0 1 0,0-1 0,0 1 0,0-1 0,0 0 0,0 1 0,-1-1 0,1-1 0,0 1 0,-1 0 0,1 0 0,-1-1 0,1 1 0,-4-1 0,-65 2 0,55-3 0,-64-1 0,-120 1 0,183 3 0,-1 1 0,1 1 0,-1 0 0,-17 8 0,14-5 0,0-1 0,-25 5 0,-74 2 0,-166-3 0,231-8 42,0 3 0,-53 13 0,51-8-787,-89 4-1</inkml:trace>
 </inkml:ink>
 </file>
 
@@ -1131,7 +1131,7 @@
           <inkml:channelProperty channel="F" name="resolution" value="0" units="1/dev"/>
         </inkml:channelProperties>
       </inkml:inkSource>
-      <inkml:timestamp xml:id="ts0" timeString="2023-12-15T20:18:51.745"/>
+      <inkml:timestamp xml:id="ts0" timeString="2024-01-02T23:31:43.138"/>
     </inkml:context>
     <inkml:brush xml:id="br0">
       <inkml:brushProperty name="width" value="0.35" units="cm"/>
@@ -1139,7 +1139,7 @@
       <inkml:brushProperty name="color" value="#FFFFFF"/>
     </inkml:brush>
   </inkml:definitions>
-  <inkml:trace contextRef="#ctx0" brushRef="#br0">0 1 24575,'0'0'-8191</inkml:trace>
+  <inkml:trace contextRef="#ctx0" brushRef="#br0">2661 75 24575,'-59'0'0,"-105"-15"0,-89-10 0,182 14 0,12 1 0,-103-3 0,-1345 14 0,1473 1 0,0 1 0,0 2 0,0 2 0,1 0 0,0 3 0,-37 15 0,64-22 0,0 0 0,0 0 0,0 0 0,1 1 0,-1 0 0,1 0 0,0 1 0,0-1 0,0 1 0,1 0 0,0 1 0,0-1 0,0 1 0,0-1 0,1 1 0,0 0 0,0 1 0,1-1 0,0 0 0,0 1 0,-2 13 0,1 8 0,1 0 0,1 0 0,1 0 0,5 31 0,0 16 0,-6-32 0,3-1 0,2 1 0,1-1 0,15 56 0,-5-37 0,-4-20 0,18 47 0,-20-63 0,-1 0 0,-2 1 0,0 0 0,-1 0 0,1 36 0,-7 134 0,-1-82 0,0-80 0,-8 48 0,6-57 0,0-1 0,2 1 0,1 0 0,3 31 0,2-20 0,1 0 0,3 0 0,20 61 0,-11-33 0,-16-57 0,0 1 0,0 0 0,1-1 0,0 1 0,0-1 0,1 1 0,0-1 0,1 0 0,-1 0 0,1 0 0,0-1 0,1 1 0,0-1 0,0 0 0,11 10 0,21 5 0,13 10 0,-47-29 0,0 0 0,-1 0 0,1 0 0,-1 0 0,1 1 0,-1-1 0,0 1 0,0 0 0,0 0 0,0 0 0,0 0 0,1 4 0,-3-6 0,0 1 0,0 0 0,0 0 0,0-1 0,0 1 0,-1 0 0,1 0 0,0-1 0,-1 1 0,1 0 0,-1-1 0,0 1 0,0 0 0,0-1 0,1 1 0,-1-1 0,-1 0 0,1 1 0,0-1 0,0 0 0,0 1 0,-1-1 0,1 0 0,-1 0 0,1 0 0,-1 0 0,1 0 0,-1-1 0,1 1 0,-1 0 0,-2 0 0,-5 3 0,-1 0 0,0-1 0,-19 4 0,-14-2 0,-1-2 0,1-2 0,-76-8 0,92 2 0,27 5 0,0-1 0,0 1 0,0 0 0,0 0 0,0 0 0,0-1 0,0 1 0,0 0 0,0 0 0,0 0 0,0-1 0,0 1 0,0 0 0,0 0 0,0 0 0,0-1 0,0 1 0,0 0 0,0 0 0,1 0 0,-1-1 0,0 1 0,0 0 0,0 0 0,0 0 0,0 0 0,0-1 0,1 1 0,-1 0 0,0 0 0,0 0 0,0 0 0,0 0 0,1 0 0,-1-1 0,0 1 0,0 0 0,0 0 0,1 0 0,-1 0 0,0 0 0,0 0 0,1 0 0,-1 0 0,0 0 0,0 0 0,0 0 0,1 0 0,-1 0 0,51-9 0,14 8 0,122 15 0,-133-8 0,251 41 0,-198-27 0,1-4 0,167 2 0,527-21 0,-440 4 0,-140-13 0,-10-1 0,-167 13 0,61 0 0,157-21 0,-251 18 0,-1 0 0,1-1 0,-1 0 0,11-6 0,-11 5 0,-1 1 0,0 0 0,1 1 0,0 0 0,11-2 0,46 0 0,109 7 0,30-2 0,-185-4 0,-1 0 0,0-2 0,0 0 0,-1-1 0,37-18 0,10-4 0,-30 17 0,57-11 0,-2 1 0,-79 18 0,1-2 0,-1 0 0,0 0 0,0-1 0,-1-1 0,17-12 0,-22 14 0,1 0 0,-1 0 0,-1 0 0,1-1 0,-1 0 0,-1-1 0,1 1 0,-1-1 0,0 0 0,6-17 0,-7 4 0,0-1 0,-2 1 0,-1-1 0,-2-28 0,-2-8 0,1 44 0,2 14 0,-19 321 0,13-236-1365</inkml:trace>
 </inkml:ink>
 </file>
 
@@ -1159,7 +1159,7 @@
           <inkml:channelProperty channel="F" name="resolution" value="0" units="1/dev"/>
         </inkml:channelProperties>
       </inkml:inkSource>
-      <inkml:timestamp xml:id="ts0" timeString="2023-12-15T20:18:53.748"/>
+      <inkml:timestamp xml:id="ts0" timeString="2024-01-02T23:31:47.336"/>
     </inkml:context>
     <inkml:brush xml:id="br0">
       <inkml:brushProperty name="width" value="0.35" units="cm"/>
@@ -1167,7 +1167,7 @@
       <inkml:brushProperty name="color" value="#FFFFFF"/>
     </inkml:brush>
   </inkml:definitions>
-  <inkml:trace contextRef="#ctx0" brushRef="#br0">807 1 24575,'-807'0'-1365</inkml:trace>
+  <inkml:trace contextRef="#ctx0" brushRef="#br0">403 1 24575,'1'0'0,"0"1"0,0-1 0,0 1 0,1-1 0,-1 1 0,0 0 0,0-1 0,0 1 0,-1 0 0,1 0 0,0 0 0,0 0 0,0 0 0,-1 0 0,1 0 0,0 0 0,-1 0 0,1 0 0,-1 0 0,1 0 0,-1 0 0,0 0 0,1 1 0,-1-1 0,0 0 0,0 0 0,0 3 0,4 40 0,-4-37 0,1 17 0,3 35 0,-3-1 0,-8 72 0,-15-44 0,15-67 0,2 2 0,-7 35 0,-13 129 0,22-169 0,-1-1 0,0 1 0,-10 22 0,-7 28 0,15-47 0,0 0 0,-1-1 0,-2 0 0,1 0 0,-15 20 0,13-23 0,1 1 0,1 1 0,0-1 0,1 1 0,0 1 0,-6 28 0,5-6 0,-3 0 0,-1-1 0,-2-1 0,-37 73 0,38-80 0,1 1 0,-8 34 0,-15 41 0,25-88-1365</inkml:trace>
 </inkml:ink>
 </file>
 
@@ -1187,7 +1187,7 @@
           <inkml:channelProperty channel="F" name="resolution" value="0" units="1/dev"/>
         </inkml:channelProperties>
       </inkml:inkSource>
-      <inkml:timestamp xml:id="ts0" timeString="2023-12-15T20:18:56.261"/>
+      <inkml:timestamp xml:id="ts0" timeString="2024-01-02T23:31:50.107"/>
     </inkml:context>
     <inkml:brush xml:id="br0">
       <inkml:brushProperty name="width" value="0.35" units="cm"/>
@@ -1195,7 +1195,7 @@
       <inkml:brushProperty name="color" value="#FFFFFF"/>
     </inkml:brush>
   </inkml:definitions>
-  <inkml:trace contextRef="#ctx0" brushRef="#br0">986 1 24575,'-985'0'-1365</inkml:trace>
+  <inkml:trace contextRef="#ctx0" brushRef="#br0">206 0 24575,'-2'14'0,"0"-2"0,0 1 0,-1 0 0,-1 0 0,0-1 0,-1 0 0,0 0 0,-10 16 0,-18 48 0,5 31 0,18-63 0,-2 0 0,-27 62 0,28-78-142,-12 46 0,16-51-939</inkml:trace>
 </inkml:ink>
 </file>
 
@@ -1215,7 +1215,7 @@
           <inkml:channelProperty channel="F" name="resolution" value="0" units="1/dev"/>
         </inkml:channelProperties>
       </inkml:inkSource>
-      <inkml:timestamp xml:id="ts0" timeString="2023-12-15T20:18:58.212"/>
+      <inkml:timestamp xml:id="ts0" timeString="2024-01-02T23:31:52.927"/>
     </inkml:context>
     <inkml:brush xml:id="br0">
       <inkml:brushProperty name="width" value="0.35" units="cm"/>
@@ -1223,7 +1223,7 @@
       <inkml:brushProperty name="color" value="#FFFFFF"/>
     </inkml:brush>
   </inkml:definitions>
-  <inkml:trace contextRef="#ctx0" brushRef="#br0">898 1 24575,'-898'0'-1365</inkml:trace>
+  <inkml:trace contextRef="#ctx0" brushRef="#br0">1 1 24575,'0'0'-8191</inkml:trace>
 </inkml:ink>
 </file>
 
@@ -1243,7 +1243,7 @@
           <inkml:channelProperty channel="F" name="resolution" value="0" units="1/dev"/>
         </inkml:channelProperties>
       </inkml:inkSource>
-      <inkml:timestamp xml:id="ts0" timeString="2023-12-15T20:19:04.064"/>
+      <inkml:timestamp xml:id="ts0" timeString="2024-01-02T23:31:56.748"/>
     </inkml:context>
     <inkml:brush xml:id="br0">
       <inkml:brushProperty name="width" value="0.35" units="cm"/>
@@ -1251,7 +1251,7 @@
       <inkml:brushProperty name="color" value="#FFFFFF"/>
     </inkml:brush>
   </inkml:definitions>
-  <inkml:trace contextRef="#ctx0" brushRef="#br0">1563 1 24575,'0'3'0,"0"-1"0,0 1 0,0 0 0,-1 0 0,1 0 0,-1 0 0,0-1 0,0 1 0,0 0 0,0-1 0,0 1 0,-1-1 0,1 1 0,-1-1 0,0 0 0,1 1 0,-1-1 0,-3 2 0,1 0 0,-1-1 0,1-1 0,-1 1 0,1 0 0,-1-1 0,0 0 0,0 0 0,0-1 0,-8 2 0,-10 1 0,-1-2 0,0 0 0,-38-4 0,40 2 0,-802-4 0,503 5 0,297-3 45,0 0-1,-31-7 1,-27-4-1544</inkml:trace>
+  <inkml:trace contextRef="#ctx0" brushRef="#br0">1262 0 24575,'-147'13'0,"9"0"0,121-13 0,-48 1 0,-85 12 0,111-9 0,0-2 0,-41-2 0,38-1 0,-61 7 0,81-2 0,-43 14 0,45-12 0,-1 0 0,-40 5 0,-28-5 0,-45 4 0,104-6-1365</inkml:trace>
 </inkml:ink>
 </file>
 
@@ -1299,7 +1299,7 @@
           <inkml:channelProperty channel="F" name="resolution" value="0" units="1/dev"/>
         </inkml:channelProperties>
       </inkml:inkSource>
-      <inkml:timestamp xml:id="ts0" timeString="2023-12-15T20:19:29.380"/>
+      <inkml:timestamp xml:id="ts0" timeString="2024-01-02T23:31:57.904"/>
     </inkml:context>
     <inkml:brush xml:id="br0">
       <inkml:brushProperty name="width" value="0.35" units="cm"/>
@@ -1307,7 +1307,7 @@
       <inkml:brushProperty name="color" value="#FFFFFF"/>
     </inkml:brush>
   </inkml:definitions>
-  <inkml:trace contextRef="#ctx0" brushRef="#br0">4401 82 24575,'-32'1'0,"21"0"0,0-1 0,-1 0 0,1 0 0,-1-1 0,1-1 0,0 0 0,0 0 0,0-1 0,-20-8 0,21 7 0,0 0 0,0 0 0,0 1 0,0 1 0,-1 0 0,1 0 0,-17 0 0,-80 4 0,43 0 0,-1439-2 0,1493-1 0,-1 0 0,1-1 0,0 0 0,0-1 0,-16-6 0,-32-7 0,-6 10 0,0 3 0,-69 6 0,20-1 0,-1842-2-1365</inkml:trace>
+  <inkml:trace contextRef="#ctx0" brushRef="#br0">1 1 24575</inkml:trace>
 </inkml:ink>
 </file>
 
@@ -1327,7 +1327,7 @@
           <inkml:channelProperty channel="F" name="resolution" value="0" units="1/dev"/>
         </inkml:channelProperties>
       </inkml:inkSource>
-      <inkml:timestamp xml:id="ts0" timeString="2023-12-15T20:19:30.663"/>
+      <inkml:timestamp xml:id="ts0" timeString="2024-01-02T23:32:03.757"/>
     </inkml:context>
     <inkml:brush xml:id="br0">
       <inkml:brushProperty name="width" value="0.35" units="cm"/>
@@ -1335,7 +1335,7 @@
       <inkml:brushProperty name="color" value="#FFFFFF"/>
     </inkml:brush>
   </inkml:definitions>
-  <inkml:trace contextRef="#ctx0" brushRef="#br0">0 1 24575,'0'0'-8191</inkml:trace>
+  <inkml:trace contextRef="#ctx0" brushRef="#br0">3743 391 24575,'-1'2'0,"1"1"0,-1 0 0,0-1 0,1 1 0,-1 0 0,0-1 0,-1 1 0,1-1 0,0 1 0,-1-1 0,1 0 0,-1 0 0,0 0 0,0 0 0,0 0 0,0 0 0,0 0 0,0 0 0,0-1 0,-1 1 0,1-1 0,-1 0 0,1 0 0,-1 0 0,1 0 0,-5 1 0,-6 2 0,0 0 0,0-1 0,-25 2 0,-382 1 0,230-9 0,-350 3 0,526-1 0,-1 0 0,1-1 0,-1-1 0,1 0 0,0-1 0,0 0 0,0-2 0,1 1 0,-1-2 0,-20-12 0,-8-10 0,-68-60 0,29 22 0,-98-86 0,169 145 0,0 1 0,-1 0 0,0 1 0,0 0 0,0 0 0,-1 1 0,0 1 0,0 0 0,-22-4 0,3 4 0,0 1 0,-53 2 0,83 1 0,1-1 0,-1 1 0,1 0 0,-1 0 0,1 0 0,-1 0 0,1 0 0,-1 0 0,1 0 0,-1 0 0,0 0 0,1 0 0,-1 0 0,1 0 0,-1 0 0,1 0 0,-1 0 0,1 1 0,-1-1 0,1 0 0,-1 0 0,1 0 0,-1 1 0,1-1 0,0 0 0,-1 1 0,1-1 0,-1 0 0,1 1 0,0-1 0,-1 1 0,1-1 0,0 1 0,-1 0 0,17 11 0,36 10 0,17 0 0,0-4 0,1-3 0,1-2 0,0-4 0,0-3 0,123-5 0,326-2 0,-507 1 0,-1 1 0,0 0 0,-1 1 0,1 0 0,13 5 0,-23-7 0,-1 1 0,1-1 0,0 1 0,-1 0 0,1 0 0,0-1 0,-1 1 0,1 0 0,-1 0 0,1 1 0,-1-1 0,0 0 0,1 0 0,-1 1 0,0-1 0,0 1 0,0-1 0,0 1 0,0-1 0,0 1 0,-1 0 0,1-1 0,0 1 0,-1 0 0,1-1 0,-1 1 0,0 0 0,0 0 0,1 0 0,-1 0 0,0-1 0,-1 1 0,1 0 0,0 0 0,0 0 0,-1-1 0,1 1 0,-1 0 0,0 0 0,1-1 0,-3 4 0,-2 4 0,0-1 0,0 1 0,-1-1 0,-1 0 0,1-1 0,-1 0 0,0 0 0,-1 0 0,-12 8 0,-82 49 0,97-61 0,-60 29 0,-1-3 0,-83 25 0,82-31 0,1 2 0,-82 44 0,121-55 0,0 0 0,-1-2 0,-1-1 0,0-1 0,-59 11 0,35-13 0,-1-3 0,-79-2 0,-246-2 0,-212-8 0,573 6 0,7 1 0,0 0 0,1-1 0,-1-1 0,0 0 0,0 0 0,-12-5 0,22 7 0,0-1 0,0 1 0,0 0 0,0-1 0,0 1 0,1-1 0,-1 1 0,0-1 0,0 1 0,0-1 0,1 0 0,-1 1 0,0-1 0,1 0 0,-1 0 0,1 1 0,-1-1 0,1 0 0,-1 0 0,1 0 0,0 0 0,-1 0 0,1 1 0,0-1 0,0 0 0,-1 0 0,1 0 0,0 0 0,0 0 0,0 0 0,0 0 0,0 0 0,0 0 0,1 0 0,-1 0 0,0 0 0,0 0 0,1 0 0,-1 1 0,1-1 0,-1 0 0,0 0 0,1 0 0,0 0 0,-1 1 0,1-1 0,0-1 0,34-31 0,23-6 0,1 2 0,1 4 0,76-31 0,-118 57 0,0 0 0,1 2 0,0 0 0,-1 2 0,38-3 0,98 6 0,-84 2 0,108-1 0,114 3 0,-264-2 0,1 1 0,-1 2 0,0 1 0,-1 1 0,1 1 0,50 24 0,-62-19 0,-16-13 0,0 1 0,0-1 0,0 0 0,0 1 0,-1-1 0,1 1 0,0-1 0,0 0 0,0 1 0,0-1 0,0 0 0,-1 1 0,1-1 0,0 0 0,0 0 0,0 1 0,-1-1 0,1 0 0,0 1 0,-1-1 0,1 0 0,0 0 0,-1 0 0,1 1 0,0-1 0,-1 0 0,1 0 0,0 0 0,-1 0 0,0 1 0,-42 6 0,-466 0 0,303-10 0,-974 3 0,1159 0 0,13 1 0,0-1 0,1 0 0,-1 0 0,1-1 0,-1 0 0,0 0 0,1 0 0,-14-6 0,22 6 0,0 0 0,0 0 0,0 0 0,0 0 0,1 0 0,-1 0 0,0 0 0,1 0 0,-1 0 0,0 1 0,1-1 0,-1 1 0,1-1 0,-1 1 0,1-1 0,0 1 0,1 0 0,202-32 0,-66 14 0,-66 3 0,-45 8 0,0 2 0,1 1 0,0 1 0,29 0 0,-49 4 0,1 0 0,-1 0 0,0 1 0,1 0 0,-1 1 0,0 0 0,0 0 0,-1 1 0,1 0 0,-1 0 0,0 1 0,0 0 0,0 1 0,0 0 0,-1 0 0,10 11 0,-2 2 0,-1 0 0,0 1 0,-2 1 0,0 0 0,-2 0 0,0 1 0,-1 1 0,-1-1 0,7 38 0,0 16 0,8 127 0,-16 773 0,-24-758 0,12-175 0,-3-1 0,-1 0 0,-15 42 0,22-82 0,1 1 0,-1-1 0,0 1 0,0-1 0,0 0 0,0 0 0,0 0 0,0 0 0,0 0 0,-1 0 0,1 0 0,-1-1 0,0 1 0,1-1 0,-1 0 0,0 0 0,0 0 0,0 0 0,1 0 0,-1-1 0,0 1 0,0-1 0,0 0 0,0 0 0,0 0 0,-5-1 0,-11 0 0,1-1 0,-35-7 0,48 8 0,-5-2 0,1 0 0,-1 0 0,0-1 0,1 0 0,0-1 0,0 0 0,0 0 0,0-1 0,1 0 0,0-1 0,0 0 0,1 0 0,0 0 0,0-1 0,0 0 0,1-1 0,-9-15 0,-1-10 0,0-1 0,3 0 0,-16-57 0,19 58 0,-46-180 0,-48-142 0,89 321 0,-31-53 0,43 83 0,-10-19 0,14 24 0,-1 0 0,0 0 0,0 0 0,0 0 0,0 0 0,0 0 0,0 0 0,0 0 0,0 0 0,0 0 0,0 0 0,0 0 0,0 0 0,0 0 0,1 0 0,-1 0 0,0 0 0,0 0 0,0 0 0,0 0 0,0 0 0,0 0 0,0 0 0,0 0 0,0 0 0,0 0 0,0 0 0,0 0 0,1 0 0,-1 0 0,0 0 0,0 0 0,0 0 0,0 0 0,0-1 0,0 1 0,0 0 0,0 0 0,0 0 0,0 0 0,0 0 0,0 0 0,0 0 0,0 0 0,0 0 0,0 0 0,0 0 0,0 0 0,0 0 0,0-1 0,0 1 0,0 0 0,0 0 0,0 0 0,0 0 0,0 0 0,0 0 0,0 0 0,0 0 0,0 0 0,0 0 0,0-1 0,16 15 0,349 416 0,-285-327 0,22 27 0,147 175 0,-194-251 0,-38-46 0,-13-18 0,-13-28 0,-120-273 0,-19-59 0,138 324 0,10 46 0,0-1 0,0 0 0,0 0 0,0 1 0,0-1 0,0 0 0,0 1 0,0-1 0,0 0 0,0 0 0,1 1 0,-1-1 0,0 0 0,1 1 0,-1-1 0,0 1 0,1-1 0,-1 0 0,1 1 0,-1-1 0,0 1 0,1-1 0,0 1 0,-1-1 0,1 1 0,-1 0 0,1-1 0,0 1 0,-1 0 0,1-1 0,-1 1 0,1 0 0,0 0 0,0-1 0,-1 1 0,1 0 0,0 0 0,-1 0 0,1 0 0,0 0 0,-1 0 0,1 0 0,0 0 0,0 0 0,-1 1 0,1-1 0,0 0 0,-1 0 0,1 0 0,0 1 0,-1-1 0,1 1 0,-1-1 0,1 0 0,0 1 0,-1-1 0,1 1 0,0 0 0,6 3 0,1 0 0,0 1 0,-1 0 0,0 0 0,-1 1 0,1 0 0,-1 0 0,0 1 0,7 8 0,-13-14 0,0-1 0,0 0 0,1 1 0,-1-1 0,0 0 0,0 1 0,0-1 0,0 0 0,1 1 0,-1-1 0,0 1 0,0-1 0,0 0 0,0 1 0,0-1 0,0 1 0,0-1 0,0 0 0,0 1 0,0-1 0,0 0 0,0 1 0,0-1 0,-1 1 0,1-1 0,0 0 0,0 1 0,0-1 0,0 0 0,-1 1 0,1-1 0,0 0 0,0 1 0,-1-1 0,1 0 0,0 1 0,-1-1 0,1 0 0,0 0 0,-1 0 0,1 1 0,0-1 0,-1 0 0,1 0 0,0 0 0,-1 0 0,1 0 0,-1 1 0,1-1 0,0 0 0,-1 0 0,1 0 0,-1 0 0,1 0 0,0 0 0,-1-1 0,1 1 0,-1 0 0,1 0 0,0 0 0,-1 0 0,0-1 0,-33-6 0,-3-8 0,0-1 0,-62-39 0,-72-59 0,54 35 0,53 37 0,21 12 0,-2 2 0,-55-26 0,84 49 0,17 11 0,19 15 0,160 128 120,-153-129-368,1-2 1,0 0-1,2-3 1,0 0-1,37 12 1</inkml:trace>
 </inkml:ink>
 </file>
 
@@ -1355,7 +1355,7 @@
           <inkml:channelProperty channel="F" name="resolution" value="0" units="1/dev"/>
         </inkml:channelProperties>
       </inkml:inkSource>
-      <inkml:timestamp xml:id="ts0" timeString="2023-12-15T20:19:31.659"/>
+      <inkml:timestamp xml:id="ts0" timeString="2024-01-02T23:32:05.953"/>
     </inkml:context>
     <inkml:brush xml:id="br0">
       <inkml:brushProperty name="width" value="0.35" units="cm"/>
@@ -1363,123 +1363,11 @@
       <inkml:brushProperty name="color" value="#FFFFFF"/>
     </inkml:brush>
   </inkml:definitions>
-  <inkml:trace contextRef="#ctx0" brushRef="#br0">1 0 24575,'0'0'-8191</inkml:trace>
+  <inkml:trace contextRef="#ctx0" brushRef="#br0">2567 0 24575,'-37'3'0,"0"0"0,1 3 0,-58 15 0,-51 8 0,119-26 0,-384 58 0,323-49 0,0-4 0,-1-3 0,-102-8 0,35 0 0,-872 3 0,1019 0 0,0 0 0,0 0 0,0-1 0,0 0 0,0 0 0,0-1 0,0 0 0,0-1 0,1 0 0,-1 0 0,1 0 0,0-1 0,0 0 0,0 0 0,0-1 0,1 0 0,-9-8 0,15 12 0,-1 1 0,1-1 0,-1 1 0,1-1 0,0 1 0,-1-1 0,1 0 0,0 1 0,-1-1 0,1 0 0,0 1 0,0-1 0,0 0 0,-1 1 0,1-1 0,0 0 0,0 0 0,0 1 0,0-1 0,0 0 0,0 1 0,1-1 0,-1 0 0,0 1 0,0-1 0,0 0 0,1 1 0,-1-1 0,0 0 0,1 1 0,-1-1 0,1-1 0,25-11 0,33 5 0,162 8 104,-96 2-1573</inkml:trace>
 </inkml:ink>
 </file>
 
 <file path=ppt/ink/ink43.xml><?xml version="1.0" encoding="utf-8"?>
-<inkml:ink xmlns:inkml="http://www.w3.org/2003/InkML">
-  <inkml:definitions>
-    <inkml:context xml:id="ctx0">
-      <inkml:inkSource xml:id="inkSrc0">
-        <inkml:traceFormat>
-          <inkml:channel name="X" type="integer" min="-2.14748E9" max="2.14748E9" units="cm"/>
-          <inkml:channel name="Y" type="integer" min="-2.14748E9" max="2.14748E9" units="cm"/>
-          <inkml:channel name="F" type="integer" max="32767" units="dev"/>
-        </inkml:traceFormat>
-        <inkml:channelProperties>
-          <inkml:channelProperty channel="X" name="resolution" value="1000" units="1/cm"/>
-          <inkml:channelProperty channel="Y" name="resolution" value="1000" units="1/cm"/>
-          <inkml:channelProperty channel="F" name="resolution" value="0" units="1/dev"/>
-        </inkml:channelProperties>
-      </inkml:inkSource>
-      <inkml:timestamp xml:id="ts0" timeString="2023-12-15T20:19:38.427"/>
-    </inkml:context>
-    <inkml:brush xml:id="br0">
-      <inkml:brushProperty name="width" value="0.35" units="cm"/>
-      <inkml:brushProperty name="height" value="0.35" units="cm"/>
-      <inkml:brushProperty name="color" value="#FFFFFF"/>
-    </inkml:brush>
-  </inkml:definitions>
-  <inkml:trace contextRef="#ctx0" brushRef="#br0">1008 1 24575,'0'0'0,"0"1"0,-1 0 0,1-1 0,0 1 0,0 0 0,-1-1 0,1 1 0,-1 0 0,1-1 0,0 1 0,-1-1 0,1 1 0,-1-1 0,1 1 0,-1-1 0,1 1 0,-1-1 0,0 1 0,1-1 0,-1 0 0,1 1 0,-1-1 0,0 0 0,0 0 0,1 0 0,-1 1 0,-1-1 0,-25 4 0,20-3 0,-119 11 0,-145-4 0,256-7 0,-1 1 0,0 0 0,1 1 0,-23 8 0,21-6 0,0 0 0,0-1 0,-26 2 0,-197-6 91,113-1-1547</inkml:trace>
-</inkml:ink>
-</file>
-
-<file path=ppt/ink/ink44.xml><?xml version="1.0" encoding="utf-8"?>
-<inkml:ink xmlns:inkml="http://www.w3.org/2003/InkML">
-  <inkml:definitions>
-    <inkml:context xml:id="ctx0">
-      <inkml:inkSource xml:id="inkSrc0">
-        <inkml:traceFormat>
-          <inkml:channel name="X" type="integer" min="-2.14748E9" max="2.14748E9" units="cm"/>
-          <inkml:channel name="Y" type="integer" min="-2.14748E9" max="2.14748E9" units="cm"/>
-          <inkml:channel name="F" type="integer" max="32767" units="dev"/>
-        </inkml:traceFormat>
-        <inkml:channelProperties>
-          <inkml:channelProperty channel="X" name="resolution" value="1000" units="1/cm"/>
-          <inkml:channelProperty channel="Y" name="resolution" value="1000" units="1/cm"/>
-          <inkml:channelProperty channel="F" name="resolution" value="0" units="1/dev"/>
-        </inkml:channelProperties>
-      </inkml:inkSource>
-      <inkml:timestamp xml:id="ts0" timeString="2023-12-15T20:19:44.396"/>
-    </inkml:context>
-    <inkml:brush xml:id="br0">
-      <inkml:brushProperty name="width" value="0.35" units="cm"/>
-      <inkml:brushProperty name="height" value="0.35" units="cm"/>
-      <inkml:brushProperty name="color" value="#FFFFFF"/>
-    </inkml:brush>
-  </inkml:definitions>
-  <inkml:trace contextRef="#ctx0" brushRef="#br0">1 1 24575,'0'0'-8191</inkml:trace>
-</inkml:ink>
-</file>
-
-<file path=ppt/ink/ink45.xml><?xml version="1.0" encoding="utf-8"?>
-<inkml:ink xmlns:inkml="http://www.w3.org/2003/InkML">
-  <inkml:definitions>
-    <inkml:context xml:id="ctx0">
-      <inkml:inkSource xml:id="inkSrc0">
-        <inkml:traceFormat>
-          <inkml:channel name="X" type="integer" min="-2.14748E9" max="2.14748E9" units="cm"/>
-          <inkml:channel name="Y" type="integer" min="-2.14748E9" max="2.14748E9" units="cm"/>
-          <inkml:channel name="F" type="integer" max="32767" units="dev"/>
-        </inkml:traceFormat>
-        <inkml:channelProperties>
-          <inkml:channelProperty channel="X" name="resolution" value="1000" units="1/cm"/>
-          <inkml:channelProperty channel="Y" name="resolution" value="1000" units="1/cm"/>
-          <inkml:channelProperty channel="F" name="resolution" value="0" units="1/dev"/>
-        </inkml:channelProperties>
-      </inkml:inkSource>
-      <inkml:timestamp xml:id="ts0" timeString="2023-12-15T20:19:54.995"/>
-    </inkml:context>
-    <inkml:brush xml:id="br0">
-      <inkml:brushProperty name="width" value="0.35" units="cm"/>
-      <inkml:brushProperty name="height" value="0.35" units="cm"/>
-      <inkml:brushProperty name="color" value="#FFFFFF"/>
-    </inkml:brush>
-  </inkml:definitions>
-  <inkml:trace contextRef="#ctx0" brushRef="#br0">1 4 24575,'66'-1'0,"-33"-1"0,0 1 0,0 3 0,0 0 0,0 2 0,43 11 0,-34-6 0,-1-2 0,1-2 0,0-2 0,0-1 0,64-7 0,1 3 0,682 2-1365</inkml:trace>
-</inkml:ink>
-</file>
-
-<file path=ppt/ink/ink46.xml><?xml version="1.0" encoding="utf-8"?>
-<inkml:ink xmlns:inkml="http://www.w3.org/2003/InkML">
-  <inkml:definitions>
-    <inkml:context xml:id="ctx0">
-      <inkml:inkSource xml:id="inkSrc0">
-        <inkml:traceFormat>
-          <inkml:channel name="X" type="integer" min="-2.14748E9" max="2.14748E9" units="cm"/>
-          <inkml:channel name="Y" type="integer" min="-2.14748E9" max="2.14748E9" units="cm"/>
-          <inkml:channel name="F" type="integer" max="32767" units="dev"/>
-        </inkml:traceFormat>
-        <inkml:channelProperties>
-          <inkml:channelProperty channel="X" name="resolution" value="1000" units="1/cm"/>
-          <inkml:channelProperty channel="Y" name="resolution" value="1000" units="1/cm"/>
-          <inkml:channelProperty channel="F" name="resolution" value="0" units="1/dev"/>
-        </inkml:channelProperties>
-      </inkml:inkSource>
-      <inkml:timestamp xml:id="ts0" timeString="2023-12-15T20:19:58.348"/>
-    </inkml:context>
-    <inkml:brush xml:id="br0">
-      <inkml:brushProperty name="width" value="0.35" units="cm"/>
-      <inkml:brushProperty name="height" value="0.35" units="cm"/>
-      <inkml:brushProperty name="color" value="#FFFFFF"/>
-    </inkml:brush>
-  </inkml:definitions>
-  <inkml:trace contextRef="#ctx0" brushRef="#br0">1 1 24575,'2538'0'-1365</inkml:trace>
-</inkml:ink>
-</file>
-
-<file path=ppt/ink/ink47.xml><?xml version="1.0" encoding="utf-8"?>
 <inkml:ink xmlns:inkml="http://www.w3.org/2003/InkML">
   <inkml:definitions>
     <inkml:context xml:id="ctx0">
@@ -1729,7 +1617,7 @@
           <a:p>
             <a:fld id="{C98ACAC0-59EA-4916-9995-398D6BEB88C3}" type="datetimeFigureOut">
               <a:rPr lang="en-US" smtClean="0"/>
-              <a:t>12/14/2023</a:t>
+              <a:t>1/2/2024</a:t>
             </a:fld>
             <a:endParaRPr lang="en-US"/>
           </a:p>
@@ -4068,7 +3956,7 @@
           <a:p>
             <a:fld id="{E199D1A0-04AB-4DD4-B9DB-BDEC5E64C94C}" type="datetime1">
               <a:rPr lang="en-US" smtClean="0"/>
-              <a:t>12/14/2023</a:t>
+              <a:t>1/2/2024</a:t>
             </a:fld>
             <a:endParaRPr lang="en-US" dirty="0"/>
           </a:p>
@@ -4294,7 +4182,7 @@
           <a:p>
             <a:fld id="{CF53EA80-260A-4EE9-83BB-E6DD04DEA906}" type="datetime1">
               <a:rPr lang="en-US" smtClean="0"/>
-              <a:t>12/14/2023</a:t>
+              <a:t>1/2/2024</a:t>
             </a:fld>
             <a:endParaRPr lang="en-US" dirty="0"/>
           </a:p>
@@ -4776,7 +4664,7 @@
           <a:p>
             <a:fld id="{8CD80274-DEF2-4F5D-8F74-69D0554CED55}" type="datetime1">
               <a:rPr lang="en-US" smtClean="0"/>
-              <a:t>12/14/2023</a:t>
+              <a:t>1/2/2024</a:t>
             </a:fld>
             <a:endParaRPr lang="en-US" dirty="0"/>
           </a:p>
@@ -5007,7 +4895,7 @@
           <a:p>
             <a:fld id="{C09D4DA8-2D4A-4F06-BECA-044AF4113FB4}" type="datetime1">
               <a:rPr lang="en-US" smtClean="0"/>
-              <a:t>12/14/2023</a:t>
+              <a:t>1/2/2024</a:t>
             </a:fld>
             <a:endParaRPr lang="en-US" dirty="0"/>
           </a:p>
@@ -5473,7 +5361,7 @@
           <a:p>
             <a:fld id="{C7C81873-7D47-483D-BCB4-50DD9806C720}" type="datetime1">
               <a:rPr lang="en-US" smtClean="0"/>
-              <a:t>12/14/2023</a:t>
+              <a:t>1/2/2024</a:t>
             </a:fld>
             <a:endParaRPr lang="en-US" dirty="0"/>
           </a:p>
@@ -5786,7 +5674,7 @@
           <a:p>
             <a:fld id="{90EA6C54-2562-43EA-9A1B-F808D04718E7}" type="datetime1">
               <a:rPr lang="en-US" smtClean="0"/>
-              <a:t>12/14/2023</a:t>
+              <a:t>1/2/2024</a:t>
             </a:fld>
             <a:endParaRPr lang="en-US" dirty="0"/>
           </a:p>
@@ -5913,7 +5801,7 @@
           <a:p>
             <a:fld id="{90EA6C54-2562-43EA-9A1B-F808D04718E7}" type="datetime1">
               <a:rPr lang="en-US" smtClean="0"/>
-              <a:t>12/14/2023</a:t>
+              <a:t>1/2/2024</a:t>
             </a:fld>
             <a:endParaRPr lang="en-US" dirty="0"/>
           </a:p>
@@ -6154,7 +6042,7 @@
           <a:p>
             <a:fld id="{C5DB74C9-B808-4394-A017-79C83B2524EF}" type="datetime1">
               <a:rPr lang="en-US" smtClean="0"/>
-              <a:t>12/14/2023</a:t>
+              <a:t>1/2/2024</a:t>
             </a:fld>
             <a:endParaRPr lang="en-US" dirty="0"/>
           </a:p>
@@ -6605,7 +6493,7 @@
           <a:p>
             <a:fld id="{AAD2DF6D-B715-4785-8DEA-9165C638CF44}" type="datetime1">
               <a:rPr lang="en-US" smtClean="0"/>
-              <a:t>12/14/2023</a:t>
+              <a:t>1/2/2024</a:t>
             </a:fld>
             <a:endParaRPr lang="en-US" dirty="0"/>
           </a:p>
@@ -7231,7 +7119,7 @@
           <a:p>
             <a:fld id="{137AE72A-09B6-4D56-855D-4360BD347914}" type="datetime1">
               <a:rPr lang="en-US" smtClean="0"/>
-              <a:t>12/14/2023</a:t>
+              <a:t>1/2/2024</a:t>
             </a:fld>
             <a:endParaRPr lang="en-US" dirty="0"/>
           </a:p>
@@ -7566,7 +7454,7 @@
           <a:p>
             <a:fld id="{1E5577C8-AB8C-4B8A-A01F-113B16C4DCA3}" type="datetime1">
               <a:rPr lang="en-US" smtClean="0"/>
-              <a:t>12/14/2023</a:t>
+              <a:t>1/2/2024</a:t>
             </a:fld>
             <a:endParaRPr lang="en-US" dirty="0"/>
           </a:p>
@@ -8337,8 +8225,8 @@
         </p:nvSpPr>
         <p:spPr>
           <a:xfrm>
-            <a:off x="1003467" y="1480008"/>
-            <a:ext cx="10185066" cy="5155339"/>
+            <a:off x="1279716" y="1497186"/>
+            <a:ext cx="9056915" cy="5155339"/>
           </a:xfrm>
           <a:prstGeom prst="roundRect">
             <a:avLst/>
@@ -8440,7 +8328,7 @@
         <p:spPr>
           <a:xfrm>
             <a:off x="1460359" y="1797887"/>
-            <a:ext cx="4260501" cy="3416320"/>
+            <a:ext cx="4441815" cy="2862322"/>
           </a:xfrm>
           <a:prstGeom prst="rect">
             <a:avLst/>
@@ -8453,6 +8341,10 @@
           </a:bodyPr>
           <a:lstStyle/>
           <a:p>
+            <a:pPr marL="285750" indent="-285750">
+              <a:buFont typeface="Arial" panose="020B0604020202020204" pitchFamily="34" charset="0"/>
+              <a:buChar char="•"/>
+            </a:pPr>
             <a:r>
               <a:rPr lang="en-US" b="0" i="0" dirty="0">
                 <a:solidFill>
@@ -8478,7 +8370,37 @@
                 </a:solidFill>
                 <a:effectLst/>
               </a:rPr>
-              <a:t>are digital systems managed by state agencies. They keep track of how controlled substances, like prescription drugs, are prescribed and given out. PDMPs are used by doctors and pharmacists to see a patient's prescription history. Law enforcement can use them to spot </a:t>
+              <a:t>are digital systems managed by state agencies. </a:t>
+            </a:r>
+          </a:p>
+          <a:p>
+            <a:pPr marL="285750" indent="-285750">
+              <a:buFont typeface="Arial" panose="020B0604020202020204" pitchFamily="34" charset="0"/>
+              <a:buChar char="•"/>
+            </a:pPr>
+            <a:r>
+              <a:rPr lang="en-US" b="0" i="0" dirty="0">
+                <a:solidFill>
+                  <a:srgbClr val="353F37"/>
+                </a:solidFill>
+                <a:effectLst/>
+              </a:rPr>
+              <a:t>They keep track of how controlled substances, like prescription drugs, are prescribed and given out.</a:t>
+            </a:r>
+          </a:p>
+          <a:p>
+            <a:pPr marL="285750" indent="-285750">
+              <a:buFont typeface="Arial" panose="020B0604020202020204" pitchFamily="34" charset="0"/>
+              <a:buChar char="•"/>
+            </a:pPr>
+            <a:r>
+              <a:rPr lang="en-US" b="0" i="0" dirty="0">
+                <a:solidFill>
+                  <a:srgbClr val="353F37"/>
+                </a:solidFill>
+                <a:effectLst/>
+              </a:rPr>
+              <a:t>Law enforcement can use them to spot </a:t>
             </a:r>
             <a:r>
               <a:rPr lang="en-US" b="1" i="0" dirty="0">
@@ -8520,7 +8442,7 @@
         </p:nvSpPr>
         <p:spPr>
           <a:xfrm>
-            <a:off x="1660869" y="5377992"/>
+            <a:off x="1751526" y="5075130"/>
             <a:ext cx="3859480" cy="861774"/>
           </a:xfrm>
           <a:prstGeom prst="rect">
@@ -8588,7 +8510,7 @@
         <p:spPr>
           <a:xfrm>
             <a:off x="5808174" y="1797887"/>
-            <a:ext cx="5092533" cy="4247317"/>
+            <a:ext cx="4441815" cy="4553938"/>
           </a:xfrm>
           <a:prstGeom prst="rect">
             <a:avLst/>
@@ -8601,6 +8523,10 @@
           </a:bodyPr>
           <a:lstStyle/>
           <a:p>
+            <a:pPr marL="285750" indent="-285750">
+              <a:buFont typeface="Arial" panose="020B0604020202020204" pitchFamily="34" charset="0"/>
+              <a:buChar char="•"/>
+            </a:pPr>
             <a:r>
               <a:rPr lang="en-US" b="0" i="0" dirty="0">
                 <a:solidFill>
@@ -8608,7 +8534,7 @@
                 </a:solidFill>
                 <a:effectLst/>
               </a:rPr>
-              <a:t>There's some evidence showing that PDMPs can </a:t>
+              <a:t>PDMPs can </a:t>
             </a:r>
             <a:r>
               <a:rPr lang="en-US" b="1" i="0" dirty="0">
@@ -8626,8 +8552,14 @@
                 </a:solidFill>
                 <a:effectLst/>
               </a:rPr>
-              <a:t>. They also help decrease opioid overdose deaths.</a:t>
+              <a:t>. </a:t>
             </a:r>
+          </a:p>
+          <a:p>
+            <a:pPr marL="285750" indent="-285750">
+              <a:buFont typeface="Arial" panose="020B0604020202020204" pitchFamily="34" charset="0"/>
+              <a:buChar char="•"/>
+            </a:pPr>
             <a:r>
               <a:rPr lang="en-US" b="0" i="0" dirty="0">
                 <a:solidFill>
@@ -8635,7 +8567,22 @@
                 </a:solidFill>
                 <a:effectLst/>
               </a:rPr>
-              <a:t> States with PDMPs often see less opioid misuse and fewer hospital admissions due to opioid-related issues compared to states without PDMPs. PDMPs can also reduce "doctor shopping," where patients visit multiple doctors to get the same drug. Experts suggest that PDMPs should be easy to use, accessible across states, open for all prescribers to register, include mandatory reporting from pharmacies, undergo regular evaluations, and be required in </a:t>
+              <a:t>States with PDMPs often see less opioid misuse and fewer hospital admissions due to opioid-related issues compared to states without PDMPs.</a:t>
+            </a:r>
+          </a:p>
+          <a:p>
+            <a:pPr marL="285750" indent="-285750">
+              <a:buFont typeface="Arial" panose="020B0604020202020204" pitchFamily="34" charset="0"/>
+              <a:buChar char="•"/>
+            </a:pPr>
+            <a:r>
+              <a:rPr lang="en-US" b="0" i="0" dirty="0">
+                <a:solidFill>
+                  <a:srgbClr val="374151"/>
+                </a:solidFill>
+                <a:effectLst/>
+              </a:rPr>
+              <a:t>Experts suggest that PDMPs should be easy to use, accessible across states, open for all prescribers to register, include mandatory reporting from pharmacies, undergo regular evaluations, and be required in </a:t>
             </a:r>
             <a:r>
               <a:rPr lang="en-US" b="0" i="0" dirty="0" err="1">
@@ -8746,7 +8693,7 @@
           <a:p>
             <a:fld id="{F5615077-39AD-4FB2-A061-5884E8516F91}" type="datetime1">
               <a:rPr lang="en-US" smtClean="0"/>
-              <a:t>12/18/2023</a:t>
+              <a:t>1/2/2024</a:t>
             </a:fld>
             <a:endParaRPr lang="en-US" dirty="0"/>
           </a:p>
@@ -8924,7 +8871,7 @@
           <a:p>
             <a:fld id="{C7C81873-7D47-483D-BCB4-50DD9806C720}" type="datetime1">
               <a:rPr lang="en-US" smtClean="0"/>
-              <a:t>12/15/2023</a:t>
+              <a:t>1/2/2024</a:t>
             </a:fld>
             <a:endParaRPr lang="en-US" dirty="0"/>
           </a:p>
@@ -9046,8 +8993,8 @@
             <a:chExt cx="492840" cy="83880"/>
           </a:xfrm>
         </p:grpSpPr>
-        <mc:AlternateContent xmlns:mc="http://schemas.openxmlformats.org/markup-compatibility/2006">
-          <mc:Choice xmlns:p14="http://schemas.microsoft.com/office/powerpoint/2010/main" Requires="p14">
+        <mc:AlternateContent xmlns:mc="http://schemas.openxmlformats.org/markup-compatibility/2006" xmlns:p14="http://schemas.microsoft.com/office/powerpoint/2010/main">
+          <mc:Choice Requires="p14">
             <p:contentPart p14:bwMode="auto" r:id="rId5">
               <p14:nvContentPartPr>
                 <p14:cNvPr id="3" name="Ink 2">
@@ -9066,7 +9013,7 @@
               </p14:xfrm>
             </p:contentPart>
           </mc:Choice>
-          <mc:Fallback>
+          <mc:Fallback xmlns="">
             <p:pic>
               <p:nvPicPr>
                 <p:cNvPr id="3" name="Ink 2">
@@ -9097,8 +9044,8 @@
             </p:pic>
           </mc:Fallback>
         </mc:AlternateContent>
-        <mc:AlternateContent xmlns:mc="http://schemas.openxmlformats.org/markup-compatibility/2006">
-          <mc:Choice xmlns:p14="http://schemas.microsoft.com/office/powerpoint/2010/main" Requires="p14">
+        <mc:AlternateContent xmlns:mc="http://schemas.openxmlformats.org/markup-compatibility/2006" xmlns:p14="http://schemas.microsoft.com/office/powerpoint/2010/main">
+          <mc:Choice Requires="p14">
             <p:contentPart p14:bwMode="auto" r:id="rId7">
               <p14:nvContentPartPr>
                 <p14:cNvPr id="4" name="Ink 3">
@@ -9117,7 +9064,7 @@
               </p14:xfrm>
             </p:contentPart>
           </mc:Choice>
-          <mc:Fallback>
+          <mc:Fallback xmlns="">
             <p:pic>
               <p:nvPicPr>
                 <p:cNvPr id="4" name="Ink 3">
@@ -9148,8 +9095,8 @@
             </p:pic>
           </mc:Fallback>
         </mc:AlternateContent>
-        <mc:AlternateContent xmlns:mc="http://schemas.openxmlformats.org/markup-compatibility/2006">
-          <mc:Choice xmlns:p14="http://schemas.microsoft.com/office/powerpoint/2010/main" Requires="p14">
+        <mc:AlternateContent xmlns:mc="http://schemas.openxmlformats.org/markup-compatibility/2006" xmlns:p14="http://schemas.microsoft.com/office/powerpoint/2010/main">
+          <mc:Choice Requires="p14">
             <p:contentPart p14:bwMode="auto" r:id="rId9">
               <p14:nvContentPartPr>
                 <p14:cNvPr id="6" name="Ink 5">
@@ -9168,7 +9115,7 @@
               </p14:xfrm>
             </p:contentPart>
           </mc:Choice>
-          <mc:Fallback>
+          <mc:Fallback xmlns="">
             <p:pic>
               <p:nvPicPr>
                 <p:cNvPr id="6" name="Ink 5">
@@ -9200,8 +9147,8 @@
           </mc:Fallback>
         </mc:AlternateContent>
       </p:grpSp>
-      <mc:AlternateContent xmlns:mc="http://schemas.openxmlformats.org/markup-compatibility/2006">
-        <mc:Choice xmlns:p14="http://schemas.microsoft.com/office/powerpoint/2010/main" Requires="p14">
+      <mc:AlternateContent xmlns:mc="http://schemas.openxmlformats.org/markup-compatibility/2006" xmlns:p14="http://schemas.microsoft.com/office/powerpoint/2010/main">
+        <mc:Choice Requires="p14">
           <p:contentPart p14:bwMode="auto" r:id="rId11">
             <p14:nvContentPartPr>
               <p14:cNvPr id="11" name="Ink 10">
@@ -9220,7 +9167,7 @@
             </p14:xfrm>
           </p:contentPart>
         </mc:Choice>
-        <mc:Fallback>
+        <mc:Fallback xmlns="">
           <p:pic>
             <p:nvPicPr>
               <p:cNvPr id="11" name="Ink 10">
@@ -9251,8 +9198,8 @@
           </p:pic>
         </mc:Fallback>
       </mc:AlternateContent>
-      <mc:AlternateContent xmlns:mc="http://schemas.openxmlformats.org/markup-compatibility/2006">
-        <mc:Choice xmlns:p14="http://schemas.microsoft.com/office/powerpoint/2010/main" Requires="p14">
+      <mc:AlternateContent xmlns:mc="http://schemas.openxmlformats.org/markup-compatibility/2006" xmlns:p14="http://schemas.microsoft.com/office/powerpoint/2010/main">
+        <mc:Choice Requires="p14">
           <p:contentPart p14:bwMode="auto" r:id="rId13">
             <p14:nvContentPartPr>
               <p14:cNvPr id="13" name="Ink 12">
@@ -9271,7 +9218,7 @@
             </p14:xfrm>
           </p:contentPart>
         </mc:Choice>
-        <mc:Fallback>
+        <mc:Fallback xmlns="">
           <p:pic>
             <p:nvPicPr>
               <p:cNvPr id="13" name="Ink 12">
@@ -9443,7 +9390,7 @@
             <a:fld id="{BEE4C197-EFE5-4623-8631-61DB25EC0F85}" type="datetime1">
               <a:rPr lang="en-US" smtClean="0"/>
               <a:pPr/>
-              <a:t>12/15/2023</a:t>
+              <a:t>1/2/2024</a:t>
             </a:fld>
             <a:endParaRPr lang="en-US" dirty="0"/>
           </a:p>
@@ -9545,8 +9492,8 @@
           </p:pic>
         </mc:Fallback>
       </mc:AlternateContent>
-      <mc:AlternateContent xmlns:mc="http://schemas.openxmlformats.org/markup-compatibility/2006">
-        <mc:Choice xmlns:p14="http://schemas.microsoft.com/office/powerpoint/2010/main" Requires="p14">
+      <mc:AlternateContent xmlns:mc="http://schemas.openxmlformats.org/markup-compatibility/2006" xmlns:p14="http://schemas.microsoft.com/office/powerpoint/2010/main">
+        <mc:Choice Requires="p14">
           <p:contentPart p14:bwMode="auto" r:id="rId5">
             <p14:nvContentPartPr>
               <p14:cNvPr id="4" name="Ink 3">
@@ -9565,7 +9512,7 @@
             </p14:xfrm>
           </p:contentPart>
         </mc:Choice>
-        <mc:Fallback>
+        <mc:Fallback xmlns="">
           <p:pic>
             <p:nvPicPr>
               <p:cNvPr id="4" name="Ink 3">
@@ -9596,8 +9543,8 @@
           </p:pic>
         </mc:Fallback>
       </mc:AlternateContent>
-      <mc:AlternateContent xmlns:mc="http://schemas.openxmlformats.org/markup-compatibility/2006">
-        <mc:Choice xmlns:p14="http://schemas.microsoft.com/office/powerpoint/2010/main" Requires="p14">
+      <mc:AlternateContent xmlns:mc="http://schemas.openxmlformats.org/markup-compatibility/2006" xmlns:p14="http://schemas.microsoft.com/office/powerpoint/2010/main">
+        <mc:Choice Requires="p14">
           <p:contentPart p14:bwMode="auto" r:id="rId7">
             <p14:nvContentPartPr>
               <p14:cNvPr id="5" name="Ink 4">
@@ -9616,7 +9563,7 @@
             </p14:xfrm>
           </p:contentPart>
         </mc:Choice>
-        <mc:Fallback>
+        <mc:Fallback xmlns="">
           <p:pic>
             <p:nvPicPr>
               <p:cNvPr id="5" name="Ink 4">
@@ -9647,8 +9594,8 @@
           </p:pic>
         </mc:Fallback>
       </mc:AlternateContent>
-      <mc:AlternateContent xmlns:mc="http://schemas.openxmlformats.org/markup-compatibility/2006">
-        <mc:Choice xmlns:p14="http://schemas.microsoft.com/office/powerpoint/2010/main" Requires="p14">
+      <mc:AlternateContent xmlns:mc="http://schemas.openxmlformats.org/markup-compatibility/2006" xmlns:p14="http://schemas.microsoft.com/office/powerpoint/2010/main">
+        <mc:Choice Requires="p14">
           <p:contentPart p14:bwMode="auto" r:id="rId9">
             <p14:nvContentPartPr>
               <p14:cNvPr id="6" name="Ink 5">
@@ -9667,7 +9614,7 @@
             </p14:xfrm>
           </p:contentPart>
         </mc:Choice>
-        <mc:Fallback>
+        <mc:Fallback xmlns="">
           <p:pic>
             <p:nvPicPr>
               <p:cNvPr id="6" name="Ink 5">
@@ -9718,8 +9665,8 @@
             <a:chExt cx="974880" cy="71280"/>
           </a:xfrm>
         </p:grpSpPr>
-        <mc:AlternateContent xmlns:mc="http://schemas.openxmlformats.org/markup-compatibility/2006">
-          <mc:Choice xmlns:p14="http://schemas.microsoft.com/office/powerpoint/2010/main" Requires="p14">
+        <mc:AlternateContent xmlns:mc="http://schemas.openxmlformats.org/markup-compatibility/2006" xmlns:p14="http://schemas.microsoft.com/office/powerpoint/2010/main">
+          <mc:Choice Requires="p14">
             <p:contentPart p14:bwMode="auto" r:id="rId11">
               <p14:nvContentPartPr>
                 <p14:cNvPr id="10" name="Ink 9">
@@ -9738,7 +9685,7 @@
               </p14:xfrm>
             </p:contentPart>
           </mc:Choice>
-          <mc:Fallback>
+          <mc:Fallback xmlns="">
             <p:pic>
               <p:nvPicPr>
                 <p:cNvPr id="10" name="Ink 9">
@@ -9769,8 +9716,8 @@
             </p:pic>
           </mc:Fallback>
         </mc:AlternateContent>
-        <mc:AlternateContent xmlns:mc="http://schemas.openxmlformats.org/markup-compatibility/2006">
-          <mc:Choice xmlns:p14="http://schemas.microsoft.com/office/powerpoint/2010/main" Requires="p14">
+        <mc:AlternateContent xmlns:mc="http://schemas.openxmlformats.org/markup-compatibility/2006" xmlns:p14="http://schemas.microsoft.com/office/powerpoint/2010/main">
+          <mc:Choice Requires="p14">
             <p:contentPart p14:bwMode="auto" r:id="rId13">
               <p14:nvContentPartPr>
                 <p14:cNvPr id="12" name="Ink 11">
@@ -9789,7 +9736,7 @@
               </p14:xfrm>
             </p:contentPart>
           </mc:Choice>
-          <mc:Fallback>
+          <mc:Fallback xmlns="">
             <p:pic>
               <p:nvPicPr>
                 <p:cNvPr id="12" name="Ink 11">
@@ -9820,8 +9767,8 @@
             </p:pic>
           </mc:Fallback>
         </mc:AlternateContent>
-        <mc:AlternateContent xmlns:mc="http://schemas.openxmlformats.org/markup-compatibility/2006">
-          <mc:Choice xmlns:p14="http://schemas.microsoft.com/office/powerpoint/2010/main" Requires="p14">
+        <mc:AlternateContent xmlns:mc="http://schemas.openxmlformats.org/markup-compatibility/2006" xmlns:p14="http://schemas.microsoft.com/office/powerpoint/2010/main">
+          <mc:Choice Requires="p14">
             <p:contentPart p14:bwMode="auto" r:id="rId15">
               <p14:nvContentPartPr>
                 <p14:cNvPr id="14" name="Ink 13">
@@ -9840,7 +9787,7 @@
               </p14:xfrm>
             </p:contentPart>
           </mc:Choice>
-          <mc:Fallback>
+          <mc:Fallback xmlns="">
             <p:pic>
               <p:nvPicPr>
                 <p:cNvPr id="14" name="Ink 13">
@@ -9871,8 +9818,8 @@
             </p:pic>
           </mc:Fallback>
         </mc:AlternateContent>
-        <mc:AlternateContent xmlns:mc="http://schemas.openxmlformats.org/markup-compatibility/2006">
-          <mc:Choice xmlns:p14="http://schemas.microsoft.com/office/powerpoint/2010/main" Requires="p14">
+        <mc:AlternateContent xmlns:mc="http://schemas.openxmlformats.org/markup-compatibility/2006" xmlns:p14="http://schemas.microsoft.com/office/powerpoint/2010/main">
+          <mc:Choice Requires="p14">
             <p:contentPart p14:bwMode="auto" r:id="rId17">
               <p14:nvContentPartPr>
                 <p14:cNvPr id="16" name="Ink 15">
@@ -9891,7 +9838,7 @@
               </p14:xfrm>
             </p:contentPart>
           </mc:Choice>
-          <mc:Fallback>
+          <mc:Fallback xmlns="">
             <p:pic>
               <p:nvPicPr>
                 <p:cNvPr id="16" name="Ink 15">
@@ -9922,8 +9869,8 @@
             </p:pic>
           </mc:Fallback>
         </mc:AlternateContent>
-        <mc:AlternateContent xmlns:mc="http://schemas.openxmlformats.org/markup-compatibility/2006">
-          <mc:Choice xmlns:p14="http://schemas.microsoft.com/office/powerpoint/2010/main" Requires="p14">
+        <mc:AlternateContent xmlns:mc="http://schemas.openxmlformats.org/markup-compatibility/2006" xmlns:p14="http://schemas.microsoft.com/office/powerpoint/2010/main">
+          <mc:Choice Requires="p14">
             <p:contentPart p14:bwMode="auto" r:id="rId18">
               <p14:nvContentPartPr>
                 <p14:cNvPr id="17" name="Ink 16">
@@ -9942,7 +9889,7 @@
               </p14:xfrm>
             </p:contentPart>
           </mc:Choice>
-          <mc:Fallback>
+          <mc:Fallback xmlns="">
             <p:pic>
               <p:nvPicPr>
                 <p:cNvPr id="17" name="Ink 16">
@@ -9988,8 +9935,8 @@
         </p:nvSpPr>
         <p:spPr>
           <a:xfrm>
-            <a:off x="3396382" y="986380"/>
-            <a:ext cx="5399235" cy="461665"/>
+            <a:off x="2955877" y="1000739"/>
+            <a:ext cx="6442789" cy="461665"/>
           </a:xfrm>
           <a:prstGeom prst="rect">
             <a:avLst/>
@@ -10004,7 +9951,7 @@
           <a:p>
             <a:r>
               <a:rPr lang="en-US" sz="2400" dirty="0"/>
-              <a:t>Male and Female Overdose Deaths</a:t>
+              <a:t>Male and Female Total Overdoses by Year</a:t>
             </a:r>
           </a:p>
         </p:txBody>
@@ -10114,7 +10061,7 @@
           <a:p>
             <a:fld id="{C5DB74C9-B808-4394-A017-79C83B2524EF}" type="datetime1">
               <a:rPr lang="en-US" smtClean="0"/>
-              <a:t>12/15/2023</a:t>
+              <a:t>1/2/2024</a:t>
             </a:fld>
             <a:endParaRPr lang="en-US" dirty="0"/>
           </a:p>
@@ -10167,7 +10114,7 @@
               <p:nvPr>
                 <p:extLst>
                   <p:ext uri="{D42A27DB-BD31-4B8C-83A1-F6EECF244321}">
-                    <p14:modId xmlns:p14="http://schemas.microsoft.com/office/powerpoint/2010/main" val="3251887588"/>
+                    <p14:modId xmlns:p14="http://schemas.microsoft.com/office/powerpoint/2010/main" val="2913649171"/>
                   </p:ext>
                 </p:extLst>
               </p:nvPr>
@@ -10230,8 +10177,8 @@
         </p:nvSpPr>
         <p:spPr>
           <a:xfrm>
-            <a:off x="2721715" y="372074"/>
-            <a:ext cx="6740948" cy="461665"/>
+            <a:off x="1111498" y="392638"/>
+            <a:ext cx="9961381" cy="461665"/>
           </a:xfrm>
           <a:prstGeom prst="rect">
             <a:avLst/>
@@ -10246,13 +10193,13 @@
           <a:p>
             <a:r>
               <a:rPr lang="en-US" sz="2400" dirty="0"/>
-              <a:t>Drug used with Synthetic Opioids (Fentanyl)</a:t>
+              <a:t>Percentage of other drugs used with Synthetic Opioids (Fentanyl)</a:t>
             </a:r>
           </a:p>
         </p:txBody>
       </p:sp>
-      <mc:AlternateContent xmlns:mc="http://schemas.openxmlformats.org/markup-compatibility/2006">
-        <mc:Choice xmlns:p14="http://schemas.microsoft.com/office/powerpoint/2010/main" Requires="p14">
+      <mc:AlternateContent xmlns:mc="http://schemas.openxmlformats.org/markup-compatibility/2006" xmlns:p14="http://schemas.microsoft.com/office/powerpoint/2010/main">
+        <mc:Choice Requires="p14">
           <p:contentPart p14:bwMode="auto" r:id="rId5">
             <p14:nvContentPartPr>
               <p14:cNvPr id="9" name="Ink 8">
@@ -10271,7 +10218,7 @@
             </p14:xfrm>
           </p:contentPart>
         </mc:Choice>
-        <mc:Fallback>
+        <mc:Fallback xmlns="">
           <p:pic>
             <p:nvPicPr>
               <p:cNvPr id="9" name="Ink 8">
@@ -10302,8 +10249,8 @@
           </p:pic>
         </mc:Fallback>
       </mc:AlternateContent>
-      <mc:AlternateContent xmlns:mc="http://schemas.openxmlformats.org/markup-compatibility/2006">
-        <mc:Choice xmlns:p14="http://schemas.microsoft.com/office/powerpoint/2010/main" Requires="p14">
+      <mc:AlternateContent xmlns:mc="http://schemas.openxmlformats.org/markup-compatibility/2006" xmlns:p14="http://schemas.microsoft.com/office/powerpoint/2010/main">
+        <mc:Choice Requires="p14">
           <p:contentPart p14:bwMode="auto" r:id="rId7">
             <p14:nvContentPartPr>
               <p14:cNvPr id="10" name="Ink 9">
@@ -10322,7 +10269,7 @@
             </p14:xfrm>
           </p:contentPart>
         </mc:Choice>
-        <mc:Fallback>
+        <mc:Fallback xmlns="">
           <p:pic>
             <p:nvPicPr>
               <p:cNvPr id="10" name="Ink 9">
@@ -10394,7 +10341,7 @@
             </p:blipFill>
             <p:spPr>
               <a:xfrm>
-                <a:off x="6749964" y="288348"/>
+                <a:off x="6749604" y="287988"/>
                 <a:ext cx="728640" cy="147960"/>
               </a:xfrm>
               <a:prstGeom prst="rect">
@@ -10509,7 +10456,7 @@
           <a:p>
             <a:fld id="{C5DB74C9-B808-4394-A017-79C83B2524EF}" type="datetime1">
               <a:rPr lang="en-US" smtClean="0"/>
-              <a:t>12/15/2023</a:t>
+              <a:t>1/2/2024</a:t>
             </a:fld>
             <a:endParaRPr lang="en-US" dirty="0"/>
           </a:p>
@@ -10611,8 +10558,8 @@
           </p:pic>
         </mc:Fallback>
       </mc:AlternateContent>
-      <mc:AlternateContent xmlns:mc="http://schemas.openxmlformats.org/markup-compatibility/2006">
-        <mc:Choice xmlns:p14="http://schemas.microsoft.com/office/powerpoint/2010/main" Requires="p14">
+      <mc:AlternateContent xmlns:mc="http://schemas.openxmlformats.org/markup-compatibility/2006" xmlns:p14="http://schemas.microsoft.com/office/powerpoint/2010/main">
+        <mc:Choice Requires="p14">
           <p:contentPart p14:bwMode="auto" r:id="rId5">
             <p14:nvContentPartPr>
               <p14:cNvPr id="5" name="Ink 4">
@@ -10631,7 +10578,7 @@
             </p14:xfrm>
           </p:contentPart>
         </mc:Choice>
-        <mc:Fallback>
+        <mc:Fallback xmlns="">
           <p:pic>
             <p:nvPicPr>
               <p:cNvPr id="5" name="Ink 4">
@@ -10662,8 +10609,8 @@
           </p:pic>
         </mc:Fallback>
       </mc:AlternateContent>
-      <mc:AlternateContent xmlns:mc="http://schemas.openxmlformats.org/markup-compatibility/2006">
-        <mc:Choice xmlns:p14="http://schemas.microsoft.com/office/powerpoint/2010/main" Requires="p14">
+      <mc:AlternateContent xmlns:mc="http://schemas.openxmlformats.org/markup-compatibility/2006" xmlns:p14="http://schemas.microsoft.com/office/powerpoint/2010/main">
+        <mc:Choice Requires="p14">
           <p:contentPart p14:bwMode="auto" r:id="rId7">
             <p14:nvContentPartPr>
               <p14:cNvPr id="6" name="Ink 5">
@@ -10682,7 +10629,7 @@
             </p14:xfrm>
           </p:contentPart>
         </mc:Choice>
-        <mc:Fallback>
+        <mc:Fallback xmlns="">
           <p:pic>
             <p:nvPicPr>
               <p:cNvPr id="6" name="Ink 5">
@@ -10713,8 +10660,8 @@
           </p:pic>
         </mc:Fallback>
       </mc:AlternateContent>
-      <mc:AlternateContent xmlns:mc="http://schemas.openxmlformats.org/markup-compatibility/2006">
-        <mc:Choice xmlns:p14="http://schemas.microsoft.com/office/powerpoint/2010/main" Requires="p14">
+      <mc:AlternateContent xmlns:mc="http://schemas.openxmlformats.org/markup-compatibility/2006" xmlns:p14="http://schemas.microsoft.com/office/powerpoint/2010/main">
+        <mc:Choice Requires="p14">
           <p:contentPart p14:bwMode="auto" r:id="rId9">
             <p14:nvContentPartPr>
               <p14:cNvPr id="7" name="Ink 6">
@@ -10733,7 +10680,7 @@
             </p14:xfrm>
           </p:contentPart>
         </mc:Choice>
-        <mc:Fallback>
+        <mc:Fallback xmlns="">
           <p:pic>
             <p:nvPicPr>
               <p:cNvPr id="7" name="Ink 6">
@@ -10764,8 +10711,8 @@
           </p:pic>
         </mc:Fallback>
       </mc:AlternateContent>
-      <mc:AlternateContent xmlns:mc="http://schemas.openxmlformats.org/markup-compatibility/2006">
-        <mc:Choice xmlns:p14="http://schemas.microsoft.com/office/powerpoint/2010/main" Requires="p14">
+      <mc:AlternateContent xmlns:mc="http://schemas.openxmlformats.org/markup-compatibility/2006" xmlns:p14="http://schemas.microsoft.com/office/powerpoint/2010/main">
+        <mc:Choice Requires="p14">
           <p:contentPart p14:bwMode="auto" r:id="rId11">
             <p14:nvContentPartPr>
               <p14:cNvPr id="8" name="Ink 7">
@@ -10784,7 +10731,7 @@
             </p14:xfrm>
           </p:contentPart>
         </mc:Choice>
-        <mc:Fallback>
+        <mc:Fallback xmlns="">
           <p:pic>
             <p:nvPicPr>
               <p:cNvPr id="8" name="Ink 7">
@@ -10815,8 +10762,8 @@
           </p:pic>
         </mc:Fallback>
       </mc:AlternateContent>
-      <mc:AlternateContent xmlns:mc="http://schemas.openxmlformats.org/markup-compatibility/2006">
-        <mc:Choice xmlns:p14="http://schemas.microsoft.com/office/powerpoint/2010/main" Requires="p14">
+      <mc:AlternateContent xmlns:mc="http://schemas.openxmlformats.org/markup-compatibility/2006" xmlns:p14="http://schemas.microsoft.com/office/powerpoint/2010/main">
+        <mc:Choice Requires="p14">
           <p:contentPart p14:bwMode="auto" r:id="rId13">
             <p14:nvContentPartPr>
               <p14:cNvPr id="10" name="Ink 9">
@@ -10835,7 +10782,7 @@
             </p14:xfrm>
           </p:contentPart>
         </mc:Choice>
-        <mc:Fallback>
+        <mc:Fallback xmlns="">
           <p:pic>
             <p:nvPicPr>
               <p:cNvPr id="10" name="Ink 9">
@@ -10866,8 +10813,8 @@
           </p:pic>
         </mc:Fallback>
       </mc:AlternateContent>
-      <mc:AlternateContent xmlns:mc="http://schemas.openxmlformats.org/markup-compatibility/2006">
-        <mc:Choice xmlns:p14="http://schemas.microsoft.com/office/powerpoint/2010/main" Requires="p14">
+      <mc:AlternateContent xmlns:mc="http://schemas.openxmlformats.org/markup-compatibility/2006" xmlns:p14="http://schemas.microsoft.com/office/powerpoint/2010/main">
+        <mc:Choice Requires="p14">
           <p:contentPart p14:bwMode="auto" r:id="rId15">
             <p14:nvContentPartPr>
               <p14:cNvPr id="11" name="Ink 10">
@@ -10886,7 +10833,7 @@
             </p14:xfrm>
           </p:contentPart>
         </mc:Choice>
-        <mc:Fallback>
+        <mc:Fallback xmlns="">
           <p:pic>
             <p:nvPicPr>
               <p:cNvPr id="11" name="Ink 10">
@@ -10917,8 +10864,8 @@
           </p:pic>
         </mc:Fallback>
       </mc:AlternateContent>
-      <mc:AlternateContent xmlns:mc="http://schemas.openxmlformats.org/markup-compatibility/2006">
-        <mc:Choice xmlns:p14="http://schemas.microsoft.com/office/powerpoint/2010/main" Requires="p14">
+      <mc:AlternateContent xmlns:mc="http://schemas.openxmlformats.org/markup-compatibility/2006" xmlns:p14="http://schemas.microsoft.com/office/powerpoint/2010/main">
+        <mc:Choice Requires="p14">
           <p:contentPart p14:bwMode="auto" r:id="rId16">
             <p14:nvContentPartPr>
               <p14:cNvPr id="12" name="Ink 11">
@@ -10937,7 +10884,7 @@
             </p14:xfrm>
           </p:contentPart>
         </mc:Choice>
-        <mc:Fallback>
+        <mc:Fallback xmlns="">
           <p:pic>
             <p:nvPicPr>
               <p:cNvPr id="12" name="Ink 11">
@@ -10968,8 +10915,8 @@
           </p:pic>
         </mc:Fallback>
       </mc:AlternateContent>
-      <mc:AlternateContent xmlns:mc="http://schemas.openxmlformats.org/markup-compatibility/2006">
-        <mc:Choice xmlns:p14="http://schemas.microsoft.com/office/powerpoint/2010/main" Requires="p14">
+      <mc:AlternateContent xmlns:mc="http://schemas.openxmlformats.org/markup-compatibility/2006" xmlns:p14="http://schemas.microsoft.com/office/powerpoint/2010/main">
+        <mc:Choice Requires="p14">
           <p:contentPart p14:bwMode="auto" r:id="rId18">
             <p14:nvContentPartPr>
               <p14:cNvPr id="13" name="Ink 12">
@@ -10988,7 +10935,7 @@
             </p14:xfrm>
           </p:contentPart>
         </mc:Choice>
-        <mc:Fallback>
+        <mc:Fallback xmlns="">
           <p:pic>
             <p:nvPicPr>
               <p:cNvPr id="13" name="Ink 12">
@@ -11019,8 +10966,8 @@
           </p:pic>
         </mc:Fallback>
       </mc:AlternateContent>
-      <mc:AlternateContent xmlns:mc="http://schemas.openxmlformats.org/markup-compatibility/2006">
-        <mc:Choice xmlns:p14="http://schemas.microsoft.com/office/powerpoint/2010/main" Requires="p14">
+      <mc:AlternateContent xmlns:mc="http://schemas.openxmlformats.org/markup-compatibility/2006" xmlns:p14="http://schemas.microsoft.com/office/powerpoint/2010/main">
+        <mc:Choice Requires="p14">
           <p:contentPart p14:bwMode="auto" r:id="rId20">
             <p14:nvContentPartPr>
               <p14:cNvPr id="14" name="Ink 13">
@@ -11039,7 +10986,7 @@
             </p14:xfrm>
           </p:contentPart>
         </mc:Choice>
-        <mc:Fallback>
+        <mc:Fallback xmlns="">
           <p:pic>
             <p:nvPicPr>
               <p:cNvPr id="14" name="Ink 13">
@@ -11070,8 +11017,8 @@
           </p:pic>
         </mc:Fallback>
       </mc:AlternateContent>
-      <mc:AlternateContent xmlns:mc="http://schemas.openxmlformats.org/markup-compatibility/2006">
-        <mc:Choice xmlns:p14="http://schemas.microsoft.com/office/powerpoint/2010/main" Requires="p14">
+      <mc:AlternateContent xmlns:mc="http://schemas.openxmlformats.org/markup-compatibility/2006" xmlns:p14="http://schemas.microsoft.com/office/powerpoint/2010/main">
+        <mc:Choice Requires="p14">
           <p:contentPart p14:bwMode="auto" r:id="rId21">
             <p14:nvContentPartPr>
               <p14:cNvPr id="15" name="Ink 14">
@@ -11090,7 +11037,7 @@
             </p14:xfrm>
           </p:contentPart>
         </mc:Choice>
-        <mc:Fallback>
+        <mc:Fallback xmlns="">
           <p:pic>
             <p:nvPicPr>
               <p:cNvPr id="15" name="Ink 14">
@@ -11121,8 +11068,8 @@
           </p:pic>
         </mc:Fallback>
       </mc:AlternateContent>
-      <mc:AlternateContent xmlns:mc="http://schemas.openxmlformats.org/markup-compatibility/2006">
-        <mc:Choice xmlns:p14="http://schemas.microsoft.com/office/powerpoint/2010/main" Requires="p14">
+      <mc:AlternateContent xmlns:mc="http://schemas.openxmlformats.org/markup-compatibility/2006" xmlns:p14="http://schemas.microsoft.com/office/powerpoint/2010/main">
+        <mc:Choice Requires="p14">
           <p:contentPart p14:bwMode="auto" r:id="rId23">
             <p14:nvContentPartPr>
               <p14:cNvPr id="19" name="Ink 18">
@@ -11141,7 +11088,7 @@
             </p14:xfrm>
           </p:contentPart>
         </mc:Choice>
-        <mc:Fallback>
+        <mc:Fallback xmlns="">
           <p:pic>
             <p:nvPicPr>
               <p:cNvPr id="19" name="Ink 18">
@@ -11207,8 +11154,8 @@
           </a:p>
         </p:txBody>
       </p:sp>
-      <mc:AlternateContent xmlns:mc="http://schemas.openxmlformats.org/markup-compatibility/2006">
-        <mc:Choice xmlns:p14="http://schemas.microsoft.com/office/powerpoint/2010/main" Requires="p14">
+      <mc:AlternateContent xmlns:mc="http://schemas.openxmlformats.org/markup-compatibility/2006" xmlns:p14="http://schemas.microsoft.com/office/powerpoint/2010/main">
+        <mc:Choice Requires="p14">
           <p:contentPart p14:bwMode="auto" r:id="rId25">
             <p14:nvContentPartPr>
               <p14:cNvPr id="21" name="Ink 20">
@@ -11227,7 +11174,7 @@
             </p14:xfrm>
           </p:contentPart>
         </mc:Choice>
-        <mc:Fallback>
+        <mc:Fallback xmlns="">
           <p:pic>
             <p:nvPicPr>
               <p:cNvPr id="21" name="Ink 20">
@@ -11258,8 +11205,8 @@
           </p:pic>
         </mc:Fallback>
       </mc:AlternateContent>
-      <mc:AlternateContent xmlns:mc="http://schemas.openxmlformats.org/markup-compatibility/2006">
-        <mc:Choice xmlns:p14="http://schemas.microsoft.com/office/powerpoint/2010/main" Requires="p14">
+      <mc:AlternateContent xmlns:mc="http://schemas.openxmlformats.org/markup-compatibility/2006" xmlns:p14="http://schemas.microsoft.com/office/powerpoint/2010/main">
+        <mc:Choice Requires="p14">
           <p:contentPart p14:bwMode="auto" r:id="rId27">
             <p14:nvContentPartPr>
               <p14:cNvPr id="22" name="Ink 21">
@@ -11278,7 +11225,7 @@
             </p14:xfrm>
           </p:contentPart>
         </mc:Choice>
-        <mc:Fallback>
+        <mc:Fallback xmlns="">
           <p:pic>
             <p:nvPicPr>
               <p:cNvPr id="22" name="Ink 21">
@@ -11309,8 +11256,8 @@
           </p:pic>
         </mc:Fallback>
       </mc:AlternateContent>
-      <mc:AlternateContent xmlns:mc="http://schemas.openxmlformats.org/markup-compatibility/2006">
-        <mc:Choice xmlns:p14="http://schemas.microsoft.com/office/powerpoint/2010/main" Requires="p14">
+      <mc:AlternateContent xmlns:mc="http://schemas.openxmlformats.org/markup-compatibility/2006" xmlns:p14="http://schemas.microsoft.com/office/powerpoint/2010/main">
+        <mc:Choice Requires="p14">
           <p:contentPart p14:bwMode="auto" r:id="rId29">
             <p14:nvContentPartPr>
               <p14:cNvPr id="23" name="Ink 22">
@@ -11329,7 +11276,7 @@
             </p14:xfrm>
           </p:contentPart>
         </mc:Choice>
-        <mc:Fallback>
+        <mc:Fallback xmlns="">
           <p:pic>
             <p:nvPicPr>
               <p:cNvPr id="23" name="Ink 22">
@@ -11360,8 +11307,8 @@
           </p:pic>
         </mc:Fallback>
       </mc:AlternateContent>
-      <mc:AlternateContent xmlns:mc="http://schemas.openxmlformats.org/markup-compatibility/2006">
-        <mc:Choice xmlns:p14="http://schemas.microsoft.com/office/powerpoint/2010/main" Requires="p14">
+      <mc:AlternateContent xmlns:mc="http://schemas.openxmlformats.org/markup-compatibility/2006" xmlns:p14="http://schemas.microsoft.com/office/powerpoint/2010/main">
+        <mc:Choice Requires="p14">
           <p:contentPart p14:bwMode="auto" r:id="rId31">
             <p14:nvContentPartPr>
               <p14:cNvPr id="24" name="Ink 23">
@@ -11380,7 +11327,7 @@
             </p14:xfrm>
           </p:contentPart>
         </mc:Choice>
-        <mc:Fallback>
+        <mc:Fallback xmlns="">
           <p:pic>
             <p:nvPicPr>
               <p:cNvPr id="24" name="Ink 23">
@@ -11525,7 +11472,7 @@
             <a:fld id="{E65208FE-0220-403B-8209-06D9990EA4C9}" type="datetime1">
               <a:rPr lang="en-US" smtClean="0"/>
               <a:pPr/>
-              <a:t>12/15/2023</a:t>
+              <a:t>1/2/2024</a:t>
             </a:fld>
             <a:endParaRPr lang="en-US" dirty="0"/>
           </a:p>
@@ -11561,75 +11508,9 @@
           </a:p>
         </p:txBody>
       </p:sp>
-      <mc:AlternateContent xmlns:mc="http://schemas.openxmlformats.org/markup-compatibility/2006">
-        <mc:Choice xmlns:we="http://schemas.microsoft.com/office/webextensions/webextension/2010/11" xmlns:pca="http://schemas.microsoft.com/office/powerpoint/2013/contentapp" Requires="we pca">
-          <p:graphicFrame>
-            <p:nvGraphicFramePr>
-              <p:cNvPr id="3" name="Add-in 2" title="Microsoft Power BI">
-                <a:extLst>
-                  <a:ext uri="{FF2B5EF4-FFF2-40B4-BE49-F238E27FC236}">
-                    <a16:creationId xmlns:a16="http://schemas.microsoft.com/office/drawing/2014/main" id="{4DFD9094-E7E0-F22C-D16D-D36FAB5EE387}"/>
-                  </a:ext>
-                </a:extLst>
-              </p:cNvPr>
-              <p:cNvGraphicFramePr>
-                <a:graphicFrameLocks noGrp="1"/>
-              </p:cNvGraphicFramePr>
-              <p:nvPr>
-                <p:extLst>
-                  <p:ext uri="{D42A27DB-BD31-4B8C-83A1-F6EECF244321}">
-                    <p14:modId xmlns:p14="http://schemas.microsoft.com/office/powerpoint/2010/main" val="1194394891"/>
-                  </p:ext>
-                </p:extLst>
-              </p:nvPr>
-            </p:nvGraphicFramePr>
-            <p:xfrm>
-              <a:off x="1329690" y="456742"/>
-              <a:ext cx="9525000" cy="5715000"/>
-            </p:xfrm>
-            <a:graphic>
-              <a:graphicData uri="http://schemas.microsoft.com/office/webextensions/webextension/2010/11">
-                <we:webextensionref xmlns:we="http://schemas.microsoft.com/office/webextensions/webextension/2010/11" xmlns:r="http://schemas.openxmlformats.org/officeDocument/2006/relationships" r:id="rId3"/>
-              </a:graphicData>
-            </a:graphic>
-          </p:graphicFrame>
-        </mc:Choice>
-        <mc:Fallback>
-          <p:pic>
-            <p:nvPicPr>
-              <p:cNvPr id="3" name="Add-in 2" title="Microsoft Power BI">
-                <a:extLst>
-                  <a:ext uri="{FF2B5EF4-FFF2-40B4-BE49-F238E27FC236}">
-                    <a16:creationId xmlns:a16="http://schemas.microsoft.com/office/drawing/2014/main" id="{4DFD9094-E7E0-F22C-D16D-D36FAB5EE387}"/>
-                  </a:ext>
-                </a:extLst>
-              </p:cNvPr>
-              <p:cNvPicPr>
-                <a:picLocks noGrp="1" noRot="1" noChangeAspect="1" noMove="1" noResize="1" noEditPoints="1" noAdjustHandles="1" noChangeArrowheads="1" noChangeShapeType="1"/>
-              </p:cNvPicPr>
-              <p:nvPr/>
-            </p:nvPicPr>
-            <p:blipFill>
-              <a:blip r:embed="rId4"/>
-              <a:stretch>
-                <a:fillRect/>
-              </a:stretch>
-            </p:blipFill>
-            <p:spPr>
-              <a:xfrm>
-                <a:off x="1329690" y="456742"/>
-                <a:ext cx="9525000" cy="5715000"/>
-              </a:xfrm>
-              <a:prstGeom prst="rect">
-                <a:avLst/>
-              </a:prstGeom>
-            </p:spPr>
-          </p:pic>
-        </mc:Fallback>
-      </mc:AlternateContent>
-      <mc:AlternateContent xmlns:mc="http://schemas.openxmlformats.org/markup-compatibility/2006">
-        <mc:Choice xmlns:p14="http://schemas.microsoft.com/office/powerpoint/2010/main" Requires="p14">
-          <p:contentPart p14:bwMode="auto" r:id="rId5">
+      <mc:AlternateContent xmlns:mc="http://schemas.openxmlformats.org/markup-compatibility/2006" xmlns:p14="http://schemas.microsoft.com/office/powerpoint/2010/main">
+        <mc:Choice Requires="p14">
+          <p:contentPart p14:bwMode="auto" r:id="rId3">
             <p14:nvContentPartPr>
               <p14:cNvPr id="5" name="Ink 4">
                 <a:extLst>
@@ -11647,7 +11528,7 @@
             </p14:xfrm>
           </p:contentPart>
         </mc:Choice>
-        <mc:Fallback>
+        <mc:Fallback xmlns="">
           <p:pic>
             <p:nvPicPr>
               <p:cNvPr id="5" name="Ink 4">
@@ -11717,6 +11598,72 @@
           </a:p>
         </p:txBody>
       </p:sp>
+      <mc:AlternateContent xmlns:mc="http://schemas.openxmlformats.org/markup-compatibility/2006">
+        <mc:Choice xmlns:we="http://schemas.microsoft.com/office/webextensions/webextension/2010/11" xmlns:pca="http://schemas.microsoft.com/office/powerpoint/2013/contentapp" Requires="we pca">
+          <p:graphicFrame>
+            <p:nvGraphicFramePr>
+              <p:cNvPr id="2" name="Add-in 1" title="Microsoft Power BI">
+                <a:extLst>
+                  <a:ext uri="{FF2B5EF4-FFF2-40B4-BE49-F238E27FC236}">
+                    <a16:creationId xmlns:a16="http://schemas.microsoft.com/office/drawing/2014/main" id="{AE080C9B-85F8-0B39-1A80-CA24E61FCD79}"/>
+                  </a:ext>
+                </a:extLst>
+              </p:cNvPr>
+              <p:cNvGraphicFramePr>
+                <a:graphicFrameLocks noGrp="1"/>
+              </p:cNvGraphicFramePr>
+              <p:nvPr>
+                <p:extLst>
+                  <p:ext uri="{D42A27DB-BD31-4B8C-83A1-F6EECF244321}">
+                    <p14:modId xmlns:p14="http://schemas.microsoft.com/office/powerpoint/2010/main" val="1609869783"/>
+                  </p:ext>
+                </p:extLst>
+              </p:nvPr>
+            </p:nvGraphicFramePr>
+            <p:xfrm>
+              <a:off x="1314994" y="444138"/>
+              <a:ext cx="9562012" cy="5770260"/>
+            </p:xfrm>
+            <a:graphic>
+              <a:graphicData uri="http://schemas.microsoft.com/office/webextensions/webextension/2010/11">
+                <we:webextensionref xmlns:we="http://schemas.microsoft.com/office/webextensions/webextension/2010/11" xmlns:r="http://schemas.openxmlformats.org/officeDocument/2006/relationships" r:id="rId7"/>
+              </a:graphicData>
+            </a:graphic>
+          </p:graphicFrame>
+        </mc:Choice>
+        <mc:Fallback>
+          <p:pic>
+            <p:nvPicPr>
+              <p:cNvPr id="2" name="Add-in 1" title="Microsoft Power BI">
+                <a:extLst>
+                  <a:ext uri="{FF2B5EF4-FFF2-40B4-BE49-F238E27FC236}">
+                    <a16:creationId xmlns:a16="http://schemas.microsoft.com/office/drawing/2014/main" id="{AE080C9B-85F8-0B39-1A80-CA24E61FCD79}"/>
+                  </a:ext>
+                </a:extLst>
+              </p:cNvPr>
+              <p:cNvPicPr>
+                <a:picLocks noGrp="1" noRot="1" noChangeAspect="1" noMove="1" noResize="1" noEditPoints="1" noAdjustHandles="1" noChangeArrowheads="1" noChangeShapeType="1"/>
+              </p:cNvPicPr>
+              <p:nvPr/>
+            </p:nvPicPr>
+            <p:blipFill>
+              <a:blip r:embed="rId8"/>
+              <a:stretch>
+                <a:fillRect/>
+              </a:stretch>
+            </p:blipFill>
+            <p:spPr>
+              <a:xfrm>
+                <a:off x="1314994" y="444138"/>
+                <a:ext cx="9562012" cy="5770260"/>
+              </a:xfrm>
+              <a:prstGeom prst="rect">
+                <a:avLst/>
+              </a:prstGeom>
+            </p:spPr>
+          </p:pic>
+        </mc:Fallback>
+      </mc:AlternateContent>
     </p:spTree>
     <p:extLst>
       <p:ext uri="{BB962C8B-B14F-4D97-AF65-F5344CB8AC3E}">
@@ -11764,8 +11711,8 @@
         </p:nvSpPr>
         <p:spPr>
           <a:xfrm>
-            <a:off x="441960" y="371018"/>
-            <a:ext cx="11304270" cy="5835476"/>
+            <a:off x="149753" y="177158"/>
+            <a:ext cx="11858353" cy="6309824"/>
           </a:xfrm>
           <a:prstGeom prst="rect">
             <a:avLst/>
@@ -11822,7 +11769,7 @@
           <a:p>
             <a:fld id="{AAD2DF6D-B715-4785-8DEA-9165C638CF44}" type="datetime1">
               <a:rPr lang="en-US" smtClean="0"/>
-              <a:t>12/15/2023</a:t>
+              <a:t>1/2/2024</a:t>
             </a:fld>
             <a:endParaRPr lang="en-US" dirty="0"/>
           </a:p>
@@ -11862,10 +11809,10 @@
         <mc:Choice xmlns:we="http://schemas.microsoft.com/office/webextensions/webextension/2010/11" xmlns:pca="http://schemas.microsoft.com/office/powerpoint/2013/contentapp" Requires="we pca">
           <p:graphicFrame>
             <p:nvGraphicFramePr>
-              <p:cNvPr id="19" name="Add-in 18" title="Microsoft Power BI">
+              <p:cNvPr id="3" name="Add-in 2" title="Microsoft Power BI">
                 <a:extLst>
                   <a:ext uri="{FF2B5EF4-FFF2-40B4-BE49-F238E27FC236}">
-                    <a16:creationId xmlns:a16="http://schemas.microsoft.com/office/drawing/2014/main" id="{B9561FFB-035C-1B18-7383-9744EAD23CB5}"/>
+                    <a16:creationId xmlns:a16="http://schemas.microsoft.com/office/drawing/2014/main" id="{D75A9B8E-EE2F-3669-33AD-49B3AAE96F41}"/>
                   </a:ext>
                 </a:extLst>
               </p:cNvPr>
@@ -11875,14 +11822,14 @@
               <p:nvPr>
                 <p:extLst>
                   <p:ext uri="{D42A27DB-BD31-4B8C-83A1-F6EECF244321}">
-                    <p14:modId xmlns:p14="http://schemas.microsoft.com/office/powerpoint/2010/main" val="395682072"/>
+                    <p14:modId xmlns:p14="http://schemas.microsoft.com/office/powerpoint/2010/main" val="3919431708"/>
                   </p:ext>
                 </p:extLst>
               </p:nvPr>
             </p:nvGraphicFramePr>
             <p:xfrm>
-              <a:off x="539733" y="462882"/>
-              <a:ext cx="11108724" cy="5651748"/>
+              <a:off x="271055" y="269967"/>
+              <a:ext cx="11633562" cy="6122124"/>
             </p:xfrm>
             <a:graphic>
               <a:graphicData uri="http://schemas.microsoft.com/office/webextensions/webextension/2010/11">
@@ -11894,10 +11841,10 @@
         <mc:Fallback>
           <p:pic>
             <p:nvPicPr>
-              <p:cNvPr id="19" name="Add-in 18" title="Microsoft Power BI">
+              <p:cNvPr id="3" name="Add-in 2" title="Microsoft Power BI">
                 <a:extLst>
                   <a:ext uri="{FF2B5EF4-FFF2-40B4-BE49-F238E27FC236}">
-                    <a16:creationId xmlns:a16="http://schemas.microsoft.com/office/drawing/2014/main" id="{B9561FFB-035C-1B18-7383-9744EAD23CB5}"/>
+                    <a16:creationId xmlns:a16="http://schemas.microsoft.com/office/drawing/2014/main" id="{D75A9B8E-EE2F-3669-33AD-49B3AAE96F41}"/>
                   </a:ext>
                 </a:extLst>
               </p:cNvPr>
@@ -11914,8 +11861,8 @@
             </p:blipFill>
             <p:spPr>
               <a:xfrm>
-                <a:off x="539733" y="462882"/>
-                <a:ext cx="11108724" cy="5651748"/>
+                <a:off x="271055" y="269967"/>
+                <a:ext cx="11633562" cy="6122124"/>
               </a:xfrm>
               <a:prstGeom prst="rect">
                 <a:avLst/>
@@ -11957,41 +11904,104 @@
           <a:chExt cx="0" cy="0"/>
         </a:xfrm>
       </p:grpSpPr>
-      <p:pic>
-        <p:nvPicPr>
-          <p:cNvPr id="16" name="Picture 15" descr="A graph with lines and numbers">
+      <p:sp>
+        <p:nvSpPr>
+          <p:cNvPr id="94" name="Rectangle 93">
             <a:extLst>
               <a:ext uri="{FF2B5EF4-FFF2-40B4-BE49-F238E27FC236}">
-                <a16:creationId xmlns:a16="http://schemas.microsoft.com/office/drawing/2014/main" id="{015A86E7-C2E5-0365-0C2B-0AB29F4E4FC2}"/>
+                <a16:creationId xmlns:a16="http://schemas.microsoft.com/office/drawing/2014/main" id="{A7F856B4-BFFA-FB0E-D134-ECD57C6297B4}"/>
               </a:ext>
             </a:extLst>
           </p:cNvPr>
-          <p:cNvPicPr>
-            <a:picLocks noChangeAspect="1"/>
-          </p:cNvPicPr>
+          <p:cNvSpPr/>
           <p:nvPr/>
-        </p:nvPicPr>
-        <p:blipFill>
-          <a:blip r:embed="rId3"/>
-          <a:stretch>
-            <a:fillRect/>
-          </a:stretch>
-        </p:blipFill>
+        </p:nvSpPr>
         <p:spPr>
           <a:xfrm>
-            <a:off x="94649" y="1153256"/>
-            <a:ext cx="12024771" cy="4790343"/>
+            <a:off x="6274826" y="1184365"/>
+            <a:ext cx="5615779" cy="5373187"/>
           </a:xfrm>
           <a:prstGeom prst="rect">
             <a:avLst/>
           </a:prstGeom>
-          <a:ln w="38100">
-            <a:solidFill>
-              <a:srgbClr val="353F37"/>
-            </a:solidFill>
-          </a:ln>
+          <a:solidFill>
+            <a:srgbClr val="353F37"/>
+          </a:solidFill>
         </p:spPr>
-      </p:pic>
+        <p:style>
+          <a:lnRef idx="2">
+            <a:schemeClr val="dk1">
+              <a:shade val="15000"/>
+            </a:schemeClr>
+          </a:lnRef>
+          <a:fillRef idx="1">
+            <a:schemeClr val="dk1"/>
+          </a:fillRef>
+          <a:effectRef idx="0">
+            <a:schemeClr val="dk1"/>
+          </a:effectRef>
+          <a:fontRef idx="minor">
+            <a:schemeClr val="lt1"/>
+          </a:fontRef>
+        </p:style>
+        <p:txBody>
+          <a:bodyPr rtlCol="0" anchor="ctr"/>
+          <a:lstStyle/>
+          <a:p>
+            <a:pPr algn="ctr"/>
+            <a:endParaRPr lang="en-US"/>
+          </a:p>
+        </p:txBody>
+      </p:sp>
+      <p:sp>
+        <p:nvSpPr>
+          <p:cNvPr id="93" name="Rectangle 92">
+            <a:extLst>
+              <a:ext uri="{FF2B5EF4-FFF2-40B4-BE49-F238E27FC236}">
+                <a16:creationId xmlns:a16="http://schemas.microsoft.com/office/drawing/2014/main" id="{CD10B907-11AE-DA45-2AD7-2E04E157F177}"/>
+              </a:ext>
+            </a:extLst>
+          </p:cNvPr>
+          <p:cNvSpPr/>
+          <p:nvPr/>
+        </p:nvSpPr>
+        <p:spPr>
+          <a:xfrm>
+            <a:off x="88335" y="1184366"/>
+            <a:ext cx="5615779" cy="5373187"/>
+          </a:xfrm>
+          <a:prstGeom prst="rect">
+            <a:avLst/>
+          </a:prstGeom>
+          <a:solidFill>
+            <a:srgbClr val="353F37"/>
+          </a:solidFill>
+        </p:spPr>
+        <p:style>
+          <a:lnRef idx="2">
+            <a:schemeClr val="dk1">
+              <a:shade val="15000"/>
+            </a:schemeClr>
+          </a:lnRef>
+          <a:fillRef idx="1">
+            <a:schemeClr val="dk1"/>
+          </a:fillRef>
+          <a:effectRef idx="0">
+            <a:schemeClr val="dk1"/>
+          </a:effectRef>
+          <a:fontRef idx="minor">
+            <a:schemeClr val="lt1"/>
+          </a:fontRef>
+        </p:style>
+        <p:txBody>
+          <a:bodyPr rtlCol="0" anchor="ctr"/>
+          <a:lstStyle/>
+          <a:p>
+            <a:pPr algn="ctr"/>
+            <a:endParaRPr lang="en-US"/>
+          </a:p>
+        </p:txBody>
+      </p:sp>
       <p:sp>
         <p:nvSpPr>
           <p:cNvPr id="4" name="TextBox 3">
@@ -12006,8 +12016,8 @@
         </p:nvSpPr>
         <p:spPr>
           <a:xfrm>
-            <a:off x="112964" y="695370"/>
-            <a:ext cx="4188967" cy="338554"/>
+            <a:off x="547664" y="421050"/>
+            <a:ext cx="4697120" cy="369332"/>
           </a:xfrm>
           <a:prstGeom prst="rect">
             <a:avLst/>
@@ -12021,7 +12031,7 @@
           <a:lstStyle/>
           <a:p>
             <a:r>
-              <a:rPr lang="en-US" sz="1600" dirty="0"/>
+              <a:rPr lang="en-US" dirty="0"/>
               <a:t>Total Quantity of Opioids Seized by Year</a:t>
             </a:r>
           </a:p>
@@ -12029,10 +12039,10 @@
       </p:sp>
       <p:sp>
         <p:nvSpPr>
-          <p:cNvPr id="5" name="TextBox 4">
+          <p:cNvPr id="6" name="TextBox 5">
             <a:extLst>
               <a:ext uri="{FF2B5EF4-FFF2-40B4-BE49-F238E27FC236}">
-                <a16:creationId xmlns:a16="http://schemas.microsoft.com/office/drawing/2014/main" id="{6FF93FB3-073E-1851-9266-B0CD537F42B1}"/>
+                <a16:creationId xmlns:a16="http://schemas.microsoft.com/office/drawing/2014/main" id="{701F0B67-81FC-A785-4F5B-EF29D4719013}"/>
               </a:ext>
             </a:extLst>
           </p:cNvPr>
@@ -12041,8 +12051,8 @@
         </p:nvSpPr>
         <p:spPr>
           <a:xfrm>
-            <a:off x="4623745" y="695370"/>
-            <a:ext cx="3272050" cy="338554"/>
+            <a:off x="6868006" y="421050"/>
+            <a:ext cx="4429418" cy="369332"/>
           </a:xfrm>
           <a:prstGeom prst="rect">
             <a:avLst/>
@@ -12056,53 +12066,233 @@
           <a:lstStyle/>
           <a:p>
             <a:r>
-              <a:rPr lang="en-US" sz="1600" dirty="0"/>
-              <a:t>Monthly Opioid Seizure Trends</a:t>
+              <a:rPr lang="en-US" dirty="0"/>
+              <a:t>Regional Variations in Opioid Seizures</a:t>
             </a:r>
           </a:p>
         </p:txBody>
       </p:sp>
-      <p:sp>
-        <p:nvSpPr>
-          <p:cNvPr id="6" name="TextBox 5">
+      <p:pic>
+        <p:nvPicPr>
+          <p:cNvPr id="89" name="Picture 88" descr="A graph with lines and numbers&#10;&#10;Description automatically generated with medium confidence">
             <a:extLst>
               <a:ext uri="{FF2B5EF4-FFF2-40B4-BE49-F238E27FC236}">
-                <a16:creationId xmlns:a16="http://schemas.microsoft.com/office/drawing/2014/main" id="{701F0B67-81FC-A785-4F5B-EF29D4719013}"/>
+                <a16:creationId xmlns:a16="http://schemas.microsoft.com/office/drawing/2014/main" id="{37D69B88-AC3C-BB39-1B79-B8A06ACF1D26}"/>
               </a:ext>
             </a:extLst>
           </p:cNvPr>
-          <p:cNvSpPr txBox="1"/>
+          <p:cNvPicPr>
+            <a:picLocks noChangeAspect="1"/>
+          </p:cNvPicPr>
           <p:nvPr/>
-        </p:nvSpPr>
+        </p:nvPicPr>
+        <p:blipFill rotWithShape="1">
+          <a:blip r:embed="rId3"/>
+          <a:srcRect t="4329" r="67071"/>
+          <a:stretch/>
+        </p:blipFill>
         <p:spPr>
           <a:xfrm>
-            <a:off x="8217610" y="695370"/>
-            <a:ext cx="3953326" cy="338554"/>
+            <a:off x="174316" y="1255115"/>
+            <a:ext cx="5455090" cy="5224062"/>
           </a:xfrm>
           <a:prstGeom prst="rect">
             <a:avLst/>
           </a:prstGeom>
-          <a:noFill/>
         </p:spPr>
-        <p:txBody>
-          <a:bodyPr wrap="none" rtlCol="0">
-            <a:spAutoFit/>
-          </a:bodyPr>
-          <a:lstStyle/>
-          <a:p>
-            <a:r>
-              <a:rPr lang="en-US" sz="1600" dirty="0"/>
-              <a:t>Regional Variations in Opioid Seizures</a:t>
-            </a:r>
-          </a:p>
-        </p:txBody>
-      </p:sp>
+      </p:pic>
+      <p:pic>
+        <p:nvPicPr>
+          <p:cNvPr id="91" name="Picture 90" descr="A graph with lines and numbers&#10;&#10;Description automatically generated with medium confidence">
+            <a:extLst>
+              <a:ext uri="{FF2B5EF4-FFF2-40B4-BE49-F238E27FC236}">
+                <a16:creationId xmlns:a16="http://schemas.microsoft.com/office/drawing/2014/main" id="{75CDAAF1-BF1B-5B0F-B39D-B7034CE98D89}"/>
+              </a:ext>
+            </a:extLst>
+          </p:cNvPr>
+          <p:cNvPicPr>
+            <a:picLocks noChangeAspect="1"/>
+          </p:cNvPicPr>
+          <p:nvPr/>
+        </p:nvPicPr>
+        <p:blipFill rotWithShape="1">
+          <a:blip r:embed="rId3"/>
+          <a:srcRect l="67574" t="4546"/>
+          <a:stretch/>
+        </p:blipFill>
+        <p:spPr>
+          <a:xfrm>
+            <a:off x="6355171" y="1245326"/>
+            <a:ext cx="5455090" cy="5233851"/>
+          </a:xfrm>
+          <a:prstGeom prst="rect">
+            <a:avLst/>
+          </a:prstGeom>
+        </p:spPr>
+      </p:pic>
+      <mc:AlternateContent xmlns:mc="http://schemas.openxmlformats.org/markup-compatibility/2006">
+        <mc:Choice xmlns:p14="http://schemas.microsoft.com/office/powerpoint/2010/main" Requires="p14">
+          <p:contentPart p14:bwMode="auto" r:id="rId4">
+            <p14:nvContentPartPr>
+              <p14:cNvPr id="95" name="Ink 94">
+                <a:extLst>
+                  <a:ext uri="{FF2B5EF4-FFF2-40B4-BE49-F238E27FC236}">
+                    <a16:creationId xmlns:a16="http://schemas.microsoft.com/office/drawing/2014/main" id="{177A895C-591F-4819-1E04-BE5117BCD1CF}"/>
+                  </a:ext>
+                </a:extLst>
+              </p14:cNvPr>
+              <p14:cNvContentPartPr/>
+              <p14:nvPr/>
+            </p14:nvContentPartPr>
+            <p14:xfrm>
+              <a:off x="10932857" y="1793674"/>
+              <a:ext cx="554040" cy="124560"/>
+            </p14:xfrm>
+          </p:contentPart>
+        </mc:Choice>
+        <mc:Fallback>
+          <p:pic>
+            <p:nvPicPr>
+              <p:cNvPr id="95" name="Ink 94">
+                <a:extLst>
+                  <a:ext uri="{FF2B5EF4-FFF2-40B4-BE49-F238E27FC236}">
+                    <a16:creationId xmlns:a16="http://schemas.microsoft.com/office/drawing/2014/main" id="{177A895C-591F-4819-1E04-BE5117BCD1CF}"/>
+                  </a:ext>
+                </a:extLst>
+              </p:cNvPr>
+              <p:cNvPicPr/>
+              <p:nvPr/>
+            </p:nvPicPr>
+            <p:blipFill>
+              <a:blip r:embed="rId5"/>
+              <a:stretch>
+                <a:fillRect/>
+              </a:stretch>
+            </p:blipFill>
+            <p:spPr>
+              <a:xfrm>
+                <a:off x="10897217" y="1757674"/>
+                <a:ext cx="625680" cy="196200"/>
+              </a:xfrm>
+              <a:prstGeom prst="rect">
+                <a:avLst/>
+              </a:prstGeom>
+            </p:spPr>
+          </p:pic>
+        </mc:Fallback>
+      </mc:AlternateContent>
+      <mc:AlternateContent xmlns:mc="http://schemas.openxmlformats.org/markup-compatibility/2006">
+        <mc:Choice xmlns:p14="http://schemas.microsoft.com/office/powerpoint/2010/main" Requires="p14">
+          <p:contentPart p14:bwMode="auto" r:id="rId6">
+            <p14:nvContentPartPr>
+              <p14:cNvPr id="96" name="Ink 95">
+                <a:extLst>
+                  <a:ext uri="{FF2B5EF4-FFF2-40B4-BE49-F238E27FC236}">
+                    <a16:creationId xmlns:a16="http://schemas.microsoft.com/office/drawing/2014/main" id="{60BE35A8-8219-8237-C0E4-0CD94E86AB22}"/>
+                  </a:ext>
+                </a:extLst>
+              </p14:cNvPr>
+              <p14:cNvContentPartPr/>
+              <p14:nvPr/>
+            </p14:nvContentPartPr>
+            <p14:xfrm>
+              <a:off x="10100537" y="1802314"/>
+              <a:ext cx="804240" cy="122400"/>
+            </p14:xfrm>
+          </p:contentPart>
+        </mc:Choice>
+        <mc:Fallback>
+          <p:pic>
+            <p:nvPicPr>
+              <p:cNvPr id="96" name="Ink 95">
+                <a:extLst>
+                  <a:ext uri="{FF2B5EF4-FFF2-40B4-BE49-F238E27FC236}">
+                    <a16:creationId xmlns:a16="http://schemas.microsoft.com/office/drawing/2014/main" id="{60BE35A8-8219-8237-C0E4-0CD94E86AB22}"/>
+                  </a:ext>
+                </a:extLst>
+              </p:cNvPr>
+              <p:cNvPicPr/>
+              <p:nvPr/>
+            </p:nvPicPr>
+            <p:blipFill>
+              <a:blip r:embed="rId7"/>
+              <a:stretch>
+                <a:fillRect/>
+              </a:stretch>
+            </p:blipFill>
+            <p:spPr>
+              <a:xfrm>
+                <a:off x="10064537" y="1766674"/>
+                <a:ext cx="875880" cy="194040"/>
+              </a:xfrm>
+              <a:prstGeom prst="rect">
+                <a:avLst/>
+              </a:prstGeom>
+            </p:spPr>
+          </p:pic>
+        </mc:Fallback>
+      </mc:AlternateContent>
+      <mc:AlternateContent xmlns:mc="http://schemas.openxmlformats.org/markup-compatibility/2006">
+        <mc:Choice xmlns:p14="http://schemas.microsoft.com/office/powerpoint/2010/main" Requires="p14">
+          <p:contentPart p14:bwMode="auto" r:id="rId8">
+            <p14:nvContentPartPr>
+              <p14:cNvPr id="99" name="Ink 98">
+                <a:extLst>
+                  <a:ext uri="{FF2B5EF4-FFF2-40B4-BE49-F238E27FC236}">
+                    <a16:creationId xmlns:a16="http://schemas.microsoft.com/office/drawing/2014/main" id="{2232EE52-2BAE-4A10-C20F-64C31F7C8B83}"/>
+                  </a:ext>
+                </a:extLst>
+              </p14:cNvPr>
+              <p14:cNvContentPartPr>
+                <a14:cpLocks xmlns:a14="http://schemas.microsoft.com/office/drawing/2010/main" noGrp="1" noRot="1" noMove="1" noResize="1" noEditPoints="1" noAdjustHandles="1" noChangeArrowheads="1" noChangeShapeType="1"/>
+              </p14:cNvContentPartPr>
+              <p14:nvPr/>
+            </p14:nvContentPartPr>
+            <p14:xfrm>
+              <a:off x="10023497" y="1374994"/>
+              <a:ext cx="1587240" cy="828720"/>
+            </p14:xfrm>
+          </p:contentPart>
+        </mc:Choice>
+        <mc:Fallback>
+          <p:pic>
+            <p:nvPicPr>
+              <p:cNvPr id="99" name="Ink 98">
+                <a:extLst>
+                  <a:ext uri="{FF2B5EF4-FFF2-40B4-BE49-F238E27FC236}">
+                    <a16:creationId xmlns:a16="http://schemas.microsoft.com/office/drawing/2014/main" id="{2232EE52-2BAE-4A10-C20F-64C31F7C8B83}"/>
+                  </a:ext>
+                </a:extLst>
+              </p:cNvPr>
+              <p:cNvPicPr>
+                <a:picLocks noGrp="1" noRot="1" noMove="1" noResize="1" noEditPoints="1" noAdjustHandles="1" noChangeArrowheads="1" noChangeShapeType="1"/>
+              </p:cNvPicPr>
+              <p:nvPr/>
+            </p:nvPicPr>
+            <p:blipFill>
+              <a:blip r:embed="rId9"/>
+              <a:stretch>
+                <a:fillRect/>
+              </a:stretch>
+            </p:blipFill>
+            <p:spPr>
+              <a:xfrm>
+                <a:off x="9960857" y="1312354"/>
+                <a:ext cx="1712880" cy="954360"/>
+              </a:xfrm>
+              <a:prstGeom prst="rect">
+                <a:avLst/>
+              </a:prstGeom>
+            </p:spPr>
+          </p:pic>
+        </mc:Fallback>
+      </mc:AlternateContent>
       <p:grpSp>
         <p:nvGrpSpPr>
-          <p:cNvPr id="15" name="Group 14">
+          <p:cNvPr id="110" name="Group 109">
             <a:extLst>
               <a:ext uri="{FF2B5EF4-FFF2-40B4-BE49-F238E27FC236}">
-                <a16:creationId xmlns:a16="http://schemas.microsoft.com/office/drawing/2014/main" id="{54F139F0-3752-FCA3-76A5-0AC0E2522709}"/>
+                <a16:creationId xmlns:a16="http://schemas.microsoft.com/office/drawing/2014/main" id="{000EA765-56FD-6493-5AF5-8CAA45087E30}"/>
               </a:ext>
             </a:extLst>
           </p:cNvPr>
@@ -12111,20 +12301,20 @@
         </p:nvGrpSpPr>
         <p:grpSpPr>
           <a:xfrm>
-            <a:off x="2095815" y="1246860"/>
-            <a:ext cx="1438200" cy="38880"/>
-            <a:chOff x="2095815" y="1246860"/>
-            <a:chExt cx="1438200" cy="38880"/>
+            <a:off x="10069577" y="1384354"/>
+            <a:ext cx="1540800" cy="991440"/>
+            <a:chOff x="10069577" y="1384354"/>
+            <a:chExt cx="1540800" cy="991440"/>
           </a:xfrm>
         </p:grpSpPr>
         <mc:AlternateContent xmlns:mc="http://schemas.openxmlformats.org/markup-compatibility/2006">
           <mc:Choice xmlns:p14="http://schemas.microsoft.com/office/powerpoint/2010/main" Requires="p14">
-            <p:contentPart p14:bwMode="auto" r:id="rId4">
+            <p:contentPart p14:bwMode="auto" r:id="rId10">
               <p14:nvContentPartPr>
-                <p14:cNvPr id="8" name="Ink 7">
+                <p14:cNvPr id="100" name="Ink 99">
                   <a:extLst>
                     <a:ext uri="{FF2B5EF4-FFF2-40B4-BE49-F238E27FC236}">
-                      <a16:creationId xmlns:a16="http://schemas.microsoft.com/office/drawing/2014/main" id="{A8CE7310-F96F-E593-01F7-5CB806E2692B}"/>
+                      <a16:creationId xmlns:a16="http://schemas.microsoft.com/office/drawing/2014/main" id="{1BFC6237-D214-4A75-03B0-42114C33BDC5}"/>
                     </a:ext>
                   </a:extLst>
                 </p14:cNvPr>
@@ -12132,171 +12322,18 @@
                 <p14:nvPr/>
               </p14:nvContentPartPr>
               <p14:xfrm>
-                <a:off x="3393615" y="1277820"/>
-                <a:ext cx="140400" cy="7920"/>
+                <a:off x="11454857" y="1384354"/>
+                <a:ext cx="155520" cy="600120"/>
               </p14:xfrm>
             </p:contentPart>
           </mc:Choice>
           <mc:Fallback>
             <p:pic>
               <p:nvPicPr>
-                <p:cNvPr id="8" name="Ink 7">
+                <p:cNvPr id="100" name="Ink 99">
                   <a:extLst>
                     <a:ext uri="{FF2B5EF4-FFF2-40B4-BE49-F238E27FC236}">
-                      <a16:creationId xmlns:a16="http://schemas.microsoft.com/office/drawing/2014/main" id="{A8CE7310-F96F-E593-01F7-5CB806E2692B}"/>
-                    </a:ext>
-                  </a:extLst>
-                </p:cNvPr>
-                <p:cNvPicPr/>
-                <p:nvPr/>
-              </p:nvPicPr>
-              <p:blipFill>
-                <a:blip r:embed="rId5"/>
-                <a:stretch>
-                  <a:fillRect/>
-                </a:stretch>
-              </p:blipFill>
-              <p:spPr>
-                <a:xfrm>
-                  <a:off x="3330975" y="1215180"/>
-                  <a:ext cx="266040" cy="133560"/>
-                </a:xfrm>
-                <a:prstGeom prst="rect">
-                  <a:avLst/>
-                </a:prstGeom>
-              </p:spPr>
-            </p:pic>
-          </mc:Fallback>
-        </mc:AlternateContent>
-        <mc:AlternateContent xmlns:mc="http://schemas.openxmlformats.org/markup-compatibility/2006">
-          <mc:Choice xmlns:p14="http://schemas.microsoft.com/office/powerpoint/2010/main" Requires="p14">
-            <p:contentPart p14:bwMode="auto" r:id="rId6">
-              <p14:nvContentPartPr>
-                <p14:cNvPr id="9" name="Ink 8">
-                  <a:extLst>
-                    <a:ext uri="{FF2B5EF4-FFF2-40B4-BE49-F238E27FC236}">
-                      <a16:creationId xmlns:a16="http://schemas.microsoft.com/office/drawing/2014/main" id="{EA22EFB8-05A9-D476-ED7B-81BF9FF19CBA}"/>
-                    </a:ext>
-                  </a:extLst>
-                </p14:cNvPr>
-                <p14:cNvContentPartPr/>
-                <p14:nvPr/>
-              </p14:nvContentPartPr>
-              <p14:xfrm>
-                <a:off x="3179055" y="1246860"/>
-                <a:ext cx="192600" cy="21960"/>
-              </p14:xfrm>
-            </p:contentPart>
-          </mc:Choice>
-          <mc:Fallback>
-            <p:pic>
-              <p:nvPicPr>
-                <p:cNvPr id="9" name="Ink 8">
-                  <a:extLst>
-                    <a:ext uri="{FF2B5EF4-FFF2-40B4-BE49-F238E27FC236}">
-                      <a16:creationId xmlns:a16="http://schemas.microsoft.com/office/drawing/2014/main" id="{EA22EFB8-05A9-D476-ED7B-81BF9FF19CBA}"/>
-                    </a:ext>
-                  </a:extLst>
-                </p:cNvPr>
-                <p:cNvPicPr/>
-                <p:nvPr/>
-              </p:nvPicPr>
-              <p:blipFill>
-                <a:blip r:embed="rId7"/>
-                <a:stretch>
-                  <a:fillRect/>
-                </a:stretch>
-              </p:blipFill>
-              <p:spPr>
-                <a:xfrm>
-                  <a:off x="3116415" y="1183860"/>
-                  <a:ext cx="318240" cy="147600"/>
-                </a:xfrm>
-                <a:prstGeom prst="rect">
-                  <a:avLst/>
-                </a:prstGeom>
-              </p:spPr>
-            </p:pic>
-          </mc:Fallback>
-        </mc:AlternateContent>
-        <mc:AlternateContent xmlns:mc="http://schemas.openxmlformats.org/markup-compatibility/2006">
-          <mc:Choice xmlns:p14="http://schemas.microsoft.com/office/powerpoint/2010/main" Requires="p14">
-            <p:contentPart p14:bwMode="auto" r:id="rId8">
-              <p14:nvContentPartPr>
-                <p14:cNvPr id="11" name="Ink 10">
-                  <a:extLst>
-                    <a:ext uri="{FF2B5EF4-FFF2-40B4-BE49-F238E27FC236}">
-                      <a16:creationId xmlns:a16="http://schemas.microsoft.com/office/drawing/2014/main" id="{4CC68D0D-5BC6-64E2-A2A1-F9E78C745265}"/>
-                    </a:ext>
-                  </a:extLst>
-                </p14:cNvPr>
-                <p14:cNvContentPartPr/>
-                <p14:nvPr/>
-              </p14:nvContentPartPr>
-              <p14:xfrm>
-                <a:off x="3247815" y="1285380"/>
-                <a:ext cx="360" cy="360"/>
-              </p14:xfrm>
-            </p:contentPart>
-          </mc:Choice>
-          <mc:Fallback>
-            <p:pic>
-              <p:nvPicPr>
-                <p:cNvPr id="11" name="Ink 10">
-                  <a:extLst>
-                    <a:ext uri="{FF2B5EF4-FFF2-40B4-BE49-F238E27FC236}">
-                      <a16:creationId xmlns:a16="http://schemas.microsoft.com/office/drawing/2014/main" id="{4CC68D0D-5BC6-64E2-A2A1-F9E78C745265}"/>
-                    </a:ext>
-                  </a:extLst>
-                </p:cNvPr>
-                <p:cNvPicPr/>
-                <p:nvPr/>
-              </p:nvPicPr>
-              <p:blipFill>
-                <a:blip r:embed="rId9"/>
-                <a:stretch>
-                  <a:fillRect/>
-                </a:stretch>
-              </p:blipFill>
-              <p:spPr>
-                <a:xfrm>
-                  <a:off x="3184815" y="1222740"/>
-                  <a:ext cx="126000" cy="126000"/>
-                </a:xfrm>
-                <a:prstGeom prst="rect">
-                  <a:avLst/>
-                </a:prstGeom>
-              </p:spPr>
-            </p:pic>
-          </mc:Fallback>
-        </mc:AlternateContent>
-        <mc:AlternateContent xmlns:mc="http://schemas.openxmlformats.org/markup-compatibility/2006">
-          <mc:Choice xmlns:p14="http://schemas.microsoft.com/office/powerpoint/2010/main" Requires="p14">
-            <p:contentPart p14:bwMode="auto" r:id="rId10">
-              <p14:nvContentPartPr>
-                <p14:cNvPr id="12" name="Ink 11">
-                  <a:extLst>
-                    <a:ext uri="{FF2B5EF4-FFF2-40B4-BE49-F238E27FC236}">
-                      <a16:creationId xmlns:a16="http://schemas.microsoft.com/office/drawing/2014/main" id="{D66D82A2-88E3-AD1A-B744-B928F2C556E5}"/>
-                    </a:ext>
-                  </a:extLst>
-                </p14:cNvPr>
-                <p14:cNvContentPartPr/>
-                <p14:nvPr/>
-              </p14:nvContentPartPr>
-              <p14:xfrm>
-                <a:off x="2824095" y="1276020"/>
-                <a:ext cx="290880" cy="360"/>
-              </p14:xfrm>
-            </p:contentPart>
-          </mc:Choice>
-          <mc:Fallback>
-            <p:pic>
-              <p:nvPicPr>
-                <p:cNvPr id="12" name="Ink 11">
-                  <a:extLst>
-                    <a:ext uri="{FF2B5EF4-FFF2-40B4-BE49-F238E27FC236}">
-                      <a16:creationId xmlns:a16="http://schemas.microsoft.com/office/drawing/2014/main" id="{D66D82A2-88E3-AD1A-B744-B928F2C556E5}"/>
+                      <a16:creationId xmlns:a16="http://schemas.microsoft.com/office/drawing/2014/main" id="{1BFC6237-D214-4A75-03B0-42114C33BDC5}"/>
                     </a:ext>
                   </a:extLst>
                 </p:cNvPr>
@@ -12311,8 +12348,8 @@
               </p:blipFill>
               <p:spPr>
                 <a:xfrm>
-                  <a:off x="2761095" y="1213380"/>
-                  <a:ext cx="416520" cy="126000"/>
+                  <a:off x="11392217" y="1321714"/>
+                  <a:ext cx="281160" cy="725760"/>
                 </a:xfrm>
                 <a:prstGeom prst="rect">
                   <a:avLst/>
@@ -12325,10 +12362,10 @@
           <mc:Choice xmlns:p14="http://schemas.microsoft.com/office/powerpoint/2010/main" Requires="p14">
             <p:contentPart p14:bwMode="auto" r:id="rId12">
               <p14:nvContentPartPr>
-                <p14:cNvPr id="13" name="Ink 12">
+                <p14:cNvPr id="101" name="Ink 100">
                   <a:extLst>
                     <a:ext uri="{FF2B5EF4-FFF2-40B4-BE49-F238E27FC236}">
-                      <a16:creationId xmlns:a16="http://schemas.microsoft.com/office/drawing/2014/main" id="{7685AE06-4254-7D0F-C215-5573735631D1}"/>
+                      <a16:creationId xmlns:a16="http://schemas.microsoft.com/office/drawing/2014/main" id="{404045A6-B8A7-5C60-5DFA-BBE563BA29EC}"/>
                     </a:ext>
                   </a:extLst>
                 </p14:cNvPr>
@@ -12336,18 +12373,18 @@
                 <p14:nvPr/>
               </p14:nvContentPartPr>
               <p14:xfrm>
-                <a:off x="2445375" y="1276020"/>
-                <a:ext cx="355320" cy="360"/>
+                <a:off x="11534417" y="1750114"/>
+                <a:ext cx="74160" cy="227520"/>
               </p14:xfrm>
             </p:contentPart>
           </mc:Choice>
           <mc:Fallback>
             <p:pic>
               <p:nvPicPr>
-                <p:cNvPr id="13" name="Ink 12">
+                <p:cNvPr id="101" name="Ink 100">
                   <a:extLst>
                     <a:ext uri="{FF2B5EF4-FFF2-40B4-BE49-F238E27FC236}">
-                      <a16:creationId xmlns:a16="http://schemas.microsoft.com/office/drawing/2014/main" id="{7685AE06-4254-7D0F-C215-5573735631D1}"/>
+                      <a16:creationId xmlns:a16="http://schemas.microsoft.com/office/drawing/2014/main" id="{404045A6-B8A7-5C60-5DFA-BBE563BA29EC}"/>
                     </a:ext>
                   </a:extLst>
                 </p:cNvPr>
@@ -12362,8 +12399,8 @@
               </p:blipFill>
               <p:spPr>
                 <a:xfrm>
-                  <a:off x="2382735" y="1213380"/>
-                  <a:ext cx="480960" cy="126000"/>
+                  <a:off x="11471777" y="1687114"/>
+                  <a:ext cx="199800" cy="353160"/>
                 </a:xfrm>
                 <a:prstGeom prst="rect">
                   <a:avLst/>
@@ -12376,10 +12413,10 @@
           <mc:Choice xmlns:p14="http://schemas.microsoft.com/office/powerpoint/2010/main" Requires="p14">
             <p:contentPart p14:bwMode="auto" r:id="rId14">
               <p14:nvContentPartPr>
-                <p14:cNvPr id="14" name="Ink 13">
+                <p14:cNvPr id="103" name="Ink 102">
                   <a:extLst>
                     <a:ext uri="{FF2B5EF4-FFF2-40B4-BE49-F238E27FC236}">
-                      <a16:creationId xmlns:a16="http://schemas.microsoft.com/office/drawing/2014/main" id="{DD260F02-5491-3453-6276-94F27C4832BB}"/>
+                      <a16:creationId xmlns:a16="http://schemas.microsoft.com/office/drawing/2014/main" id="{414F26D2-1A7F-75CF-C0FA-EDADF5DFA5FE}"/>
                     </a:ext>
                   </a:extLst>
                 </p14:cNvPr>
@@ -12387,18 +12424,18 @@
                 <p14:nvPr/>
               </p14:nvContentPartPr>
               <p14:xfrm>
-                <a:off x="2095815" y="1276020"/>
-                <a:ext cx="323640" cy="360"/>
+                <a:off x="11608217" y="1898074"/>
+                <a:ext cx="360" cy="360"/>
               </p14:xfrm>
             </p:contentPart>
           </mc:Choice>
           <mc:Fallback>
             <p:pic>
               <p:nvPicPr>
-                <p:cNvPr id="14" name="Ink 13">
+                <p:cNvPr id="103" name="Ink 102">
                   <a:extLst>
                     <a:ext uri="{FF2B5EF4-FFF2-40B4-BE49-F238E27FC236}">
-                      <a16:creationId xmlns:a16="http://schemas.microsoft.com/office/drawing/2014/main" id="{DD260F02-5491-3453-6276-94F27C4832BB}"/>
+                      <a16:creationId xmlns:a16="http://schemas.microsoft.com/office/drawing/2014/main" id="{414F26D2-1A7F-75CF-C0FA-EDADF5DFA5FE}"/>
                     </a:ext>
                   </a:extLst>
                 </p:cNvPr>
@@ -12413,131 +12450,8 @@
               </p:blipFill>
               <p:spPr>
                 <a:xfrm>
-                  <a:off x="2032815" y="1213380"/>
-                  <a:ext cx="449280" cy="126000"/>
-                </a:xfrm>
-                <a:prstGeom prst="rect">
-                  <a:avLst/>
-                </a:prstGeom>
-              </p:spPr>
-            </p:pic>
-          </mc:Fallback>
-        </mc:AlternateContent>
-      </p:grpSp>
-      <mc:AlternateContent xmlns:mc="http://schemas.openxmlformats.org/markup-compatibility/2006">
-        <mc:Choice xmlns:p14="http://schemas.microsoft.com/office/powerpoint/2010/main" Requires="p14">
-          <p:contentPart p14:bwMode="auto" r:id="rId16">
-            <p14:nvContentPartPr>
-              <p14:cNvPr id="17" name="Ink 16">
-                <a:extLst>
-                  <a:ext uri="{FF2B5EF4-FFF2-40B4-BE49-F238E27FC236}">
-                    <a16:creationId xmlns:a16="http://schemas.microsoft.com/office/drawing/2014/main" id="{9B94247B-74D2-E732-CEC6-8A9D565C5C65}"/>
-                  </a:ext>
-                </a:extLst>
-              </p14:cNvPr>
-              <p14:cNvContentPartPr/>
-              <p14:nvPr/>
-            </p14:nvContentPartPr>
-            <p14:xfrm>
-              <a:off x="1428015" y="1256940"/>
-              <a:ext cx="562680" cy="30600"/>
-            </p14:xfrm>
-          </p:contentPart>
-        </mc:Choice>
-        <mc:Fallback>
-          <p:pic>
-            <p:nvPicPr>
-              <p:cNvPr id="17" name="Ink 16">
-                <a:extLst>
-                  <a:ext uri="{FF2B5EF4-FFF2-40B4-BE49-F238E27FC236}">
-                    <a16:creationId xmlns:a16="http://schemas.microsoft.com/office/drawing/2014/main" id="{9B94247B-74D2-E732-CEC6-8A9D565C5C65}"/>
-                  </a:ext>
-                </a:extLst>
-              </p:cNvPr>
-              <p:cNvPicPr/>
-              <p:nvPr/>
-            </p:nvPicPr>
-            <p:blipFill>
-              <a:blip r:embed="rId17"/>
-              <a:stretch>
-                <a:fillRect/>
-              </a:stretch>
-            </p:blipFill>
-            <p:spPr>
-              <a:xfrm>
-                <a:off x="1365375" y="1194300"/>
-                <a:ext cx="688320" cy="156240"/>
-              </a:xfrm>
-              <a:prstGeom prst="rect">
-                <a:avLst/>
-              </a:prstGeom>
-            </p:spPr>
-          </p:pic>
-        </mc:Fallback>
-      </mc:AlternateContent>
-      <p:grpSp>
-        <p:nvGrpSpPr>
-          <p:cNvPr id="23" name="Group 22">
-            <a:extLst>
-              <a:ext uri="{FF2B5EF4-FFF2-40B4-BE49-F238E27FC236}">
-                <a16:creationId xmlns:a16="http://schemas.microsoft.com/office/drawing/2014/main" id="{C892D936-59B0-3B2E-DB4E-3E3C6A34C723}"/>
-              </a:ext>
-            </a:extLst>
-          </p:cNvPr>
-          <p:cNvGrpSpPr/>
-          <p:nvPr/>
-        </p:nvGrpSpPr>
-        <p:grpSpPr>
-          <a:xfrm>
-            <a:off x="5574004" y="1246487"/>
-            <a:ext cx="1584360" cy="43560"/>
-            <a:chOff x="5574004" y="1246487"/>
-            <a:chExt cx="1584360" cy="43560"/>
-          </a:xfrm>
-        </p:grpSpPr>
-        <mc:AlternateContent xmlns:mc="http://schemas.openxmlformats.org/markup-compatibility/2006">
-          <mc:Choice xmlns:p14="http://schemas.microsoft.com/office/powerpoint/2010/main" Requires="p14">
-            <p:contentPart p14:bwMode="auto" r:id="rId18">
-              <p14:nvContentPartPr>
-                <p14:cNvPr id="20" name="Ink 19">
-                  <a:extLst>
-                    <a:ext uri="{FF2B5EF4-FFF2-40B4-BE49-F238E27FC236}">
-                      <a16:creationId xmlns:a16="http://schemas.microsoft.com/office/drawing/2014/main" id="{F6B7267F-1FCF-84CB-285B-5712C0444093}"/>
-                    </a:ext>
-                  </a:extLst>
-                </p14:cNvPr>
-                <p14:cNvContentPartPr/>
-                <p14:nvPr/>
-              </p14:nvContentPartPr>
-              <p14:xfrm>
-                <a:off x="5574004" y="1246487"/>
-                <a:ext cx="1584360" cy="30240"/>
-              </p14:xfrm>
-            </p:contentPart>
-          </mc:Choice>
-          <mc:Fallback>
-            <p:pic>
-              <p:nvPicPr>
-                <p:cNvPr id="20" name="Ink 19">
-                  <a:extLst>
-                    <a:ext uri="{FF2B5EF4-FFF2-40B4-BE49-F238E27FC236}">
-                      <a16:creationId xmlns:a16="http://schemas.microsoft.com/office/drawing/2014/main" id="{F6B7267F-1FCF-84CB-285B-5712C0444093}"/>
-                    </a:ext>
-                  </a:extLst>
-                </p:cNvPr>
-                <p:cNvPicPr/>
-                <p:nvPr/>
-              </p:nvPicPr>
-              <p:blipFill>
-                <a:blip r:embed="rId19"/>
-                <a:stretch>
-                  <a:fillRect/>
-                </a:stretch>
-              </p:blipFill>
-              <p:spPr>
-                <a:xfrm>
-                  <a:off x="5511364" y="1183847"/>
-                  <a:ext cx="1710000" cy="155880"/>
+                  <a:off x="11545577" y="1835434"/>
+                  <a:ext cx="126000" cy="126000"/>
                 </a:xfrm>
                 <a:prstGeom prst="rect">
                   <a:avLst/>
@@ -12548,12 +12462,12 @@
         </mc:AlternateContent>
         <mc:AlternateContent xmlns:mc="http://schemas.openxmlformats.org/markup-compatibility/2006">
           <mc:Choice xmlns:p14="http://schemas.microsoft.com/office/powerpoint/2010/main" Requires="p14">
-            <p:contentPart p14:bwMode="auto" r:id="rId20">
+            <p:contentPart p14:bwMode="auto" r:id="rId16">
               <p14:nvContentPartPr>
-                <p14:cNvPr id="21" name="Ink 20">
+                <p14:cNvPr id="105" name="Ink 104">
                   <a:extLst>
                     <a:ext uri="{FF2B5EF4-FFF2-40B4-BE49-F238E27FC236}">
-                      <a16:creationId xmlns:a16="http://schemas.microsoft.com/office/drawing/2014/main" id="{F50DE671-60A5-6969-5CC4-6602BD7423F3}"/>
+                      <a16:creationId xmlns:a16="http://schemas.microsoft.com/office/drawing/2014/main" id="{0E19AC61-B59B-AC10-4FF6-280F295D332C}"/>
                     </a:ext>
                   </a:extLst>
                 </p14:cNvPr>
@@ -12561,7 +12475,58 @@
                 <p14:nvPr/>
               </p14:nvContentPartPr>
               <p14:xfrm>
-                <a:off x="6093484" y="1282487"/>
+                <a:off x="11040857" y="1392994"/>
+                <a:ext cx="454680" cy="42120"/>
+              </p14:xfrm>
+            </p:contentPart>
+          </mc:Choice>
+          <mc:Fallback>
+            <p:pic>
+              <p:nvPicPr>
+                <p:cNvPr id="105" name="Ink 104">
+                  <a:extLst>
+                    <a:ext uri="{FF2B5EF4-FFF2-40B4-BE49-F238E27FC236}">
+                      <a16:creationId xmlns:a16="http://schemas.microsoft.com/office/drawing/2014/main" id="{0E19AC61-B59B-AC10-4FF6-280F295D332C}"/>
+                    </a:ext>
+                  </a:extLst>
+                </p:cNvPr>
+                <p:cNvPicPr/>
+                <p:nvPr/>
+              </p:nvPicPr>
+              <p:blipFill>
+                <a:blip r:embed="rId17"/>
+                <a:stretch>
+                  <a:fillRect/>
+                </a:stretch>
+              </p:blipFill>
+              <p:spPr>
+                <a:xfrm>
+                  <a:off x="10977857" y="1329994"/>
+                  <a:ext cx="580320" cy="167760"/>
+                </a:xfrm>
+                <a:prstGeom prst="rect">
+                  <a:avLst/>
+                </a:prstGeom>
+              </p:spPr>
+            </p:pic>
+          </mc:Fallback>
+        </mc:AlternateContent>
+        <mc:AlternateContent xmlns:mc="http://schemas.openxmlformats.org/markup-compatibility/2006">
+          <mc:Choice xmlns:p14="http://schemas.microsoft.com/office/powerpoint/2010/main" Requires="p14">
+            <p:contentPart p14:bwMode="auto" r:id="rId18">
+              <p14:nvContentPartPr>
+                <p14:cNvPr id="106" name="Ink 105">
+                  <a:extLst>
+                    <a:ext uri="{FF2B5EF4-FFF2-40B4-BE49-F238E27FC236}">
+                      <a16:creationId xmlns:a16="http://schemas.microsoft.com/office/drawing/2014/main" id="{3271ACB9-7AAB-DEAA-44C6-47CB3C8D4A3F}"/>
+                    </a:ext>
+                  </a:extLst>
+                </p14:cNvPr>
+                <p14:cNvContentPartPr/>
+                <p14:nvPr/>
+              </p14:nvContentPartPr>
+              <p14:xfrm>
+                <a:off x="11094497" y="1384354"/>
                 <a:ext cx="360" cy="360"/>
               </p14:xfrm>
             </p:contentPart>
@@ -12569,10 +12534,10 @@
           <mc:Fallback>
             <p:pic>
               <p:nvPicPr>
-                <p:cNvPr id="21" name="Ink 20">
+                <p:cNvPr id="106" name="Ink 105">
                   <a:extLst>
                     <a:ext uri="{FF2B5EF4-FFF2-40B4-BE49-F238E27FC236}">
-                      <a16:creationId xmlns:a16="http://schemas.microsoft.com/office/drawing/2014/main" id="{F50DE671-60A5-6969-5CC4-6602BD7423F3}"/>
+                      <a16:creationId xmlns:a16="http://schemas.microsoft.com/office/drawing/2014/main" id="{3271ACB9-7AAB-DEAA-44C6-47CB3C8D4A3F}"/>
                     </a:ext>
                   </a:extLst>
                 </p:cNvPr>
@@ -12580,15 +12545,66 @@
                 <p:nvPr/>
               </p:nvPicPr>
               <p:blipFill>
-                <a:blip r:embed="rId9"/>
+                <a:blip r:embed="rId15"/>
                 <a:stretch>
                   <a:fillRect/>
                 </a:stretch>
               </p:blipFill>
               <p:spPr>
                 <a:xfrm>
-                  <a:off x="6030484" y="1219847"/>
+                  <a:off x="11031857" y="1321714"/>
                   <a:ext cx="126000" cy="126000"/>
+                </a:xfrm>
+                <a:prstGeom prst="rect">
+                  <a:avLst/>
+                </a:prstGeom>
+              </p:spPr>
+            </p:pic>
+          </mc:Fallback>
+        </mc:AlternateContent>
+        <mc:AlternateContent xmlns:mc="http://schemas.openxmlformats.org/markup-compatibility/2006">
+          <mc:Choice xmlns:p14="http://schemas.microsoft.com/office/powerpoint/2010/main" Requires="p14">
+            <p:contentPart p14:bwMode="auto" r:id="rId19">
+              <p14:nvContentPartPr>
+                <p14:cNvPr id="108" name="Ink 107">
+                  <a:extLst>
+                    <a:ext uri="{FF2B5EF4-FFF2-40B4-BE49-F238E27FC236}">
+                      <a16:creationId xmlns:a16="http://schemas.microsoft.com/office/drawing/2014/main" id="{677D94CF-D665-D914-C52C-B47F4E662829}"/>
+                    </a:ext>
+                  </a:extLst>
+                </p14:cNvPr>
+                <p14:cNvContentPartPr/>
+                <p14:nvPr/>
+              </p14:nvContentPartPr>
+              <p14:xfrm>
+                <a:off x="10069577" y="1504954"/>
+                <a:ext cx="1347480" cy="870840"/>
+              </p14:xfrm>
+            </p:contentPart>
+          </mc:Choice>
+          <mc:Fallback>
+            <p:pic>
+              <p:nvPicPr>
+                <p:cNvPr id="108" name="Ink 107">
+                  <a:extLst>
+                    <a:ext uri="{FF2B5EF4-FFF2-40B4-BE49-F238E27FC236}">
+                      <a16:creationId xmlns:a16="http://schemas.microsoft.com/office/drawing/2014/main" id="{677D94CF-D665-D914-C52C-B47F4E662829}"/>
+                    </a:ext>
+                  </a:extLst>
+                </p:cNvPr>
+                <p:cNvPicPr/>
+                <p:nvPr/>
+              </p:nvPicPr>
+              <p:blipFill>
+                <a:blip r:embed="rId20"/>
+                <a:stretch>
+                  <a:fillRect/>
+                </a:stretch>
+              </p:blipFill>
+              <p:spPr>
+                <a:xfrm>
+                  <a:off x="10006937" y="1442314"/>
+                  <a:ext cx="1473120" cy="996480"/>
                 </a:xfrm>
                 <a:prstGeom prst="rect">
                   <a:avLst/>
@@ -12601,10 +12617,10 @@
           <mc:Choice xmlns:p14="http://schemas.microsoft.com/office/powerpoint/2010/main" Requires="p14">
             <p:contentPart p14:bwMode="auto" r:id="rId21">
               <p14:nvContentPartPr>
-                <p14:cNvPr id="22" name="Ink 21">
+                <p14:cNvPr id="109" name="Ink 108">
                   <a:extLst>
                     <a:ext uri="{FF2B5EF4-FFF2-40B4-BE49-F238E27FC236}">
-                      <a16:creationId xmlns:a16="http://schemas.microsoft.com/office/drawing/2014/main" id="{864B6BD7-6261-9410-4CD1-E1FBB8FADE1F}"/>
+                      <a16:creationId xmlns:a16="http://schemas.microsoft.com/office/drawing/2014/main" id="{EF943DFC-DFD8-07D0-613E-9EAFA3210ED7}"/>
                     </a:ext>
                   </a:extLst>
                 </p14:cNvPr>
@@ -12612,18 +12628,18 @@
                 <p14:nvPr/>
               </p14:nvContentPartPr>
               <p14:xfrm>
-                <a:off x="5874964" y="1289687"/>
-                <a:ext cx="360" cy="360"/>
+                <a:off x="10466657" y="2011474"/>
+                <a:ext cx="924480" cy="54360"/>
               </p14:xfrm>
             </p:contentPart>
           </mc:Choice>
           <mc:Fallback>
             <p:pic>
               <p:nvPicPr>
-                <p:cNvPr id="22" name="Ink 21">
+                <p:cNvPr id="109" name="Ink 108">
                   <a:extLst>
                     <a:ext uri="{FF2B5EF4-FFF2-40B4-BE49-F238E27FC236}">
-                      <a16:creationId xmlns:a16="http://schemas.microsoft.com/office/drawing/2014/main" id="{864B6BD7-6261-9410-4CD1-E1FBB8FADE1F}"/>
+                      <a16:creationId xmlns:a16="http://schemas.microsoft.com/office/drawing/2014/main" id="{EF943DFC-DFD8-07D0-613E-9EAFA3210ED7}"/>
                     </a:ext>
                   </a:extLst>
                 </p:cNvPr>
@@ -12631,15 +12647,15 @@
                 <p:nvPr/>
               </p:nvPicPr>
               <p:blipFill>
-                <a:blip r:embed="rId9"/>
+                <a:blip r:embed="rId22"/>
                 <a:stretch>
                   <a:fillRect/>
                 </a:stretch>
               </p:blipFill>
               <p:spPr>
                 <a:xfrm>
-                  <a:off x="5812324" y="1226687"/>
-                  <a:ext cx="126000" cy="126000"/>
+                  <a:off x="10403657" y="1948474"/>
+                  <a:ext cx="1050120" cy="180000"/>
                 </a:xfrm>
                 <a:prstGeom prst="rect">
                   <a:avLst/>
@@ -12649,210 +12665,221 @@
           </mc:Fallback>
         </mc:AlternateContent>
       </p:grpSp>
-      <mc:AlternateContent xmlns:mc="http://schemas.openxmlformats.org/markup-compatibility/2006">
-        <mc:Choice xmlns:p14="http://schemas.microsoft.com/office/powerpoint/2010/main" Requires="p14">
-          <p:contentPart p14:bwMode="auto" r:id="rId22">
-            <p14:nvContentPartPr>
-              <p14:cNvPr id="24" name="Ink 23">
-                <a:extLst>
-                  <a:ext uri="{FF2B5EF4-FFF2-40B4-BE49-F238E27FC236}">
-                    <a16:creationId xmlns:a16="http://schemas.microsoft.com/office/drawing/2014/main" id="{720ED986-0578-D8C0-BBFC-A0EFF9097CA4}"/>
-                  </a:ext>
-                </a:extLst>
-              </p14:cNvPr>
-              <p14:cNvContentPartPr/>
-              <p14:nvPr/>
-            </p14:nvContentPartPr>
-            <p14:xfrm>
-              <a:off x="10821573" y="1268807"/>
-              <a:ext cx="362880" cy="28440"/>
-            </p14:xfrm>
-          </p:contentPart>
-        </mc:Choice>
-        <mc:Fallback>
-          <p:pic>
-            <p:nvPicPr>
-              <p:cNvPr id="24" name="Ink 23">
-                <a:extLst>
-                  <a:ext uri="{FF2B5EF4-FFF2-40B4-BE49-F238E27FC236}">
-                    <a16:creationId xmlns:a16="http://schemas.microsoft.com/office/drawing/2014/main" id="{720ED986-0578-D8C0-BBFC-A0EFF9097CA4}"/>
-                  </a:ext>
-                </a:extLst>
-              </p:cNvPr>
-              <p:cNvPicPr/>
-              <p:nvPr/>
-            </p:nvPicPr>
-            <p:blipFill>
-              <a:blip r:embed="rId23"/>
-              <a:stretch>
-                <a:fillRect/>
-              </a:stretch>
-            </p:blipFill>
-            <p:spPr>
-              <a:xfrm>
-                <a:off x="10758933" y="1206167"/>
-                <a:ext cx="488520" cy="154080"/>
-              </a:xfrm>
-              <a:prstGeom prst="rect">
-                <a:avLst/>
-              </a:prstGeom>
-            </p:spPr>
-          </p:pic>
-        </mc:Fallback>
-      </mc:AlternateContent>
-      <mc:AlternateContent xmlns:mc="http://schemas.openxmlformats.org/markup-compatibility/2006">
-        <mc:Choice xmlns:p14="http://schemas.microsoft.com/office/powerpoint/2010/main" Requires="p14">
-          <p:contentPart p14:bwMode="auto" r:id="rId24">
-            <p14:nvContentPartPr>
-              <p14:cNvPr id="27" name="Ink 26">
-                <a:extLst>
-                  <a:ext uri="{FF2B5EF4-FFF2-40B4-BE49-F238E27FC236}">
-                    <a16:creationId xmlns:a16="http://schemas.microsoft.com/office/drawing/2014/main" id="{92F89C61-8309-7A2B-9C62-8BCF07371CDE}"/>
-                  </a:ext>
-                </a:extLst>
-              </p14:cNvPr>
-              <p14:cNvContentPartPr/>
-              <p14:nvPr/>
-            </p14:nvContentPartPr>
-            <p14:xfrm>
-              <a:off x="10754253" y="1255127"/>
-              <a:ext cx="360" cy="360"/>
-            </p14:xfrm>
-          </p:contentPart>
-        </mc:Choice>
-        <mc:Fallback>
-          <p:pic>
-            <p:nvPicPr>
-              <p:cNvPr id="27" name="Ink 26">
-                <a:extLst>
-                  <a:ext uri="{FF2B5EF4-FFF2-40B4-BE49-F238E27FC236}">
-                    <a16:creationId xmlns:a16="http://schemas.microsoft.com/office/drawing/2014/main" id="{92F89C61-8309-7A2B-9C62-8BCF07371CDE}"/>
-                  </a:ext>
-                </a:extLst>
-              </p:cNvPr>
-              <p:cNvPicPr/>
-              <p:nvPr/>
-            </p:nvPicPr>
-            <p:blipFill>
-              <a:blip r:embed="rId9"/>
-              <a:stretch>
-                <a:fillRect/>
-              </a:stretch>
-            </p:blipFill>
-            <p:spPr>
-              <a:xfrm>
-                <a:off x="10691613" y="1192487"/>
-                <a:ext cx="126000" cy="126000"/>
-              </a:xfrm>
-              <a:prstGeom prst="rect">
-                <a:avLst/>
-              </a:prstGeom>
-            </p:spPr>
-          </p:pic>
-        </mc:Fallback>
-      </mc:AlternateContent>
-      <mc:AlternateContent xmlns:mc="http://schemas.openxmlformats.org/markup-compatibility/2006">
-        <mc:Choice xmlns:p14="http://schemas.microsoft.com/office/powerpoint/2010/main" Requires="p14">
-          <p:contentPart p14:bwMode="auto" r:id="rId25">
-            <p14:nvContentPartPr>
-              <p14:cNvPr id="29" name="Ink 28">
-                <a:extLst>
-                  <a:ext uri="{FF2B5EF4-FFF2-40B4-BE49-F238E27FC236}">
-                    <a16:creationId xmlns:a16="http://schemas.microsoft.com/office/drawing/2014/main" id="{8B5C9894-5B6D-BFE4-9524-797A5069CAF8}"/>
-                  </a:ext>
-                </a:extLst>
-              </p14:cNvPr>
-              <p14:cNvContentPartPr/>
-              <p14:nvPr/>
-            </p14:nvContentPartPr>
-            <p14:xfrm>
-              <a:off x="9177813" y="1267727"/>
-              <a:ext cx="546840" cy="17640"/>
-            </p14:xfrm>
-          </p:contentPart>
-        </mc:Choice>
-        <mc:Fallback>
-          <p:pic>
-            <p:nvPicPr>
-              <p:cNvPr id="29" name="Ink 28">
-                <a:extLst>
-                  <a:ext uri="{FF2B5EF4-FFF2-40B4-BE49-F238E27FC236}">
-                    <a16:creationId xmlns:a16="http://schemas.microsoft.com/office/drawing/2014/main" id="{8B5C9894-5B6D-BFE4-9524-797A5069CAF8}"/>
-                  </a:ext>
-                </a:extLst>
-              </p:cNvPr>
-              <p:cNvPicPr/>
-              <p:nvPr/>
-            </p:nvPicPr>
-            <p:blipFill>
-              <a:blip r:embed="rId26"/>
-              <a:stretch>
-                <a:fillRect/>
-              </a:stretch>
-            </p:blipFill>
-            <p:spPr>
-              <a:xfrm>
-                <a:off x="9115173" y="1204727"/>
-                <a:ext cx="672480" cy="143280"/>
-              </a:xfrm>
-              <a:prstGeom prst="rect">
-                <a:avLst/>
-              </a:prstGeom>
-            </p:spPr>
-          </p:pic>
-        </mc:Fallback>
-      </mc:AlternateContent>
-      <mc:AlternateContent xmlns:mc="http://schemas.openxmlformats.org/markup-compatibility/2006">
-        <mc:Choice xmlns:p14="http://schemas.microsoft.com/office/powerpoint/2010/main" Requires="p14">
-          <p:contentPart p14:bwMode="auto" r:id="rId27">
-            <p14:nvContentPartPr>
-              <p14:cNvPr id="30" name="Ink 29">
-                <a:extLst>
-                  <a:ext uri="{FF2B5EF4-FFF2-40B4-BE49-F238E27FC236}">
-                    <a16:creationId xmlns:a16="http://schemas.microsoft.com/office/drawing/2014/main" id="{29F16552-E85B-DDB7-0914-9E8CC410006A}"/>
-                  </a:ext>
-                </a:extLst>
-              </p14:cNvPr>
-              <p14:cNvContentPartPr/>
-              <p14:nvPr/>
-            </p14:nvContentPartPr>
-            <p14:xfrm>
-              <a:off x="9737253" y="1282487"/>
-              <a:ext cx="914040" cy="360"/>
-            </p14:xfrm>
-          </p:contentPart>
-        </mc:Choice>
-        <mc:Fallback>
-          <p:pic>
-            <p:nvPicPr>
-              <p:cNvPr id="30" name="Ink 29">
-                <a:extLst>
-                  <a:ext uri="{FF2B5EF4-FFF2-40B4-BE49-F238E27FC236}">
-                    <a16:creationId xmlns:a16="http://schemas.microsoft.com/office/drawing/2014/main" id="{29F16552-E85B-DDB7-0914-9E8CC410006A}"/>
-                  </a:ext>
-                </a:extLst>
-              </p:cNvPr>
-              <p:cNvPicPr/>
-              <p:nvPr/>
-            </p:nvPicPr>
-            <p:blipFill>
-              <a:blip r:embed="rId28"/>
-              <a:stretch>
-                <a:fillRect/>
-              </a:stretch>
-            </p:blipFill>
-            <p:spPr>
-              <a:xfrm>
-                <a:off x="9674613" y="1219847"/>
-                <a:ext cx="1039680" cy="126000"/>
-              </a:xfrm>
-              <a:prstGeom prst="rect">
-                <a:avLst/>
-              </a:prstGeom>
-            </p:spPr>
-          </p:pic>
-        </mc:Fallback>
-      </mc:AlternateContent>
+      <p:sp>
+        <p:nvSpPr>
+          <p:cNvPr id="98" name="Rectangle 97">
+            <a:extLst>
+              <a:ext uri="{FF2B5EF4-FFF2-40B4-BE49-F238E27FC236}">
+                <a16:creationId xmlns:a16="http://schemas.microsoft.com/office/drawing/2014/main" id="{615CA7E7-4987-A037-778C-3902673E1D82}"/>
+              </a:ext>
+            </a:extLst>
+          </p:cNvPr>
+          <p:cNvSpPr/>
+          <p:nvPr/>
+        </p:nvSpPr>
+        <p:spPr>
+          <a:xfrm>
+            <a:off x="9868296" y="1448348"/>
+            <a:ext cx="322217" cy="113212"/>
+          </a:xfrm>
+          <a:prstGeom prst="rect">
+            <a:avLst/>
+          </a:prstGeom>
+          <a:solidFill>
+            <a:srgbClr val="3274A1"/>
+          </a:solidFill>
+        </p:spPr>
+        <p:style>
+          <a:lnRef idx="2">
+            <a:schemeClr val="accent1">
+              <a:shade val="15000"/>
+            </a:schemeClr>
+          </a:lnRef>
+          <a:fillRef idx="1">
+            <a:schemeClr val="accent1"/>
+          </a:fillRef>
+          <a:effectRef idx="0">
+            <a:schemeClr val="accent1"/>
+          </a:effectRef>
+          <a:fontRef idx="minor">
+            <a:schemeClr val="lt1"/>
+          </a:fontRef>
+        </p:style>
+        <p:txBody>
+          <a:bodyPr rtlCol="0" anchor="ctr"/>
+          <a:lstStyle/>
+          <a:p>
+            <a:pPr algn="ctr"/>
+            <a:endParaRPr lang="en-US" dirty="0"/>
+          </a:p>
+        </p:txBody>
+      </p:sp>
+      <p:sp>
+        <p:nvSpPr>
+          <p:cNvPr id="97" name="Rectangle 96">
+            <a:extLst>
+              <a:ext uri="{FF2B5EF4-FFF2-40B4-BE49-F238E27FC236}">
+                <a16:creationId xmlns:a16="http://schemas.microsoft.com/office/drawing/2014/main" id="{613874D3-60C0-EFEA-B179-80AFF33DB5D7}"/>
+              </a:ext>
+            </a:extLst>
+          </p:cNvPr>
+          <p:cNvSpPr/>
+          <p:nvPr/>
+        </p:nvSpPr>
+        <p:spPr>
+          <a:xfrm>
+            <a:off x="9868295" y="1698821"/>
+            <a:ext cx="322217" cy="113212"/>
+          </a:xfrm>
+          <a:prstGeom prst="rect">
+            <a:avLst/>
+          </a:prstGeom>
+          <a:solidFill>
+            <a:srgbClr val="3A923A"/>
+          </a:solidFill>
+        </p:spPr>
+        <p:style>
+          <a:lnRef idx="2">
+            <a:schemeClr val="accent1">
+              <a:shade val="15000"/>
+            </a:schemeClr>
+          </a:lnRef>
+          <a:fillRef idx="1">
+            <a:schemeClr val="accent1"/>
+          </a:fillRef>
+          <a:effectRef idx="0">
+            <a:schemeClr val="accent1"/>
+          </a:effectRef>
+          <a:fontRef idx="minor">
+            <a:schemeClr val="lt1"/>
+          </a:fontRef>
+        </p:style>
+        <p:txBody>
+          <a:bodyPr rtlCol="0" anchor="ctr"/>
+          <a:lstStyle/>
+          <a:p>
+            <a:pPr algn="ctr"/>
+            <a:endParaRPr lang="en-US"/>
+          </a:p>
+        </p:txBody>
+      </p:sp>
+      <p:sp>
+        <p:nvSpPr>
+          <p:cNvPr id="111" name="TextBox 110">
+            <a:extLst>
+              <a:ext uri="{FF2B5EF4-FFF2-40B4-BE49-F238E27FC236}">
+                <a16:creationId xmlns:a16="http://schemas.microsoft.com/office/drawing/2014/main" id="{0BDF2319-9D16-DD81-0205-1B76C8C86D60}"/>
+              </a:ext>
+            </a:extLst>
+          </p:cNvPr>
+          <p:cNvSpPr txBox="1"/>
+          <p:nvPr/>
+        </p:nvSpPr>
+        <p:spPr>
+          <a:xfrm>
+            <a:off x="10261455" y="1409446"/>
+            <a:ext cx="1475084" cy="230832"/>
+          </a:xfrm>
+          <a:prstGeom prst="rect">
+            <a:avLst/>
+          </a:prstGeom>
+          <a:noFill/>
+        </p:spPr>
+        <p:txBody>
+          <a:bodyPr wrap="none" rtlCol="0">
+            <a:spAutoFit/>
+          </a:bodyPr>
+          <a:lstStyle/>
+          <a:p>
+            <a:r>
+              <a:rPr lang="en-US" sz="900" dirty="0"/>
+              <a:t>Coastal/Interior border</a:t>
+            </a:r>
+          </a:p>
+        </p:txBody>
+      </p:sp>
+      <p:sp>
+        <p:nvSpPr>
+          <p:cNvPr id="112" name="TextBox 111">
+            <a:extLst>
+              <a:ext uri="{FF2B5EF4-FFF2-40B4-BE49-F238E27FC236}">
+                <a16:creationId xmlns:a16="http://schemas.microsoft.com/office/drawing/2014/main" id="{7A74453A-33B7-CBE9-E266-62096CBB6503}"/>
+              </a:ext>
+            </a:extLst>
+          </p:cNvPr>
+          <p:cNvSpPr txBox="1"/>
+          <p:nvPr/>
+        </p:nvSpPr>
+        <p:spPr>
+          <a:xfrm>
+            <a:off x="10258489" y="1688086"/>
+            <a:ext cx="1217000" cy="230832"/>
+          </a:xfrm>
+          <a:prstGeom prst="rect">
+            <a:avLst/>
+          </a:prstGeom>
+          <a:noFill/>
+        </p:spPr>
+        <p:txBody>
+          <a:bodyPr wrap="none" rtlCol="0">
+            <a:spAutoFit/>
+          </a:bodyPr>
+          <a:lstStyle/>
+          <a:p>
+            <a:r>
+              <a:rPr lang="en-US" sz="900" dirty="0"/>
+              <a:t>Southwest Border</a:t>
+            </a:r>
+          </a:p>
+        </p:txBody>
+      </p:sp>
+      <p:sp>
+        <p:nvSpPr>
+          <p:cNvPr id="113" name="Rectangle: Rounded Corners 112">
+            <a:extLst>
+              <a:ext uri="{FF2B5EF4-FFF2-40B4-BE49-F238E27FC236}">
+                <a16:creationId xmlns:a16="http://schemas.microsoft.com/office/drawing/2014/main" id="{AF8F8917-70AF-8587-667A-6447982BF642}"/>
+              </a:ext>
+            </a:extLst>
+          </p:cNvPr>
+          <p:cNvSpPr/>
+          <p:nvPr/>
+        </p:nvSpPr>
+        <p:spPr>
+          <a:xfrm>
+            <a:off x="9836469" y="1374994"/>
+            <a:ext cx="1825910" cy="523080"/>
+          </a:xfrm>
+          <a:prstGeom prst="roundRect">
+            <a:avLst/>
+          </a:prstGeom>
+          <a:noFill/>
+        </p:spPr>
+        <p:style>
+          <a:lnRef idx="2">
+            <a:schemeClr val="accent1">
+              <a:shade val="15000"/>
+            </a:schemeClr>
+          </a:lnRef>
+          <a:fillRef idx="1">
+            <a:schemeClr val="accent1"/>
+          </a:fillRef>
+          <a:effectRef idx="0">
+            <a:schemeClr val="accent1"/>
+          </a:effectRef>
+          <a:fontRef idx="minor">
+            <a:schemeClr val="lt1"/>
+          </a:fontRef>
+        </p:style>
+        <p:txBody>
+          <a:bodyPr rtlCol="0" anchor="ctr"/>
+          <a:lstStyle/>
+          <a:p>
+            <a:pPr algn="ctr"/>
+            <a:endParaRPr lang="en-US"/>
+          </a:p>
+        </p:txBody>
+      </p:sp>
     </p:spTree>
     <p:extLst>
       <p:ext uri="{BB962C8B-B14F-4D97-AF65-F5344CB8AC3E}">
@@ -12939,75 +12966,9 @@
           </a:p>
         </p:txBody>
       </p:sp>
-      <mc:AlternateContent xmlns:mc="http://schemas.openxmlformats.org/markup-compatibility/2006">
-        <mc:Choice xmlns:we="http://schemas.microsoft.com/office/webextensions/webextension/2010/11" xmlns:pca="http://schemas.microsoft.com/office/powerpoint/2013/contentapp" Requires="we pca">
-          <p:graphicFrame>
-            <p:nvGraphicFramePr>
-              <p:cNvPr id="4" name="Add-in 3" title="Microsoft Power BI">
-                <a:extLst>
-                  <a:ext uri="{FF2B5EF4-FFF2-40B4-BE49-F238E27FC236}">
-                    <a16:creationId xmlns:a16="http://schemas.microsoft.com/office/drawing/2014/main" id="{0DA339EB-C3DF-F03B-2FCF-83160877DDA9}"/>
-                  </a:ext>
-                </a:extLst>
-              </p:cNvPr>
-              <p:cNvGraphicFramePr>
-                <a:graphicFrameLocks noGrp="1"/>
-              </p:cNvGraphicFramePr>
-              <p:nvPr>
-                <p:extLst>
-                  <p:ext uri="{D42A27DB-BD31-4B8C-83A1-F6EECF244321}">
-                    <p14:modId xmlns:p14="http://schemas.microsoft.com/office/powerpoint/2010/main" val="2135693721"/>
-                  </p:ext>
-                </p:extLst>
-              </p:nvPr>
-            </p:nvGraphicFramePr>
-            <p:xfrm>
-              <a:off x="323850" y="166687"/>
-              <a:ext cx="11544300" cy="6524626"/>
-            </p:xfrm>
-            <a:graphic>
-              <a:graphicData uri="http://schemas.microsoft.com/office/webextensions/webextension/2010/11">
-                <we:webextensionref xmlns:we="http://schemas.microsoft.com/office/webextensions/webextension/2010/11" xmlns:r="http://schemas.openxmlformats.org/officeDocument/2006/relationships" r:id="rId3"/>
-              </a:graphicData>
-            </a:graphic>
-          </p:graphicFrame>
-        </mc:Choice>
-        <mc:Fallback>
-          <p:pic>
-            <p:nvPicPr>
-              <p:cNvPr id="4" name="Add-in 3" title="Microsoft Power BI">
-                <a:extLst>
-                  <a:ext uri="{FF2B5EF4-FFF2-40B4-BE49-F238E27FC236}">
-                    <a16:creationId xmlns:a16="http://schemas.microsoft.com/office/drawing/2014/main" id="{0DA339EB-C3DF-F03B-2FCF-83160877DDA9}"/>
-                  </a:ext>
-                </a:extLst>
-              </p:cNvPr>
-              <p:cNvPicPr>
-                <a:picLocks noGrp="1" noRot="1" noChangeAspect="1" noMove="1" noResize="1" noEditPoints="1" noAdjustHandles="1" noChangeArrowheads="1" noChangeShapeType="1"/>
-              </p:cNvPicPr>
-              <p:nvPr/>
-            </p:nvPicPr>
-            <p:blipFill>
-              <a:blip r:embed="rId4"/>
-              <a:stretch>
-                <a:fillRect/>
-              </a:stretch>
-            </p:blipFill>
-            <p:spPr>
-              <a:xfrm>
-                <a:off x="323850" y="166687"/>
-                <a:ext cx="11544300" cy="6524626"/>
-              </a:xfrm>
-              <a:prstGeom prst="rect">
-                <a:avLst/>
-              </a:prstGeom>
-            </p:spPr>
-          </p:pic>
-        </mc:Fallback>
-      </mc:AlternateContent>
-      <mc:AlternateContent xmlns:mc="http://schemas.openxmlformats.org/markup-compatibility/2006">
-        <mc:Choice xmlns:p14="http://schemas.microsoft.com/office/powerpoint/2010/main" Requires="p14">
-          <p:contentPart p14:bwMode="auto" r:id="rId5">
+      <mc:AlternateContent xmlns:mc="http://schemas.openxmlformats.org/markup-compatibility/2006" xmlns:p14="http://schemas.microsoft.com/office/powerpoint/2010/main">
+        <mc:Choice Requires="p14">
+          <p:contentPart p14:bwMode="auto" r:id="rId3">
             <p14:nvContentPartPr>
               <p14:cNvPr id="6" name="Ink 5">
                 <a:extLst>
@@ -13025,7 +12986,7 @@
             </p14:xfrm>
           </p:contentPart>
         </mc:Choice>
-        <mc:Fallback>
+        <mc:Fallback xmlns="">
           <p:pic>
             <p:nvPicPr>
               <p:cNvPr id="6" name="Ink 5">
@@ -13048,6 +13009,72 @@
               <a:xfrm>
                 <a:off x="5107215" y="3183375"/>
                 <a:ext cx="72000" cy="72000"/>
+              </a:xfrm>
+              <a:prstGeom prst="rect">
+                <a:avLst/>
+              </a:prstGeom>
+            </p:spPr>
+          </p:pic>
+        </mc:Fallback>
+      </mc:AlternateContent>
+      <mc:AlternateContent xmlns:mc="http://schemas.openxmlformats.org/markup-compatibility/2006">
+        <mc:Choice xmlns:we="http://schemas.microsoft.com/office/webextensions/webextension/2010/11" xmlns:pca="http://schemas.microsoft.com/office/powerpoint/2013/contentapp" Requires="we pca">
+          <p:graphicFrame>
+            <p:nvGraphicFramePr>
+              <p:cNvPr id="2" name="Add-in 1" title="Microsoft Power BI">
+                <a:extLst>
+                  <a:ext uri="{FF2B5EF4-FFF2-40B4-BE49-F238E27FC236}">
+                    <a16:creationId xmlns:a16="http://schemas.microsoft.com/office/drawing/2014/main" id="{FE160EBD-FCEC-85BC-044D-CEA691702300}"/>
+                  </a:ext>
+                </a:extLst>
+              </p:cNvPr>
+              <p:cNvGraphicFramePr>
+                <a:graphicFrameLocks noGrp="1"/>
+              </p:cNvGraphicFramePr>
+              <p:nvPr>
+                <p:extLst>
+                  <p:ext uri="{D42A27DB-BD31-4B8C-83A1-F6EECF244321}">
+                    <p14:modId xmlns:p14="http://schemas.microsoft.com/office/powerpoint/2010/main" val="1500411561"/>
+                  </p:ext>
+                </p:extLst>
+              </p:nvPr>
+            </p:nvGraphicFramePr>
+            <p:xfrm>
+              <a:off x="330925" y="174171"/>
+              <a:ext cx="11538857" cy="6487886"/>
+            </p:xfrm>
+            <a:graphic>
+              <a:graphicData uri="http://schemas.microsoft.com/office/webextensions/webextension/2010/11">
+                <we:webextensionref xmlns:we="http://schemas.microsoft.com/office/webextensions/webextension/2010/11" xmlns:r="http://schemas.openxmlformats.org/officeDocument/2006/relationships" r:id="rId7"/>
+              </a:graphicData>
+            </a:graphic>
+          </p:graphicFrame>
+        </mc:Choice>
+        <mc:Fallback>
+          <p:pic>
+            <p:nvPicPr>
+              <p:cNvPr id="2" name="Add-in 1" title="Microsoft Power BI">
+                <a:extLst>
+                  <a:ext uri="{FF2B5EF4-FFF2-40B4-BE49-F238E27FC236}">
+                    <a16:creationId xmlns:a16="http://schemas.microsoft.com/office/drawing/2014/main" id="{FE160EBD-FCEC-85BC-044D-CEA691702300}"/>
+                  </a:ext>
+                </a:extLst>
+              </p:cNvPr>
+              <p:cNvPicPr>
+                <a:picLocks noGrp="1" noRot="1" noChangeAspect="1" noMove="1" noResize="1" noEditPoints="1" noAdjustHandles="1" noChangeArrowheads="1" noChangeShapeType="1"/>
+              </p:cNvPicPr>
+              <p:nvPr/>
+            </p:nvPicPr>
+            <p:blipFill>
+              <a:blip r:embed="rId8"/>
+              <a:stretch>
+                <a:fillRect/>
+              </a:stretch>
+            </p:blipFill>
+            <p:spPr>
+              <a:xfrm>
+                <a:off x="330925" y="174171"/>
+                <a:ext cx="11538857" cy="6487886"/>
               </a:xfrm>
               <a:prstGeom prst="rect">
                 <a:avLst/>
@@ -13982,29 +14009,29 @@
 </file>
 
 <file path=ppt/webextensions/webextension5.xml><?xml version="1.0" encoding="utf-8"?>
-<we:webextension xmlns:we="http://schemas.microsoft.com/office/webextensions/webextension/2010/11" id="{169EBB65-F992-498B-A964-E8E1E1978DDF}">
+<we:webextension xmlns:we="http://schemas.microsoft.com/office/webextensions/webextension/2010/11" id="{C4F5285A-7AEB-4296-AA23-ECA53939A11C}">
   <we:reference id="wa200003233" version="2.0.0.3" store="en-US" storeType="OMEX"/>
   <we:alternateReferences>
     <we:reference id="WA200003233" version="2.0.0.3" store="WA200003233" storeType="OMEX"/>
   </we:alternateReferences>
   <we:properties>
+    <we:property name="pptInsertionSessionID" value="&quot;D4664E62-6BD8-4BF9-BFD6-7190747F57B6&quot;"/>
+    <we:property name="reportUrl" value="&quot;/groups/me/reports/3756f271-59ef-40ec-b9eb-a1b57cbd82dc/ReportSection51bdc8f51ccfb91d54f2?bookmarkGuid=894d2125-cb79-45ec-8683-2ab2077f42eb&amp;bookmarkUsage=1&amp;ctid=101da587-1843-4f52-8b8a-17b069c66d33&amp;fromEntryPoint=export&quot;"/>
+    <we:property name="reportName" value="&quot;OpioidCapstone&quot;"/>
+    <we:property name="reportState" value="&quot;CONNECTED&quot;"/>
+    <we:property name="embedUrl" value="&quot;/reportEmbed?reportId=3756f271-59ef-40ec-b9eb-a1b57cbd82dc&amp;config=eyJjbHVzdGVyVXJsIjoiaHR0cHM6Ly9XQUJJLVVTLUVBU1QtQS1QUklNQVJZLXJlZGlyZWN0LmFuYWx5c2lzLndpbmRvd3MubmV0IiwiZW1iZWRGZWF0dXJlcyI6eyJ1c2FnZU1ldHJpY3NWTmV4dCI6dHJ1ZSwiZGlzYWJsZUFuZ3VsYXJKU0Jvb3RzdHJhcFJlcG9ydEVtYmVkIjp0cnVlfX0%3D&amp;disableSensitivityBanner=true&quot;"/>
+    <we:property name="pageName" value="&quot;ReportSection51bdc8f51ccfb91d54f2&quot;"/>
+    <we:property name="pageDisplayName" value="&quot;Page 2&quot;"/>
+    <we:property name="datasetId" value="&quot;9939c1f9-0ba0-48c9-af58-04386b0eca9d&quot;"/>
     <we:property name="backgroundColor" value="&quot;#FFFFFF&quot;"/>
-    <we:property name="bookmark" value="&quot;H4sIAAAAAAAAA91VTW/bMAz9K4HOxhCndtPklroZNiBogybrDkMOtEw7ahXJkOSsXuD/Pkp2sXaXDlgP3Xyx9MSvR4rUiRXC1hLaazggm7NLrR8OYB5GMYuYeolNzs9jiJMzPhkj52WezCAlKV07oZVl8xNzYCp0d8I2IL1BAr/tIgZSrqHyuxKkxYjVaKxWIMUP7IXpyJkGu4jhYy21AW9y48ChN3skcdpTKPGHM/II3IkjbpC7Hr3FWhs37NM4L/hFmcY+xFlcpEk5IR3bn4YwX5f3TkNgmVYOhKIAPFaWSTnL84tkGqdlifkUZ9OAC+kGkbxdPtaGeFM22tqnb1EcQXEsWCBn0PZcTizTsjmE1fIFvtGN4XiLZThSTrjWm1mtWEcJWhtN6QtQi2ACttffM4OUrYLNx130uutFVRmswA3b5dvGNco090kbff28/XTzZTvatMrt0Qk+uqmFFoUNGh8bNVRw/J5JLK6v/k0CGycOjQTl7H/B4S8u044QK1Qlh3Hzq7+3PT1Jhc72YJyfZ/k9TQbfzKSlTYHmsg39fCXM08iZRL8xen8N1e2eBiUZun82/TLKSqVNz+mtZtCuC9/z7LED0mvgF7pxtgaOa1AYvNa9vsAgRxcKVOErFdbG/1eCBmpfqDuQja9ReDtYcEK1E7nEP1UYwvsJtSz6zewGAAA=&quot;"/>
-    <we:property name="creatorSessionId" value="&quot;cd33caec-3d58-4ef4-bfa9-a0fd427bb21a&quot;"/>
+    <we:property name="bookmark" value="&quot;H4sIAAAAAAAAA91VS2/bMAz+K4HOxmB3dvO4pW6GDQjaoMnaw5ADbdOOWlkyJDmrF/i/j5JdrN2lA9ZDN18sfeLrI0XqxApuGgHdFdTIFuxCqYca9MMkYgGTL7E4iZNZXEB4fj4NI8jCLApJSjWWK2nY4sQs6ArtLTctCGeQwG/7gIEQG6jcrgRhMGANaqMkCP4DB2E6srrFPmD42AilwZncWrDozB5JnPYUSvThI3mE3PIjbjG3A3qDjdJ23CdRVuSzMonyvMzmUZHE5RnpmOHUh/m6vHPqA0uVtMAlBeCwsozLeZbN4mmUlCVmU5xPPc6FHUWybvXYaOJN2egal75lcQSZY8E8OY1m4HJiqRJt7VerF/hWtTrHGyz9kbTcds7Mes16StBGK0qfhzoE7bGD+p5qpGwVbBH2weuul1WlsQI7bldvG9ckVblL2uTuy+7z9dfdZNtJe0DL88l1wxUvjNf41MqxguF7JrG8uvw3CWwtr1sB0pr/gsNfXKY9IYbLSozj5ld/7wZ6ggqdHkBbN8+ye5oMrplJS+kC9UXn+/mS66eRcxb8xuj9NVS/fxqUZOj+2fRLKSuV0gOnt5pB+95/z7PHaqTXwC1Ua00DOW5AovfaDPocvRxdKJCFq5Rfa/dfcxqoQ6FuQbSuRv7tYN4J1Y5nAv9UYQzvJ2zSYefsBgAA&quot;"/>
+    <we:property name="initialStateBookmark" value="&quot;H4sIAAAAAAAAA91VTW/bMAz9K4bOxlB3CdLklroZNjRNgjjrDkMw0DbtqJUlQ5KzeoH/eynZxbpdOmA9dPPF0hO/HilSJ5ZzUwtoV1Ahm7FLpe4r0PdBxEImB2y9vr6Zb6+/reY3C4JVbbmShs1OzIIu0d5y04BwFgj8ug8ZCLGB0u0KEAZDVqM2SoLgP7AXpiOrG+xChg+1UBqcycSCRWf2SOK0J9/Ru/fkETLLj5hgZnt0i7XSdtiPozTPLopxlGVFOo3y8ag4Jx3Tn/owX5Z3Tn1gsZIWuKQAHFYUo2KaphejSTQuCkwnOJ14nAs7iKTt4qHWxJuy0dYuX/P8CDLDnHlyGk3P5cRiJZrKrxa/4IlqdIZbLPyRtNy2zsxyyTpK0EYrSp+HWgTtsYP6HmukbOVsdtaFL7uel6XGEuywXbxuXEGsMpe04Mun3cf1512QtNIe0PIsWNdc8dx4jQ+NHCp49pZJzFdX/yaBxPKqESCt+S84/MVl2hNiuCzFMG5+9veupyeo0PEBtHXzLL2jyeCambSUzlFftr6fr7h+Gjnn4W+M3l5DdfunQUmG7p5Nv5iyUirdc3qtGbTv/Pc8e6xCeg3cQjXW1JDhBiR6r3Wvz9HL0YUCmbtK+bV2/yWngdoX6hZE42rkHgjmfVDpeCrwD+WH4B4BoagmgNsGAAA=&quot;"/>
+    <we:property name="isFooterCollapsed" value="true"/>
+    <we:property name="isFiltersActionButtonVisible" value="true"/>
+    <we:property name="reportEmbeddedTime" value="&quot;2024-01-03T17:31:23.706Z&quot;"/>
     <we:property name="creatorTenantId" value="&quot;101da587-1843-4f52-8b8a-17b069c66d33&quot;"/>
     <we:property name="creatorUserId" value="&quot;10032002EA20E3F0&quot;"/>
-    <we:property name="datasetId" value="&quot;ef2e416a-595d-499d-806e-e3f4c6b9d79f&quot;"/>
-    <we:property name="embedUrl" value="&quot;/reportEmbed?reportId=26a5b459-2ec0-4d15-9a7f-1b15d4c5bb61&amp;config=eyJjbHVzdGVyVXJsIjoiaHR0cHM6Ly9XQUJJLVVTLUVBU1QtQS1QUklNQVJZLXJlZGlyZWN0LmFuYWx5c2lzLndpbmRvd3MubmV0IiwiZW1iZWRGZWF0dXJlcyI6eyJ1c2FnZU1ldHJpY3NWTmV4dCI6dHJ1ZX19&amp;disableSensitivityBanner=true&quot;"/>
-    <we:property name="initialStateBookmark" value="&quot;H4sIAAAAAAAAA91VTW/bMAz9K4HOxlB3CdLk5roZNjRNgjjrDkMw0DbtqJUlQ5KzeoH/+yjZxbpdclgP3Xyx9MSvR4rUieXc1ALaFVTI5uxaqccK9OMoZAGTA7Ze395F29tvq+huQbCqLVfSsPmJWdAl2ntuGhDOAoFf9wEDITZQul0BwmDAatRGSRD8B/bCdGR1g13A8KkWSoMzmViw6MweSZz25Dt89548Qmb5ERPMbI9usVbaDvtJmObZVTEJs6xIZ2E+GReXpGP6Ux/meXnn1AcWK2mBSwrAYUUxLmZpejWehpOiwHSKs6nHubCDSNounmpNvCkbbe3yFeVHkBnmzJPTaHouJxYr0VR+tfgNT1SjM9xi4Y+k5bZ1ZpZL1lGCNlpR+jzUImiPHdT3WCNlK2fziy447zoqS40l2GG7eN24RrHKXNJGXz7tPq4/70ZJK+0BLc9G65ornhuv8aGRQwUv3jKJaHXzbxJILK8aAdKa/4LDX1ymPSGGy1IM4+ZXf+96eoIKHR9AWzfP0geaDK6ZSUvpHPV16/v5huvnkXMZ/MHo7TVUt38elGTo4cX0iykrpdI9p9eaQfvOfy+zxyqk18AtVGNNDRluQKL3Wvf6HL0cXSiQuauUX2v3X3IaqH2h7kE0rkb+7WDeCdWOpwLPKLgXhfmwfHQ/AUXwiYDcBgAA&quot;"/>
-    <we:property name="isFiltersActionButtonVisible" value="true"/>
-    <we:property name="isFooterCollapsed" value="true"/>
-    <we:property name="pageDisplayName" value="&quot;Page 2&quot;"/>
-    <we:property name="pageName" value="&quot;ReportSection51bdc8f51ccfb91d54f2&quot;"/>
-    <we:property name="pptInsertionSessionID" value="&quot;5D36CA76-A4EB-4250-B92D-14D732F02D85&quot;"/>
-    <we:property name="reportEmbeddedTime" value="&quot;2023-12-07T20:42:01.437Z&quot;"/>
-    <we:property name="reportName" value="&quot;FentanylCapstone&quot;"/>
-    <we:property name="reportState" value="&quot;CONNECTED&quot;"/>
-    <we:property name="reportUrl" value="&quot;/groups/me/reports/26a5b459-2ec0-4d15-9a7f-1b15d4c5bb61/ReportSection51bdc8f51ccfb91d54f2?bookmarkGuid=0e328ffa-9f17-42c8-96df-25708e7ef30a&amp;bookmarkUsage=1&amp;ctid=101da587-1843-4f52-8b8a-17b069c66d33&amp;fromEntryPoint=export&quot;"/>
+    <we:property name="creatorSessionId" value="&quot;af39c687-1b86-4dea-b8fa-1e714728bb88&quot;"/>
   </we:properties>
   <we:bindings/>
   <we:snapshot xmlns:r="http://schemas.openxmlformats.org/officeDocument/2006/relationships" r:embed="rId1"/>
@@ -14012,29 +14039,29 @@
 </file>
 
 <file path=ppt/webextensions/webextension6.xml><?xml version="1.0" encoding="utf-8"?>
-<we:webextension xmlns:we="http://schemas.microsoft.com/office/webextensions/webextension/2010/11" id="{0C11530A-6A2E-4AAA-8B05-0B53AC7498E3}">
+<we:webextension xmlns:we="http://schemas.microsoft.com/office/webextensions/webextension/2010/11" id="{A4ECDB1D-2043-497B-8AA1-359CC5429209}">
   <we:reference id="wa200003233" version="2.0.0.3" store="en-US" storeType="OMEX"/>
   <we:alternateReferences>
     <we:reference id="WA200003233" version="2.0.0.3" store="WA200003233" storeType="OMEX"/>
   </we:alternateReferences>
   <we:properties>
+    <we:property name="pptInsertionSessionID" value="&quot;D4664E62-6BD8-4BF9-BFD6-7190747F57B6&quot;"/>
+    <we:property name="reportUrl" value="&quot;/groups/me/reports/3756f271-59ef-40ec-b9eb-a1b57cbd82dc/ReportSection?bookmarkGuid=80621eb5-027c-4cf5-881a-aed0c14a2352&amp;bookmarkUsage=1&amp;ctid=101da587-1843-4f52-8b8a-17b069c66d33&amp;fromEntryPoint=export&quot;"/>
+    <we:property name="reportName" value="&quot;OpioidCapstone&quot;"/>
+    <we:property name="reportState" value="&quot;CONNECTED&quot;"/>
+    <we:property name="embedUrl" value="&quot;/reportEmbed?reportId=3756f271-59ef-40ec-b9eb-a1b57cbd82dc&amp;config=eyJjbHVzdGVyVXJsIjoiaHR0cHM6Ly9XQUJJLVVTLUVBU1QtQS1QUklNQVJZLXJlZGlyZWN0LmFuYWx5c2lzLndpbmRvd3MubmV0IiwiZW1iZWRGZWF0dXJlcyI6eyJ1c2FnZU1ldHJpY3NWTmV4dCI6dHJ1ZSwiZGlzYWJsZUFuZ3VsYXJKU0Jvb3RzdHJhcFJlcG9ydEVtYmVkIjp0cnVlfX0%3D&amp;disableSensitivityBanner=true&quot;"/>
+    <we:property name="pageName" value="&quot;ReportSection&quot;"/>
+    <we:property name="pageDisplayName" value="&quot;Page 1&quot;"/>
+    <we:property name="datasetId" value="&quot;9939c1f9-0ba0-48c9-af58-04386b0eca9d&quot;"/>
     <we:property name="backgroundColor" value="&quot;#FFFFFF&quot;"/>
-    <we:property name="bookmark" value="&quot;H4sIAAAAAAAAA+1WUU/bMBD+K8gvvERTk5BCeSsdaJMYQrCxh4mHi31JTV07sh1Gh/rfd3ZSjRYQnTQJkPYWn893332+++J7JqRrFCzOYI7skB0ZM5uDne2kLGF63VaOAMR+xgUWo7wsimGecfIyjZdGO3Z4zzzYGv2VdC2oEJCMP64TBkqdQx1WFSiHCWvQOqNByV/YOdOWty0uE4Z3jTIWQshLDx5D2FtypzVBST/klBG4l7d4idx31gtsjPWrdcJc9xUhre+FYDHhxGgPUlPgYMv3IAM4qFDwg9Ewx7QYimCvpPK9S7k4vmss1UNVLppAy1jcguYoWARt0bk+w7iuLdawSni8tjkxqp0/Yb80reV4gVXc0l76BeWwwDEbZClbEjXn1hBx0f59KomaYDxpdV/aICyn5ufEIvEmgiF5E2A/UYeBlvy94D1SwGfvBezYSdAvg70mi5O6Vv3A/ZmEr10NwujWT6ZgfRjp8oYGJvQ9HTNWoD1axNb/KO1qkrJkA/frtT1VR6a0HKRDUeSFyEqohtV+kVbPD3GvbSdxsyrzwd4eFmVW7R9UnFflaEg09Nc7IRJrYyUn2pI+XIh2tZIlouLEmnmM2+uoJc/H5SSsY5vuI6Fi0GI8Q2Ik5Iq3M+Mf0/R5gzrXn9uC1G4RIW2weWp4d1vLAOcKVBsFmwKfEs22a5JoJufdb5qMYieKstuNZ57xHCtwM4gudDHxejYH49+0w4MC3uZw/pfp11e+twF2y3/KizJN6qNQfIFmU6W7NxFlvHnw+OmVa7G9WvzNzHXDvXwIhM2RXoDhw7Se2onjOehO5JouhsToRxcAWqDov6OePqEl8b3IYhKiQZYKtz3Qw/sNCwDBjeAKAAA=&quot;"/>
-    <we:property name="creatorSessionId" value="&quot;1a2a0726-32b8-4ab1-b301-fb94a5308c3a&quot;"/>
+    <we:property name="bookmark" value="&quot;H4sIAAAAAAAAA+1W30/bMBD+V5BfeImmpD/SwlvpQJvEEIKNPUw8XOJzaurake0wOtT/fWcn1WgB0UmTAGlv8fl8993nuy++Z1y6WsHyDBbIDtmRMfMF2PlexhKmN21ilPVHWS6KNB0P0jwdwgEnL1N7abRjh/fMg63QX0nXgAoByfjjOmGg1DlUYSVAOUxYjdYZDUr+wtaZtrxtcJUwvKuVsRBCXnrwGMLekjutCUr2oU8ZofTyFi+x9K31Amtj/XqdMNd+RUibeyFYTDg12oPUFDjY+gPoAYwF8nJ8kPcxG+Y82IVUvnMplsd3taV6qMplHWiZ8FvQJQYKCLRF57oMk6qyWME64fHG5tSoZvGE/dI0tsQLFHFLe+mXlMNCib20l7EVUXNuDREX7d9nkqgJxpNGd6WlYTkzP6cWiTceDMmbAPuJOgy0LN8L3iMF5fy9gJ04CfplsNdkcVJXqhu4P5Pwta2BG9346QysDyNd3NDAhL6nY8ZytEfL2PofpV1PUi/Zwv16bU/VkSkr0iznw/6Q9woQuRgNM/H8EHfadhI3RdFPBwMcFj0xGouyFMVBTjR01zslEitjZUm0JV24EO1qLUtExYk1ixi301FLno/LSVjLNt1HQsWgxXiGxIjLNW9nxj+m6fMWda47twOp7SJC2mLz1JTtba0CnCtQTRRsCnxKNNu2SaKZnPe/aTLyvSjKbj+eecZzosDNIbrQxcTr2R6Mf9MODwp4m8P5X6ZfX/neBtgd/ykvyjSpj0L+BeptlW7fRJTx5sHjp1Ou5e5q8Tcz1w736iEQtkB6AYYP03hqpxLPQbciV7cxJEY/ugDQHHn3HfX0CS2J70UWkxANslC464EO3m+IQ7/v4AoAAA==&quot;"/>
+    <we:property name="initialStateBookmark" value="&quot;H4sIAAAAAAAAA+1W204bMRD9FeQXXlZVNiHh8pakoFZcBS19qFA1a88uJo69sr2UFOXfO/Y6KgQQqVSJIPVtfTyey/HMWd8zIV2tYHYCU2R7bGTMZAp2spGzjOmEnZ4eHg/PD3+cDI/3CTa1l0Y7tnfPPNgK/aV0DajggcDvVxkDpc6gCqsSlMOM1Wid0aDkL2yNacvbBucZw7taGQvB5YUHj8HtLZnTmmLnH3oUEbiXt3iB3LfoOdbG+sU6Y679iik93gvOYsCx0R6kJscB621BF2CnRMF3dgc9zPsDEfBSKp9Mitn+XW2pHqpyVgcehuIWNEfBYtIWnUsRhlVlsYJFwP1Hm2Ojmukz+IVpLMdzLOOW9tLPKIYFjt1ON2dzoubMGiIu4t+uJVETwINGp9I6YXltfo4tEm8iANlaJPuJWgq05O8l35ECPnkvyQ6dBP16sleEOKkrlQbuzyR8aWsQRjd+fA3Wh5EubmhgQt/TMWMF2tEstv5HaReT1M2W8n67tqfqCMqLTj4Q/V5fdAsoB+V2Py9fHuIkZgdxsyx6na0t7Bfdcnun5LwsdgdEQ7reMZFYGSs50ZYld8Hb5UKWiIoDa6bRbxJOS5ZPy8lYyzbdR0bFoMV4hsRIyAVvJ8Y/penzEnUunVuB1HYRU1pi88jw9rbmIZ1LUE0UbHJ8RDTbtkkiTMabXzWBYiOKstuMZ16wHCpwE4gmdDHxepYH49+0w4MC1nM4/8v02yvfeiS74j/lVZkm9VEojqFeVun2TUQRbx48fpJyzVZXi7+ZuXa45w8TYVOkF2D4MI2nduJ4BroVubr1ITHa0QWAFijSd9TTZ7QkPApZjEEsyELhivYpud/2IBJ4zwoAAA==&quot;"/>
+    <we:property name="isFooterCollapsed" value="true"/>
+    <we:property name="isFiltersActionButtonVisible" value="true"/>
+    <we:property name="reportEmbeddedTime" value="&quot;2024-01-03T17:36:43.919Z&quot;"/>
     <we:property name="creatorTenantId" value="&quot;101da587-1843-4f52-8b8a-17b069c66d33&quot;"/>
     <we:property name="creatorUserId" value="&quot;10032002EA20E3F0&quot;"/>
-    <we:property name="datasetId" value="&quot;ef2e416a-595d-499d-806e-e3f4c6b9d79f&quot;"/>
-    <we:property name="embedUrl" value="&quot;/reportEmbed?reportId=26a5b459-2ec0-4d15-9a7f-1b15d4c5bb61&amp;config=eyJjbHVzdGVyVXJsIjoiaHR0cHM6Ly9XQUJJLVVTLUVBU1QtQS1QUklNQVJZLXJlZGlyZWN0LmFuYWx5c2lzLndpbmRvd3MubmV0IiwiZW1iZWRGZWF0dXJlcyI6eyJ1c2FnZU1ldHJpY3NWTmV4dCI6dHJ1ZX19&amp;disableSensitivityBanner=true&quot;"/>
-    <we:property name="initialStateBookmark" value="&quot;H4sIAAAAAAAAA+1W204bMRD9FeQXXlZVNiHh8pakoFZcRVr6UKFq1p5dTBx7ZXspKcq/d+x11BBAUKkSIDVP6+PxXI5nTnzHhHS1gvkJzJDtsZEx0xnY6UbOMqYTdnp6eDw8P/xxMjzeJ9jUXhrt2N4d82Ar9BfSNaCCBwK/X2YMlDqDKqxKUA4zVqN1RoOSv7A1pi1vG1xkDG9rZSwElxMPHoPbGzKnNcXOP/QoInAvb3CC3LfoOdbG+uU6Y679iind3wvOYsCx0R6kJscB621BF2CnRMF3dgc9zPsDEfBSKp9Mivn+bW2pHqpyXgcehuIGNEfBYtIWnUsRhlVlsYJlwP17m2Ojmtkj+MQ0luM5lnFLe+nnFMMCx26nm7MFUXNmDREX8W9XkqgJ4EGjU2mdsLwyP8cWiTcRgOxNJPuJWgq05O8l35ECPn0vyQ6dBP18speEOKkrlQbuzyR8aWsQRjd+fAXWh5EurmlgQt/TMWMF2tE8tv5HaZeT1M3W8n69tqfqCMqLTj4Q/V5fdAsoB+V2Py+fHuIkZgdxsyx6na0t7Bfdcnun5LwsdgdEQ7reMZFYGSs50ZYld8HbxVKWiIoDa2bRbxJOS5YPy8lYyzbdR0bFoMV4hsRIyCVvJ8Y/pOnzGnUunXsBqe0iprTG5pHh7W0tQjoXoJoo2OT4iGi2bZNEmIw3v2oCxUYUZbcZzzxhOVTgphBN6GLi9awPxr9ph5UC3uZw/pfp11e+t5HsC/9TnpVpUh+F4hjqdZVu30QU8Xrl8ZOUa/5ytfibmWuHe7GaCJshvQDDh2k8tRPHM9CtyNWtD4nRji4AtECRvqOePqIl8b3IYhCiQRYKnzkQXpEsiQ79fgOaAH510AoAAA==&quot;"/>
-    <we:property name="isFiltersActionButtonVisible" value="true"/>
-    <we:property name="isFooterCollapsed" value="true"/>
-    <we:property name="pageDisplayName" value="&quot;Page 1&quot;"/>
-    <we:property name="pageName" value="&quot;ReportSection&quot;"/>
-    <we:property name="pptInsertionSessionID" value="&quot;5D36CA76-A4EB-4250-B92D-14D732F02D85&quot;"/>
-    <we:property name="reportEmbeddedTime" value="&quot;2023-12-08T18:51:43.064Z&quot;"/>
-    <we:property name="reportName" value="&quot;FentanylCapstone&quot;"/>
-    <we:property name="reportState" value="&quot;CONNECTED&quot;"/>
-    <we:property name="reportUrl" value="&quot;/groups/me/reports/26a5b459-2ec0-4d15-9a7f-1b15d4c5bb61/ReportSection?bookmarkGuid=a826ce69-4b18-4455-873c-0bc9975ac43a&amp;bookmarkUsage=1&amp;ctid=101da587-1843-4f52-8b8a-17b069c66d33&amp;fromEntryPoint=export&quot;"/>
+    <we:property name="creatorSessionId" value="&quot;839c6b5d-981b-4bda-97a5-b99dcc15dfe5&quot;"/>
   </we:properties>
   <we:bindings/>
   <we:snapshot xmlns:r="http://schemas.openxmlformats.org/officeDocument/2006/relationships" r:embed="rId1"/>
@@ -14042,29 +14069,29 @@
 </file>
 
 <file path=ppt/webextensions/webextension7.xml><?xml version="1.0" encoding="utf-8"?>
-<we:webextension xmlns:we="http://schemas.microsoft.com/office/webextensions/webextension/2010/11" id="{5F5C1459-701B-468C-AC4A-4C24353A0693}">
+<we:webextension xmlns:we="http://schemas.microsoft.com/office/webextensions/webextension/2010/11" id="{8262B468-7D3F-486E-B135-1B1E70230A47}">
   <we:reference id="wa200003233" version="2.0.0.3" store="en-US" storeType="OMEX"/>
   <we:alternateReferences>
     <we:reference id="WA200003233" version="2.0.0.3" store="WA200003233" storeType="OMEX"/>
   </we:alternateReferences>
   <we:properties>
-    <we:property name="pptInsertionSessionID" value="&quot;5FED5785-DF14-4D52-924C-9EB02FEE1F4E&quot;"/>
-    <we:property name="reportUrl" value="&quot;/groups/me/reports/3756f271-59ef-40ec-b9eb-a1b57cbd82dc/ReportSection9e9f6026e25a08fb98c8?bookmarkGuid=2f60dcaf-886b-4610-bb9c-9e38c167f453&amp;bookmarkUsage=1&amp;ctid=101da587-1843-4f52-8b8a-17b069c66d33&amp;fromEntryPoint=export&quot;"/>
+    <we:property name="pptInsertionSessionID" value="&quot;D4664E62-6BD8-4BF9-BFD6-7190747F57B6&quot;"/>
+    <we:property name="reportUrl" value="&quot;/groups/me/reports/3756f271-59ef-40ec-b9eb-a1b57cbd82dc/ReportSection9e9f6026e25a08fb98c8?bookmarkGuid=8b8c6f24-1d00-47a5-80ca-05b32511cb7a&amp;bookmarkUsage=1&amp;ctid=101da587-1843-4f52-8b8a-17b069c66d33&amp;fromEntryPoint=export&quot;"/>
     <we:property name="reportName" value="&quot;OpioidCapstone&quot;"/>
     <we:property name="reportState" value="&quot;CONNECTED&quot;"/>
-    <we:property name="embedUrl" value="&quot;/reportEmbed?reportId=3756f271-59ef-40ec-b9eb-a1b57cbd82dc&amp;config=eyJjbHVzdGVyVXJsIjoiaHR0cHM6Ly9XQUJJLVVTLUVBU1QtQS1QUklNQVJZLXJlZGlyZWN0LmFuYWx5c2lzLndpbmRvd3MubmV0IiwiZW1iZWRGZWF0dXJlcyI6eyJ1c2FnZU1ldHJpY3NWTmV4dCI6dHJ1ZX19&amp;disableSensitivityBanner=true&quot;"/>
+    <we:property name="embedUrl" value="&quot;/reportEmbed?reportId=3756f271-59ef-40ec-b9eb-a1b57cbd82dc&amp;config=eyJjbHVzdGVyVXJsIjoiaHR0cHM6Ly9XQUJJLVVTLUVBU1QtQS1QUklNQVJZLXJlZGlyZWN0LmFuYWx5c2lzLndpbmRvd3MubmV0IiwiZW1iZWRGZWF0dXJlcyI6eyJ1c2FnZU1ldHJpY3NWTmV4dCI6dHJ1ZSwiZGlzYWJsZUFuZ3VsYXJKU0Jvb3RzdHJhcFJlcG9ydEVtYmVkIjp0cnVlfX0%3D&amp;disableSensitivityBanner=true&quot;"/>
     <we:property name="pageName" value="&quot;ReportSection9e9f6026e25a08fb98c8&quot;"/>
     <we:property name="pageDisplayName" value="&quot;Page 4&quot;"/>
     <we:property name="datasetId" value="&quot;9939c1f9-0ba0-48c9-af58-04386b0eca9d&quot;"/>
     <we:property name="backgroundColor" value="&quot;#FFFFFF&quot;"/>
-    <we:property name="bookmark" value="&quot;H4sIAAAAAAAAA+1WUU/bMBD+K5Vf2KQwJQ1pG96gUGnSNDGKmKapDxfnEgyuHTkOkKH+d85OKgbrgIcNddJeovjufL77/N2X3LFc1JWE9jMske2zQ62vlmCuBhELmHpsi+IIijRJ4zTDEccYxyOgKF1ZoVXN9u+YBVOiPRd1A9IlJOP3RcBAyhMo3aoAWWPAKjS1ViDFD+yCyWVNg6uA4W0ltQGXcm7Bokt7TeG0plKiDzGdCNyKa5wjt531FCttbL9OMS1G4XCEwwTCSZGlEz6hPXXn9WW+HO8O9YVNtbIgFBXgbKMcw/GYA2CSj8M8SRB8bCGk7UOy9vi2MtQ3odFWDr6D/BoUx5z55gzWXS937KAsDZZg++XxI+dUy2a5wT7XjeF4ioV3KStsS2con+VG5Libm6asd4t2GLpHzFYE6onRBLmPnDfLwRfbDt7JrH7vnbNG9UCGbnmhb6YGCfncGYKX2/hblc6+sefqmZKp1EZwkG9W0hG5B2fu/F8rW5ClFqqUPaUfOHTWFcxlUxNLMO+qm16AsW58sksiouMOJdAmR3PYevocCbNm+DB40sg2Ume1WE8m7bn8adz6m+q6eourWayck2MCabxXcM6HkySKkpDk6rfD2mvdzDsjTMIojSd7o2G4F0KUwcQp3UbmdelctvO1TNF1zYxe+ry9riqKfE1XAevYEjo0v14QXXrUVC7Wt/3xCXz164HtFr6e5/AL2DnIxss3Zf4kqMGO0N5M0TszJF1Urdxx4Q7vxWobhnB75eqf/gq8qG2SPpH/Be3P88lNlhezB1DZEukny73oxtYVcDwB1alE1e0W6OOIZqByd4H+3UvUhlH2v2TMH0JXKjKJr93Ql3cPnRuSdkMKAAA=&quot;"/>
+    <we:property name="bookmark" value="&quot;H4sIAAAAAAAAA+1W30/bMBD+Vyq/bJPClLRNm/IGhUqTpolRxDRNfbjYl2Bw7chxgAz1f9/ZScVgDHjYEJP2EuV++Hz33XeX3DAh60pB+wnWyHbZvjEXa7AXg4RFTN/V5ePJNMtHOZ+mIs3FcBYDJy9TOWl0zXZvmANbojuVdQPKByTlt1XEQKkjKL1UgKoxYhXa2mhQ8jt2zmRytsFNxPC6UsaCD7l04NCHvSR3kimV5P2IbgTu5CUukbtOe4yVsa6XZzgrJvFwgsMU4qzIZxnP6EzdWUOaT/v7S0Nic6MdSE0JeN1EYDydcgBMxTQWaYoQfAupXO+St4fXlaW6CY228vDtiUvQHAULxVmsu1pu2F5ZWizB9eLhHePcqGb9gH5pGsvxGItg0k66lu7QIcqVFLgjbFPWO0U7jP1jxDYE6pE1BHnwXDbrwWfXDt6qvH4XjItG90DGXjwzV3OLhLzwiujpMv5Wpouv7LF85qQqjZUc1IuldEDmwYm//9fMVqSppS5VT+lbDp10CXPV1MQSFF128zOwzo9Pfk5E9NyhAMYKtPttoM+BtFuGD6N7hbxG6mxW28mkM+c/jVvfqa6ql2jNauONHFOYjcYF53yYpUmSxhP4/bD2u24RjAmmcTIbZePJMB7HkOSQAbXqQeZ14Xy00+2aonYtrFmHuP1e1eT5nKoi1rEl9mh+OSO69KhpIbfd/nAPvvr5wHZCyOcx/CJ2CqoJ65sif5RUYEfooCbvNwukvahb9ca7e7xXm9cwhK93Xf3TX4End5uiT+T/hfbn+eQnKyyzW1DZGukny7+YxtUVcDwC3W2JqjstMfgRzUAL38DwHlbUA6McfslYuIRaKnOFzz3Qp/cDL/29E0MKAAA=&quot;"/>
     <we:property name="initialStateBookmark" value="&quot;H4sIAAAAAAAAA+1W30/bMBD+Vyq/sElhSlpSWt5KodLEgI4ipmmqpqtzCQbXjmwHyFD/952dVGyMAQ8bYtJeovjufD++++6SW5YJW0qoj2CJbIftan25BHPZSVjEVCs7Pj44HJ0cfD0aHe6TWJdOaGXZzi1zYAp0Z8JWIL0HEn6ZRwyknELhTzlIixEr0VitQIpv2BiTypkKVxHDm1JqA97lzIFD7/aKzOlMsZN3PYoI3IkrnCF3jfQES21cex7iMO/H3T52U4gH+WI44AO6YxttSPNpex80JDbWyoFQlICX9TOMt7c5AKbZdpylKUKwzYV0rcmi3r8pDdVNaNSlx2uUXYHimLFQnEHb1HLLRkVhsADXHvd/Uo61rJYPyGe6MhxPMA8q5YSrKYYKXq5FhpuZqQq7mdfd2D96bEWgTo0myIPlrFp2Prq680Yu7NugnFSqBTL2x3N9PTZIyGdeED1dxt/KdPKZPZbPmESFNoKDfLGU9kjdOfXxf81sThIrVCFbSt9x6LRJmMvKEkswa7Ibn4NxfnwWF0REzx1yoE2GZrcO9NkTZs3wbnSvkNdIndV8PZl05+KHcWs71VT1Eq2Zr7ySYwrD3lbOOe8O0iRJ4z78fljb5TYJygTTOBn2Blv9brwVQ7KAAVCrHmRe4857O1uvKWrXxOhl8NsuUkWWz6kqYg1bYo/mp3OiS4uaysS62+/vwWefD2xzCPk8hl/EzkBWYX2T5w+CCmwIHcRkvTFB2ouqlhve3OM9X72GIXy96+qf/go8udskfSL/L7Q/zyc/WWGZ3YHKlkg/Wf5FV86WwHEKqtkSZXNbYLAjmoHKfAPDe1hRD4yy/+9iIQZ1VCwkPtO+Te47A1UQlzIKAAA=&quot;"/>
     <we:property name="isFooterCollapsed" value="true"/>
     <we:property name="isFiltersActionButtonVisible" value="true"/>
-    <we:property name="reportEmbeddedTime" value="&quot;2023-12-15T19:56:48.025Z&quot;"/>
+    <we:property name="reportEmbeddedTime" value="&quot;2024-01-02T23:39:38.949Z&quot;"/>
     <we:property name="creatorTenantId" value="&quot;101da587-1843-4f52-8b8a-17b069c66d33&quot;"/>
     <we:property name="creatorUserId" value="&quot;10032002EA20E3F0&quot;"/>
-    <we:property name="creatorSessionId" value="&quot;01e3485b-1611-4992-9309-30988ff5aafb&quot;"/>
+    <we:property name="creatorSessionId" value="&quot;e8f82cf6-cb51-4193-829a-bf35829aa39f&quot;"/>
   </we:properties>
   <we:bindings/>
   <we:snapshot xmlns:r="http://schemas.openxmlformats.org/officeDocument/2006/relationships" r:embed="rId1"/>
